--- a/Part 2/Slides part 2.pptx
+++ b/Part 2/Slides part 2.pptx
@@ -147,6 +147,435 @@
 <file path=ppt/changesInfos/changesInfo1.xml><?xml version="1.0" encoding="utf-8"?>
 <pc:chgInfo xmlns:a="http://schemas.openxmlformats.org/drawingml/2006/main" xmlns:r="http://schemas.openxmlformats.org/officeDocument/2006/relationships" xmlns:ac="http://schemas.microsoft.com/office/drawing/2013/main/command" xmlns:pc="http://schemas.microsoft.com/office/powerpoint/2013/main/command">
   <pc:docChgLst>
+    <pc:chgData name="Bradbury, Naomi V." userId="cc8de8ce-d319-4b38-abd1-eaa276f62348" providerId="ADAL" clId="{23BCDB77-73AD-B94F-B7DE-080C488E41C9}"/>
+    <pc:docChg chg="undo custSel addSld delSld modSld sldOrd">
+      <pc:chgData name="Bradbury, Naomi V." userId="cc8de8ce-d319-4b38-abd1-eaa276f62348" providerId="ADAL" clId="{23BCDB77-73AD-B94F-B7DE-080C488E41C9}" dt="2023-06-10T09:22:10.947" v="2603" actId="20577"/>
+      <pc:docMkLst>
+        <pc:docMk/>
+      </pc:docMkLst>
+      <pc:sldChg chg="delSp modSp mod">
+        <pc:chgData name="Bradbury, Naomi V." userId="cc8de8ce-d319-4b38-abd1-eaa276f62348" providerId="ADAL" clId="{23BCDB77-73AD-B94F-B7DE-080C488E41C9}" dt="2023-06-10T09:22:10.947" v="2603" actId="20577"/>
+        <pc:sldMkLst>
+          <pc:docMk/>
+          <pc:sldMk cId="743553170" sldId="256"/>
+        </pc:sldMkLst>
+        <pc:spChg chg="mod">
+          <ac:chgData name="Bradbury, Naomi V." userId="cc8de8ce-d319-4b38-abd1-eaa276f62348" providerId="ADAL" clId="{23BCDB77-73AD-B94F-B7DE-080C488E41C9}" dt="2023-06-10T09:22:10.947" v="2603" actId="20577"/>
+          <ac:spMkLst>
+            <pc:docMk/>
+            <pc:sldMk cId="743553170" sldId="256"/>
+            <ac:spMk id="2" creationId="{E09C15A4-94AB-B60C-1F56-ED2CA102E3DA}"/>
+          </ac:spMkLst>
+        </pc:spChg>
+        <pc:spChg chg="del">
+          <ac:chgData name="Bradbury, Naomi V." userId="cc8de8ce-d319-4b38-abd1-eaa276f62348" providerId="ADAL" clId="{23BCDB77-73AD-B94F-B7DE-080C488E41C9}" dt="2023-06-07T10:18:03.361" v="14" actId="478"/>
+          <ac:spMkLst>
+            <pc:docMk/>
+            <pc:sldMk cId="743553170" sldId="256"/>
+            <ac:spMk id="3" creationId="{AA18E247-DF39-EBB5-8AA9-869A6B3B35BA}"/>
+          </ac:spMkLst>
+        </pc:spChg>
+      </pc:sldChg>
+      <pc:sldChg chg="modSp new mod modAnim">
+        <pc:chgData name="Bradbury, Naomi V." userId="cc8de8ce-d319-4b38-abd1-eaa276f62348" providerId="ADAL" clId="{23BCDB77-73AD-B94F-B7DE-080C488E41C9}" dt="2023-06-07T10:37:18.257" v="891" actId="255"/>
+        <pc:sldMkLst>
+          <pc:docMk/>
+          <pc:sldMk cId="3220116321" sldId="257"/>
+        </pc:sldMkLst>
+        <pc:spChg chg="mod">
+          <ac:chgData name="Bradbury, Naomi V." userId="cc8de8ce-d319-4b38-abd1-eaa276f62348" providerId="ADAL" clId="{23BCDB77-73AD-B94F-B7DE-080C488E41C9}" dt="2023-06-07T10:33:27.751" v="697" actId="20577"/>
+          <ac:spMkLst>
+            <pc:docMk/>
+            <pc:sldMk cId="3220116321" sldId="257"/>
+            <ac:spMk id="2" creationId="{3CC88DF9-746D-F6B7-11AD-D3B3D66B97FC}"/>
+          </ac:spMkLst>
+        </pc:spChg>
+        <pc:spChg chg="mod">
+          <ac:chgData name="Bradbury, Naomi V." userId="cc8de8ce-d319-4b38-abd1-eaa276f62348" providerId="ADAL" clId="{23BCDB77-73AD-B94F-B7DE-080C488E41C9}" dt="2023-06-07T10:37:18.257" v="891" actId="255"/>
+          <ac:spMkLst>
+            <pc:docMk/>
+            <pc:sldMk cId="3220116321" sldId="257"/>
+            <ac:spMk id="3" creationId="{DA0BFF85-144A-94C4-BE94-FBAD64D95DCC}"/>
+          </ac:spMkLst>
+        </pc:spChg>
+      </pc:sldChg>
+      <pc:sldChg chg="modSp new mod">
+        <pc:chgData name="Bradbury, Naomi V." userId="cc8de8ce-d319-4b38-abd1-eaa276f62348" providerId="ADAL" clId="{23BCDB77-73AD-B94F-B7DE-080C488E41C9}" dt="2023-06-07T10:23:47.508" v="401" actId="20577"/>
+        <pc:sldMkLst>
+          <pc:docMk/>
+          <pc:sldMk cId="1582068900" sldId="258"/>
+        </pc:sldMkLst>
+        <pc:spChg chg="mod">
+          <ac:chgData name="Bradbury, Naomi V." userId="cc8de8ce-d319-4b38-abd1-eaa276f62348" providerId="ADAL" clId="{23BCDB77-73AD-B94F-B7DE-080C488E41C9}" dt="2023-06-07T10:20:43.671" v="179" actId="2711"/>
+          <ac:spMkLst>
+            <pc:docMk/>
+            <pc:sldMk cId="1582068900" sldId="258"/>
+            <ac:spMk id="2" creationId="{E9F9F47F-D80D-06CB-B1D9-5E2C714CEA5B}"/>
+          </ac:spMkLst>
+        </pc:spChg>
+        <pc:spChg chg="mod">
+          <ac:chgData name="Bradbury, Naomi V." userId="cc8de8ce-d319-4b38-abd1-eaa276f62348" providerId="ADAL" clId="{23BCDB77-73AD-B94F-B7DE-080C488E41C9}" dt="2023-06-07T10:23:47.508" v="401" actId="20577"/>
+          <ac:spMkLst>
+            <pc:docMk/>
+            <pc:sldMk cId="1582068900" sldId="258"/>
+            <ac:spMk id="3" creationId="{CB75B596-7555-5B4F-DF74-617748FE1F4E}"/>
+          </ac:spMkLst>
+        </pc:spChg>
+      </pc:sldChg>
+      <pc:sldChg chg="addSp delSp modSp new mod">
+        <pc:chgData name="Bradbury, Naomi V." userId="cc8de8ce-d319-4b38-abd1-eaa276f62348" providerId="ADAL" clId="{23BCDB77-73AD-B94F-B7DE-080C488E41C9}" dt="2023-06-07T10:26:45.639" v="492" actId="2711"/>
+        <pc:sldMkLst>
+          <pc:docMk/>
+          <pc:sldMk cId="612446693" sldId="259"/>
+        </pc:sldMkLst>
+        <pc:spChg chg="del">
+          <ac:chgData name="Bradbury, Naomi V." userId="cc8de8ce-d319-4b38-abd1-eaa276f62348" providerId="ADAL" clId="{23BCDB77-73AD-B94F-B7DE-080C488E41C9}" dt="2023-06-07T10:24:41.070" v="404" actId="478"/>
+          <ac:spMkLst>
+            <pc:docMk/>
+            <pc:sldMk cId="612446693" sldId="259"/>
+            <ac:spMk id="2" creationId="{F274133D-0B45-4FE6-3FCD-A3E6B30FCE4A}"/>
+          </ac:spMkLst>
+        </pc:spChg>
+        <pc:spChg chg="del">
+          <ac:chgData name="Bradbury, Naomi V." userId="cc8de8ce-d319-4b38-abd1-eaa276f62348" providerId="ADAL" clId="{23BCDB77-73AD-B94F-B7DE-080C488E41C9}" dt="2023-06-07T10:24:51.222" v="405" actId="931"/>
+          <ac:spMkLst>
+            <pc:docMk/>
+            <pc:sldMk cId="612446693" sldId="259"/>
+            <ac:spMk id="3" creationId="{C861D378-3C90-23B7-A631-6A54FEBC4355}"/>
+          </ac:spMkLst>
+        </pc:spChg>
+        <pc:spChg chg="add mod">
+          <ac:chgData name="Bradbury, Naomi V." userId="cc8de8ce-d319-4b38-abd1-eaa276f62348" providerId="ADAL" clId="{23BCDB77-73AD-B94F-B7DE-080C488E41C9}" dt="2023-06-07T10:26:45.639" v="492" actId="2711"/>
+          <ac:spMkLst>
+            <pc:docMk/>
+            <pc:sldMk cId="612446693" sldId="259"/>
+            <ac:spMk id="6" creationId="{262B8496-BB00-24AF-C6DE-2C4162178926}"/>
+          </ac:spMkLst>
+        </pc:spChg>
+        <pc:picChg chg="add mod">
+          <ac:chgData name="Bradbury, Naomi V." userId="cc8de8ce-d319-4b38-abd1-eaa276f62348" providerId="ADAL" clId="{23BCDB77-73AD-B94F-B7DE-080C488E41C9}" dt="2023-06-07T10:25:38.314" v="413" actId="1076"/>
+          <ac:picMkLst>
+            <pc:docMk/>
+            <pc:sldMk cId="612446693" sldId="259"/>
+            <ac:picMk id="5" creationId="{352596CC-0BC6-46A3-73C4-20C72AE63BA2}"/>
+          </ac:picMkLst>
+        </pc:picChg>
+      </pc:sldChg>
+      <pc:sldChg chg="addSp delSp modSp new mod">
+        <pc:chgData name="Bradbury, Naomi V." userId="cc8de8ce-d319-4b38-abd1-eaa276f62348" providerId="ADAL" clId="{23BCDB77-73AD-B94F-B7DE-080C488E41C9}" dt="2023-06-09T14:38:54.124" v="2601" actId="20577"/>
+        <pc:sldMkLst>
+          <pc:docMk/>
+          <pc:sldMk cId="4156932759" sldId="260"/>
+        </pc:sldMkLst>
+        <pc:spChg chg="add del mod">
+          <ac:chgData name="Bradbury, Naomi V." userId="cc8de8ce-d319-4b38-abd1-eaa276f62348" providerId="ADAL" clId="{23BCDB77-73AD-B94F-B7DE-080C488E41C9}" dt="2023-06-07T10:19:02.193" v="48" actId="2711"/>
+          <ac:spMkLst>
+            <pc:docMk/>
+            <pc:sldMk cId="4156932759" sldId="260"/>
+            <ac:spMk id="2" creationId="{8D9ED0F1-D31E-E4B2-4E4D-7D81E4D0590C}"/>
+          </ac:spMkLst>
+        </pc:spChg>
+        <pc:spChg chg="mod">
+          <ac:chgData name="Bradbury, Naomi V." userId="cc8de8ce-d319-4b38-abd1-eaa276f62348" providerId="ADAL" clId="{23BCDB77-73AD-B94F-B7DE-080C488E41C9}" dt="2023-06-09T14:38:54.124" v="2601" actId="20577"/>
+          <ac:spMkLst>
+            <pc:docMk/>
+            <pc:sldMk cId="4156932759" sldId="260"/>
+            <ac:spMk id="3" creationId="{FDD23324-AC41-B375-5269-788854BF53BD}"/>
+          </ac:spMkLst>
+        </pc:spChg>
+      </pc:sldChg>
+      <pc:sldChg chg="addSp delSp modSp new mod">
+        <pc:chgData name="Bradbury, Naomi V." userId="cc8de8ce-d319-4b38-abd1-eaa276f62348" providerId="ADAL" clId="{23BCDB77-73AD-B94F-B7DE-080C488E41C9}" dt="2023-06-09T14:29:39.666" v="2571" actId="14100"/>
+        <pc:sldMkLst>
+          <pc:docMk/>
+          <pc:sldMk cId="121551038" sldId="261"/>
+        </pc:sldMkLst>
+        <pc:spChg chg="add del mod">
+          <ac:chgData name="Bradbury, Naomi V." userId="cc8de8ce-d319-4b38-abd1-eaa276f62348" providerId="ADAL" clId="{23BCDB77-73AD-B94F-B7DE-080C488E41C9}" dt="2023-06-09T14:29:20.869" v="2566" actId="20577"/>
+          <ac:spMkLst>
+            <pc:docMk/>
+            <pc:sldMk cId="121551038" sldId="261"/>
+            <ac:spMk id="2" creationId="{706A30C6-B420-9138-67DB-66E7B7719882}"/>
+          </ac:spMkLst>
+        </pc:spChg>
+        <pc:spChg chg="del mod">
+          <ac:chgData name="Bradbury, Naomi V." userId="cc8de8ce-d319-4b38-abd1-eaa276f62348" providerId="ADAL" clId="{23BCDB77-73AD-B94F-B7DE-080C488E41C9}" dt="2023-06-07T11:04:19.773" v="2539" actId="478"/>
+          <ac:spMkLst>
+            <pc:docMk/>
+            <pc:sldMk cId="121551038" sldId="261"/>
+            <ac:spMk id="3" creationId="{0787F956-05C4-EA76-A794-04F41078C021}"/>
+          </ac:spMkLst>
+        </pc:spChg>
+        <pc:spChg chg="add mod">
+          <ac:chgData name="Bradbury, Naomi V." userId="cc8de8ce-d319-4b38-abd1-eaa276f62348" providerId="ADAL" clId="{23BCDB77-73AD-B94F-B7DE-080C488E41C9}" dt="2023-06-09T14:29:39.666" v="2571" actId="14100"/>
+          <ac:spMkLst>
+            <pc:docMk/>
+            <pc:sldMk cId="121551038" sldId="261"/>
+            <ac:spMk id="3" creationId="{AC20CB76-3D82-299E-653E-41200AE807A6}"/>
+          </ac:spMkLst>
+        </pc:spChg>
+      </pc:sldChg>
+      <pc:sldChg chg="new del">
+        <pc:chgData name="Bradbury, Naomi V." userId="cc8de8ce-d319-4b38-abd1-eaa276f62348" providerId="ADAL" clId="{23BCDB77-73AD-B94F-B7DE-080C488E41C9}" dt="2023-06-07T11:03:22.813" v="2478" actId="2696"/>
+        <pc:sldMkLst>
+          <pc:docMk/>
+          <pc:sldMk cId="2034670517" sldId="262"/>
+        </pc:sldMkLst>
+      </pc:sldChg>
+      <pc:sldChg chg="modSp new mod ord">
+        <pc:chgData name="Bradbury, Naomi V." userId="cc8de8ce-d319-4b38-abd1-eaa276f62348" providerId="ADAL" clId="{23BCDB77-73AD-B94F-B7DE-080C488E41C9}" dt="2023-06-07T11:04:56.719" v="2540" actId="20577"/>
+        <pc:sldMkLst>
+          <pc:docMk/>
+          <pc:sldMk cId="2594108128" sldId="263"/>
+        </pc:sldMkLst>
+        <pc:spChg chg="mod">
+          <ac:chgData name="Bradbury, Naomi V." userId="cc8de8ce-d319-4b38-abd1-eaa276f62348" providerId="ADAL" clId="{23BCDB77-73AD-B94F-B7DE-080C488E41C9}" dt="2023-06-07T10:32:20.460" v="696" actId="2711"/>
+          <ac:spMkLst>
+            <pc:docMk/>
+            <pc:sldMk cId="2594108128" sldId="263"/>
+            <ac:spMk id="2" creationId="{2896361C-F039-E8C7-C34B-7E02CF908C77}"/>
+          </ac:spMkLst>
+        </pc:spChg>
+        <pc:spChg chg="mod">
+          <ac:chgData name="Bradbury, Naomi V." userId="cc8de8ce-d319-4b38-abd1-eaa276f62348" providerId="ADAL" clId="{23BCDB77-73AD-B94F-B7DE-080C488E41C9}" dt="2023-06-07T11:04:56.719" v="2540" actId="20577"/>
+          <ac:spMkLst>
+            <pc:docMk/>
+            <pc:sldMk cId="2594108128" sldId="263"/>
+            <ac:spMk id="3" creationId="{5C06A5BA-087B-2678-000D-81D20DFEE870}"/>
+          </ac:spMkLst>
+        </pc:spChg>
+      </pc:sldChg>
+      <pc:sldChg chg="new del">
+        <pc:chgData name="Bradbury, Naomi V." userId="cc8de8ce-d319-4b38-abd1-eaa276f62348" providerId="ADAL" clId="{23BCDB77-73AD-B94F-B7DE-080C488E41C9}" dt="2023-06-07T11:03:10.591" v="2477" actId="2696"/>
+        <pc:sldMkLst>
+          <pc:docMk/>
+          <pc:sldMk cId="1802343939" sldId="264"/>
+        </pc:sldMkLst>
+      </pc:sldChg>
+      <pc:sldChg chg="modSp new mod">
+        <pc:chgData name="Bradbury, Naomi V." userId="cc8de8ce-d319-4b38-abd1-eaa276f62348" providerId="ADAL" clId="{23BCDB77-73AD-B94F-B7DE-080C488E41C9}" dt="2023-06-07T11:02:47.633" v="2476" actId="2711"/>
+        <pc:sldMkLst>
+          <pc:docMk/>
+          <pc:sldMk cId="3284116594" sldId="265"/>
+        </pc:sldMkLst>
+        <pc:spChg chg="mod">
+          <ac:chgData name="Bradbury, Naomi V." userId="cc8de8ce-d319-4b38-abd1-eaa276f62348" providerId="ADAL" clId="{23BCDB77-73AD-B94F-B7DE-080C488E41C9}" dt="2023-06-07T10:56:11.796" v="1740" actId="2711"/>
+          <ac:spMkLst>
+            <pc:docMk/>
+            <pc:sldMk cId="3284116594" sldId="265"/>
+            <ac:spMk id="2" creationId="{72170F53-923D-3C61-96A0-7E604673E590}"/>
+          </ac:spMkLst>
+        </pc:spChg>
+        <pc:spChg chg="mod">
+          <ac:chgData name="Bradbury, Naomi V." userId="cc8de8ce-d319-4b38-abd1-eaa276f62348" providerId="ADAL" clId="{23BCDB77-73AD-B94F-B7DE-080C488E41C9}" dt="2023-06-07T11:02:47.633" v="2476" actId="2711"/>
+          <ac:spMkLst>
+            <pc:docMk/>
+            <pc:sldMk cId="3284116594" sldId="265"/>
+            <ac:spMk id="3" creationId="{1F64533E-E623-F1DC-FDF5-210244D6ED9E}"/>
+          </ac:spMkLst>
+        </pc:spChg>
+      </pc:sldChg>
+      <pc:sldChg chg="modSp add mod modAnim">
+        <pc:chgData name="Bradbury, Naomi V." userId="cc8de8ce-d319-4b38-abd1-eaa276f62348" providerId="ADAL" clId="{23BCDB77-73AD-B94F-B7DE-080C488E41C9}" dt="2023-06-07T10:46:23.570" v="1055" actId="20577"/>
+        <pc:sldMkLst>
+          <pc:docMk/>
+          <pc:sldMk cId="1267050001" sldId="266"/>
+        </pc:sldMkLst>
+        <pc:spChg chg="mod">
+          <ac:chgData name="Bradbury, Naomi V." userId="cc8de8ce-d319-4b38-abd1-eaa276f62348" providerId="ADAL" clId="{23BCDB77-73AD-B94F-B7DE-080C488E41C9}" dt="2023-06-07T10:35:09.994" v="708" actId="20577"/>
+          <ac:spMkLst>
+            <pc:docMk/>
+            <pc:sldMk cId="1267050001" sldId="266"/>
+            <ac:spMk id="2" creationId="{3CC88DF9-746D-F6B7-11AD-D3B3D66B97FC}"/>
+          </ac:spMkLst>
+        </pc:spChg>
+        <pc:spChg chg="mod">
+          <ac:chgData name="Bradbury, Naomi V." userId="cc8de8ce-d319-4b38-abd1-eaa276f62348" providerId="ADAL" clId="{23BCDB77-73AD-B94F-B7DE-080C488E41C9}" dt="2023-06-07T10:46:23.570" v="1055" actId="20577"/>
+          <ac:spMkLst>
+            <pc:docMk/>
+            <pc:sldMk cId="1267050001" sldId="266"/>
+            <ac:spMk id="3" creationId="{DA0BFF85-144A-94C4-BE94-FBAD64D95DCC}"/>
+          </ac:spMkLst>
+        </pc:spChg>
+      </pc:sldChg>
+      <pc:sldChg chg="addSp delSp modSp new mod">
+        <pc:chgData name="Bradbury, Naomi V." userId="cc8de8ce-d319-4b38-abd1-eaa276f62348" providerId="ADAL" clId="{23BCDB77-73AD-B94F-B7DE-080C488E41C9}" dt="2023-06-07T10:45:20.986" v="1041" actId="14100"/>
+        <pc:sldMkLst>
+          <pc:docMk/>
+          <pc:sldMk cId="3629678332" sldId="267"/>
+        </pc:sldMkLst>
+        <pc:spChg chg="del">
+          <ac:chgData name="Bradbury, Naomi V." userId="cc8de8ce-d319-4b38-abd1-eaa276f62348" providerId="ADAL" clId="{23BCDB77-73AD-B94F-B7DE-080C488E41C9}" dt="2023-06-07T10:37:50.803" v="893" actId="478"/>
+          <ac:spMkLst>
+            <pc:docMk/>
+            <pc:sldMk cId="3629678332" sldId="267"/>
+            <ac:spMk id="2" creationId="{DC1F2278-0F98-7404-2BB6-4FA38EF9143E}"/>
+          </ac:spMkLst>
+        </pc:spChg>
+        <pc:spChg chg="del mod">
+          <ac:chgData name="Bradbury, Naomi V." userId="cc8de8ce-d319-4b38-abd1-eaa276f62348" providerId="ADAL" clId="{23BCDB77-73AD-B94F-B7DE-080C488E41C9}" dt="2023-06-07T10:38:47.138" v="902" actId="478"/>
+          <ac:spMkLst>
+            <pc:docMk/>
+            <pc:sldMk cId="3629678332" sldId="267"/>
+            <ac:spMk id="3" creationId="{307B4B88-0BDC-6BE6-1102-0B9F9E309BBD}"/>
+          </ac:spMkLst>
+        </pc:spChg>
+        <pc:spChg chg="add mod">
+          <ac:chgData name="Bradbury, Naomi V." userId="cc8de8ce-d319-4b38-abd1-eaa276f62348" providerId="ADAL" clId="{23BCDB77-73AD-B94F-B7DE-080C488E41C9}" dt="2023-06-07T10:40:35.184" v="952" actId="1076"/>
+          <ac:spMkLst>
+            <pc:docMk/>
+            <pc:sldMk cId="3629678332" sldId="267"/>
+            <ac:spMk id="4" creationId="{6A5993C5-5A21-3691-3E97-382E814D769B}"/>
+          </ac:spMkLst>
+        </pc:spChg>
+        <pc:spChg chg="add mod">
+          <ac:chgData name="Bradbury, Naomi V." userId="cc8de8ce-d319-4b38-abd1-eaa276f62348" providerId="ADAL" clId="{23BCDB77-73AD-B94F-B7DE-080C488E41C9}" dt="2023-06-07T10:42:28.257" v="980" actId="1076"/>
+          <ac:spMkLst>
+            <pc:docMk/>
+            <pc:sldMk cId="3629678332" sldId="267"/>
+            <ac:spMk id="5" creationId="{63AF1D62-1A92-98C1-4AE2-4562B9A640CC}"/>
+          </ac:spMkLst>
+        </pc:spChg>
+        <pc:spChg chg="add mod">
+          <ac:chgData name="Bradbury, Naomi V." userId="cc8de8ce-d319-4b38-abd1-eaa276f62348" providerId="ADAL" clId="{23BCDB77-73AD-B94F-B7DE-080C488E41C9}" dt="2023-06-07T10:42:52.582" v="986" actId="1076"/>
+          <ac:spMkLst>
+            <pc:docMk/>
+            <pc:sldMk cId="3629678332" sldId="267"/>
+            <ac:spMk id="6" creationId="{CF88F52D-C042-B823-B12D-74D7BE8B75F5}"/>
+          </ac:spMkLst>
+        </pc:spChg>
+        <pc:spChg chg="add mod">
+          <ac:chgData name="Bradbury, Naomi V." userId="cc8de8ce-d319-4b38-abd1-eaa276f62348" providerId="ADAL" clId="{23BCDB77-73AD-B94F-B7DE-080C488E41C9}" dt="2023-06-07T10:43:26.325" v="997" actId="1076"/>
+          <ac:spMkLst>
+            <pc:docMk/>
+            <pc:sldMk cId="3629678332" sldId="267"/>
+            <ac:spMk id="7" creationId="{8DE06955-F6E9-05EE-3437-C3187217E80A}"/>
+          </ac:spMkLst>
+        </pc:spChg>
+        <pc:spChg chg="add mod">
+          <ac:chgData name="Bradbury, Naomi V." userId="cc8de8ce-d319-4b38-abd1-eaa276f62348" providerId="ADAL" clId="{23BCDB77-73AD-B94F-B7DE-080C488E41C9}" dt="2023-06-07T10:41:42.098" v="967" actId="2711"/>
+          <ac:spMkLst>
+            <pc:docMk/>
+            <pc:sldMk cId="3629678332" sldId="267"/>
+            <ac:spMk id="8" creationId="{8F2707C7-39DF-1130-59A1-C3114FA4A8D5}"/>
+          </ac:spMkLst>
+        </pc:spChg>
+        <pc:spChg chg="add mod">
+          <ac:chgData name="Bradbury, Naomi V." userId="cc8de8ce-d319-4b38-abd1-eaa276f62348" providerId="ADAL" clId="{23BCDB77-73AD-B94F-B7DE-080C488E41C9}" dt="2023-06-07T10:43:28.820" v="998" actId="1076"/>
+          <ac:spMkLst>
+            <pc:docMk/>
+            <pc:sldMk cId="3629678332" sldId="267"/>
+            <ac:spMk id="9" creationId="{440ACC6B-5BF6-EA3F-0B50-1B8D6DBCE11A}"/>
+          </ac:spMkLst>
+        </pc:spChg>
+        <pc:spChg chg="add mod">
+          <ac:chgData name="Bradbury, Naomi V." userId="cc8de8ce-d319-4b38-abd1-eaa276f62348" providerId="ADAL" clId="{23BCDB77-73AD-B94F-B7DE-080C488E41C9}" dt="2023-06-07T10:43:10.461" v="991" actId="1076"/>
+          <ac:spMkLst>
+            <pc:docMk/>
+            <pc:sldMk cId="3629678332" sldId="267"/>
+            <ac:spMk id="10" creationId="{64635A0F-513B-CB7A-8807-586D03AD9767}"/>
+          </ac:spMkLst>
+        </pc:spChg>
+        <pc:spChg chg="add mod">
+          <ac:chgData name="Bradbury, Naomi V." userId="cc8de8ce-d319-4b38-abd1-eaa276f62348" providerId="ADAL" clId="{23BCDB77-73AD-B94F-B7DE-080C488E41C9}" dt="2023-06-07T10:42:10.717" v="974" actId="1076"/>
+          <ac:spMkLst>
+            <pc:docMk/>
+            <pc:sldMk cId="3629678332" sldId="267"/>
+            <ac:spMk id="11" creationId="{7279ECD1-43CC-C838-DF35-5824FC52FE76}"/>
+          </ac:spMkLst>
+        </pc:spChg>
+        <pc:spChg chg="add mod">
+          <ac:chgData name="Bradbury, Naomi V." userId="cc8de8ce-d319-4b38-abd1-eaa276f62348" providerId="ADAL" clId="{23BCDB77-73AD-B94F-B7DE-080C488E41C9}" dt="2023-06-07T10:43:57.765" v="1011" actId="1076"/>
+          <ac:spMkLst>
+            <pc:docMk/>
+            <pc:sldMk cId="3629678332" sldId="267"/>
+            <ac:spMk id="12" creationId="{ED5DACB5-5132-ADDA-A763-5F54F8BEC391}"/>
+          </ac:spMkLst>
+        </pc:spChg>
+        <pc:spChg chg="add mod">
+          <ac:chgData name="Bradbury, Naomi V." userId="cc8de8ce-d319-4b38-abd1-eaa276f62348" providerId="ADAL" clId="{23BCDB77-73AD-B94F-B7DE-080C488E41C9}" dt="2023-06-07T10:40:52.791" v="956" actId="1076"/>
+          <ac:spMkLst>
+            <pc:docMk/>
+            <pc:sldMk cId="3629678332" sldId="267"/>
+            <ac:spMk id="13" creationId="{EC6B07EF-59A2-E6E7-AA1D-33D70FCE553A}"/>
+          </ac:spMkLst>
+        </pc:spChg>
+        <pc:spChg chg="add mod">
+          <ac:chgData name="Bradbury, Naomi V." userId="cc8de8ce-d319-4b38-abd1-eaa276f62348" providerId="ADAL" clId="{23BCDB77-73AD-B94F-B7DE-080C488E41C9}" dt="2023-06-07T10:42:48.220" v="985" actId="1076"/>
+          <ac:spMkLst>
+            <pc:docMk/>
+            <pc:sldMk cId="3629678332" sldId="267"/>
+            <ac:spMk id="14" creationId="{C687ECBD-A7BD-6A01-9332-F371CC4BC1F2}"/>
+          </ac:spMkLst>
+        </pc:spChg>
+        <pc:spChg chg="add mod">
+          <ac:chgData name="Bradbury, Naomi V." userId="cc8de8ce-d319-4b38-abd1-eaa276f62348" providerId="ADAL" clId="{23BCDB77-73AD-B94F-B7DE-080C488E41C9}" dt="2023-06-07T10:42:24.118" v="978" actId="1076"/>
+          <ac:spMkLst>
+            <pc:docMk/>
+            <pc:sldMk cId="3629678332" sldId="267"/>
+            <ac:spMk id="15" creationId="{BE3F307A-13ED-6489-F42F-7B805F2B1C67}"/>
+          </ac:spMkLst>
+        </pc:spChg>
+        <pc:spChg chg="add mod">
+          <ac:chgData name="Bradbury, Naomi V." userId="cc8de8ce-d319-4b38-abd1-eaa276f62348" providerId="ADAL" clId="{23BCDB77-73AD-B94F-B7DE-080C488E41C9}" dt="2023-06-07T10:41:47.440" v="968" actId="2711"/>
+          <ac:spMkLst>
+            <pc:docMk/>
+            <pc:sldMk cId="3629678332" sldId="267"/>
+            <ac:spMk id="16" creationId="{C7FCCDA7-92D6-F69E-425F-1C887DFB8DE7}"/>
+          </ac:spMkLst>
+        </pc:spChg>
+        <pc:spChg chg="add del mod">
+          <ac:chgData name="Bradbury, Naomi V." userId="cc8de8ce-d319-4b38-abd1-eaa276f62348" providerId="ADAL" clId="{23BCDB77-73AD-B94F-B7DE-080C488E41C9}" dt="2023-06-07T10:43:55.823" v="1010" actId="478"/>
+          <ac:spMkLst>
+            <pc:docMk/>
+            <pc:sldMk cId="3629678332" sldId="267"/>
+            <ac:spMk id="17" creationId="{8062F78D-F9E5-8472-AB8F-6A344533CEC4}"/>
+          </ac:spMkLst>
+        </pc:spChg>
+        <pc:spChg chg="add mod">
+          <ac:chgData name="Bradbury, Naomi V." userId="cc8de8ce-d319-4b38-abd1-eaa276f62348" providerId="ADAL" clId="{23BCDB77-73AD-B94F-B7DE-080C488E41C9}" dt="2023-06-07T10:45:20.986" v="1041" actId="14100"/>
+          <ac:spMkLst>
+            <pc:docMk/>
+            <pc:sldMk cId="3629678332" sldId="267"/>
+            <ac:spMk id="18" creationId="{0F9DA5C4-263C-B7CE-811D-AB05F6CE2C67}"/>
+          </ac:spMkLst>
+        </pc:spChg>
+        <pc:spChg chg="add mod">
+          <ac:chgData name="Bradbury, Naomi V." userId="cc8de8ce-d319-4b38-abd1-eaa276f62348" providerId="ADAL" clId="{23BCDB77-73AD-B94F-B7DE-080C488E41C9}" dt="2023-06-07T10:43:24.399" v="996" actId="1076"/>
+          <ac:spMkLst>
+            <pc:docMk/>
+            <pc:sldMk cId="3629678332" sldId="267"/>
+            <ac:spMk id="19" creationId="{660E4137-1EEA-5FAD-0ED4-A7F87F1A1FAF}"/>
+          </ac:spMkLst>
+        </pc:spChg>
+        <pc:spChg chg="add mod">
+          <ac:chgData name="Bradbury, Naomi V." userId="cc8de8ce-d319-4b38-abd1-eaa276f62348" providerId="ADAL" clId="{23BCDB77-73AD-B94F-B7DE-080C488E41C9}" dt="2023-06-07T10:43:42.760" v="1007" actId="14100"/>
+          <ac:spMkLst>
+            <pc:docMk/>
+            <pc:sldMk cId="3629678332" sldId="267"/>
+            <ac:spMk id="20" creationId="{C6BC4263-FF1B-9269-B42B-31C3FE1C2F84}"/>
+          </ac:spMkLst>
+        </pc:spChg>
+        <pc:spChg chg="add mod">
+          <ac:chgData name="Bradbury, Naomi V." userId="cc8de8ce-d319-4b38-abd1-eaa276f62348" providerId="ADAL" clId="{23BCDB77-73AD-B94F-B7DE-080C488E41C9}" dt="2023-06-07T10:44:38.767" v="1023" actId="1076"/>
+          <ac:spMkLst>
+            <pc:docMk/>
+            <pc:sldMk cId="3629678332" sldId="267"/>
+            <ac:spMk id="21" creationId="{6BCD75DD-3977-B06D-8748-8B06E07D6269}"/>
+          </ac:spMkLst>
+        </pc:spChg>
+        <pc:spChg chg="add mod">
+          <ac:chgData name="Bradbury, Naomi V." userId="cc8de8ce-d319-4b38-abd1-eaa276f62348" providerId="ADAL" clId="{23BCDB77-73AD-B94F-B7DE-080C488E41C9}" dt="2023-06-07T10:45:16.855" v="1040" actId="1076"/>
+          <ac:spMkLst>
+            <pc:docMk/>
+            <pc:sldMk cId="3629678332" sldId="267"/>
+            <ac:spMk id="22" creationId="{3246DF26-AC06-C49F-31CB-206B1A01782F}"/>
+          </ac:spMkLst>
+        </pc:spChg>
+      </pc:sldChg>
+    </pc:docChg>
+  </pc:docChgLst>
+  <pc:docChgLst>
     <pc:chgData name="Bradbury, Naomi V." userId="cc8de8ce-d319-4b38-abd1-eaa276f62348" providerId="ADAL" clId="{696CFA0F-5FAB-5A45-AA4E-2372C17EF0DD}"/>
     <pc:docChg chg="undo custSel addSld delSld modSld sldOrd">
       <pc:chgData name="Bradbury, Naomi V." userId="cc8de8ce-d319-4b38-abd1-eaa276f62348" providerId="ADAL" clId="{696CFA0F-5FAB-5A45-AA4E-2372C17EF0DD}" dt="2023-06-10T15:40:22.005" v="2193" actId="20577"/>
@@ -1363,435 +1792,6 @@
             <pc:docMk/>
             <pc:sldMk cId="1166957149" sldId="283"/>
             <ac:spMk id="29" creationId="{A1A6BEA8-4212-A648-DF07-2F5C307CA26A}"/>
-          </ac:spMkLst>
-        </pc:spChg>
-      </pc:sldChg>
-    </pc:docChg>
-  </pc:docChgLst>
-  <pc:docChgLst>
-    <pc:chgData name="Bradbury, Naomi V." userId="cc8de8ce-d319-4b38-abd1-eaa276f62348" providerId="ADAL" clId="{23BCDB77-73AD-B94F-B7DE-080C488E41C9}"/>
-    <pc:docChg chg="undo custSel addSld delSld modSld sldOrd">
-      <pc:chgData name="Bradbury, Naomi V." userId="cc8de8ce-d319-4b38-abd1-eaa276f62348" providerId="ADAL" clId="{23BCDB77-73AD-B94F-B7DE-080C488E41C9}" dt="2023-06-10T09:22:10.947" v="2603" actId="20577"/>
-      <pc:docMkLst>
-        <pc:docMk/>
-      </pc:docMkLst>
-      <pc:sldChg chg="delSp modSp mod">
-        <pc:chgData name="Bradbury, Naomi V." userId="cc8de8ce-d319-4b38-abd1-eaa276f62348" providerId="ADAL" clId="{23BCDB77-73AD-B94F-B7DE-080C488E41C9}" dt="2023-06-10T09:22:10.947" v="2603" actId="20577"/>
-        <pc:sldMkLst>
-          <pc:docMk/>
-          <pc:sldMk cId="743553170" sldId="256"/>
-        </pc:sldMkLst>
-        <pc:spChg chg="mod">
-          <ac:chgData name="Bradbury, Naomi V." userId="cc8de8ce-d319-4b38-abd1-eaa276f62348" providerId="ADAL" clId="{23BCDB77-73AD-B94F-B7DE-080C488E41C9}" dt="2023-06-10T09:22:10.947" v="2603" actId="20577"/>
-          <ac:spMkLst>
-            <pc:docMk/>
-            <pc:sldMk cId="743553170" sldId="256"/>
-            <ac:spMk id="2" creationId="{E09C15A4-94AB-B60C-1F56-ED2CA102E3DA}"/>
-          </ac:spMkLst>
-        </pc:spChg>
-        <pc:spChg chg="del">
-          <ac:chgData name="Bradbury, Naomi V." userId="cc8de8ce-d319-4b38-abd1-eaa276f62348" providerId="ADAL" clId="{23BCDB77-73AD-B94F-B7DE-080C488E41C9}" dt="2023-06-07T10:18:03.361" v="14" actId="478"/>
-          <ac:spMkLst>
-            <pc:docMk/>
-            <pc:sldMk cId="743553170" sldId="256"/>
-            <ac:spMk id="3" creationId="{AA18E247-DF39-EBB5-8AA9-869A6B3B35BA}"/>
-          </ac:spMkLst>
-        </pc:spChg>
-      </pc:sldChg>
-      <pc:sldChg chg="modSp new mod modAnim">
-        <pc:chgData name="Bradbury, Naomi V." userId="cc8de8ce-d319-4b38-abd1-eaa276f62348" providerId="ADAL" clId="{23BCDB77-73AD-B94F-B7DE-080C488E41C9}" dt="2023-06-07T10:37:18.257" v="891" actId="255"/>
-        <pc:sldMkLst>
-          <pc:docMk/>
-          <pc:sldMk cId="3220116321" sldId="257"/>
-        </pc:sldMkLst>
-        <pc:spChg chg="mod">
-          <ac:chgData name="Bradbury, Naomi V." userId="cc8de8ce-d319-4b38-abd1-eaa276f62348" providerId="ADAL" clId="{23BCDB77-73AD-B94F-B7DE-080C488E41C9}" dt="2023-06-07T10:33:27.751" v="697" actId="20577"/>
-          <ac:spMkLst>
-            <pc:docMk/>
-            <pc:sldMk cId="3220116321" sldId="257"/>
-            <ac:spMk id="2" creationId="{3CC88DF9-746D-F6B7-11AD-D3B3D66B97FC}"/>
-          </ac:spMkLst>
-        </pc:spChg>
-        <pc:spChg chg="mod">
-          <ac:chgData name="Bradbury, Naomi V." userId="cc8de8ce-d319-4b38-abd1-eaa276f62348" providerId="ADAL" clId="{23BCDB77-73AD-B94F-B7DE-080C488E41C9}" dt="2023-06-07T10:37:18.257" v="891" actId="255"/>
-          <ac:spMkLst>
-            <pc:docMk/>
-            <pc:sldMk cId="3220116321" sldId="257"/>
-            <ac:spMk id="3" creationId="{DA0BFF85-144A-94C4-BE94-FBAD64D95DCC}"/>
-          </ac:spMkLst>
-        </pc:spChg>
-      </pc:sldChg>
-      <pc:sldChg chg="modSp new mod">
-        <pc:chgData name="Bradbury, Naomi V." userId="cc8de8ce-d319-4b38-abd1-eaa276f62348" providerId="ADAL" clId="{23BCDB77-73AD-B94F-B7DE-080C488E41C9}" dt="2023-06-07T10:23:47.508" v="401" actId="20577"/>
-        <pc:sldMkLst>
-          <pc:docMk/>
-          <pc:sldMk cId="1582068900" sldId="258"/>
-        </pc:sldMkLst>
-        <pc:spChg chg="mod">
-          <ac:chgData name="Bradbury, Naomi V." userId="cc8de8ce-d319-4b38-abd1-eaa276f62348" providerId="ADAL" clId="{23BCDB77-73AD-B94F-B7DE-080C488E41C9}" dt="2023-06-07T10:20:43.671" v="179" actId="2711"/>
-          <ac:spMkLst>
-            <pc:docMk/>
-            <pc:sldMk cId="1582068900" sldId="258"/>
-            <ac:spMk id="2" creationId="{E9F9F47F-D80D-06CB-B1D9-5E2C714CEA5B}"/>
-          </ac:spMkLst>
-        </pc:spChg>
-        <pc:spChg chg="mod">
-          <ac:chgData name="Bradbury, Naomi V." userId="cc8de8ce-d319-4b38-abd1-eaa276f62348" providerId="ADAL" clId="{23BCDB77-73AD-B94F-B7DE-080C488E41C9}" dt="2023-06-07T10:23:47.508" v="401" actId="20577"/>
-          <ac:spMkLst>
-            <pc:docMk/>
-            <pc:sldMk cId="1582068900" sldId="258"/>
-            <ac:spMk id="3" creationId="{CB75B596-7555-5B4F-DF74-617748FE1F4E}"/>
-          </ac:spMkLst>
-        </pc:spChg>
-      </pc:sldChg>
-      <pc:sldChg chg="addSp delSp modSp new mod">
-        <pc:chgData name="Bradbury, Naomi V." userId="cc8de8ce-d319-4b38-abd1-eaa276f62348" providerId="ADAL" clId="{23BCDB77-73AD-B94F-B7DE-080C488E41C9}" dt="2023-06-07T10:26:45.639" v="492" actId="2711"/>
-        <pc:sldMkLst>
-          <pc:docMk/>
-          <pc:sldMk cId="612446693" sldId="259"/>
-        </pc:sldMkLst>
-        <pc:spChg chg="del">
-          <ac:chgData name="Bradbury, Naomi V." userId="cc8de8ce-d319-4b38-abd1-eaa276f62348" providerId="ADAL" clId="{23BCDB77-73AD-B94F-B7DE-080C488E41C9}" dt="2023-06-07T10:24:41.070" v="404" actId="478"/>
-          <ac:spMkLst>
-            <pc:docMk/>
-            <pc:sldMk cId="612446693" sldId="259"/>
-            <ac:spMk id="2" creationId="{F274133D-0B45-4FE6-3FCD-A3E6B30FCE4A}"/>
-          </ac:spMkLst>
-        </pc:spChg>
-        <pc:spChg chg="del">
-          <ac:chgData name="Bradbury, Naomi V." userId="cc8de8ce-d319-4b38-abd1-eaa276f62348" providerId="ADAL" clId="{23BCDB77-73AD-B94F-B7DE-080C488E41C9}" dt="2023-06-07T10:24:51.222" v="405" actId="931"/>
-          <ac:spMkLst>
-            <pc:docMk/>
-            <pc:sldMk cId="612446693" sldId="259"/>
-            <ac:spMk id="3" creationId="{C861D378-3C90-23B7-A631-6A54FEBC4355}"/>
-          </ac:spMkLst>
-        </pc:spChg>
-        <pc:spChg chg="add mod">
-          <ac:chgData name="Bradbury, Naomi V." userId="cc8de8ce-d319-4b38-abd1-eaa276f62348" providerId="ADAL" clId="{23BCDB77-73AD-B94F-B7DE-080C488E41C9}" dt="2023-06-07T10:26:45.639" v="492" actId="2711"/>
-          <ac:spMkLst>
-            <pc:docMk/>
-            <pc:sldMk cId="612446693" sldId="259"/>
-            <ac:spMk id="6" creationId="{262B8496-BB00-24AF-C6DE-2C4162178926}"/>
-          </ac:spMkLst>
-        </pc:spChg>
-        <pc:picChg chg="add mod">
-          <ac:chgData name="Bradbury, Naomi V." userId="cc8de8ce-d319-4b38-abd1-eaa276f62348" providerId="ADAL" clId="{23BCDB77-73AD-B94F-B7DE-080C488E41C9}" dt="2023-06-07T10:25:38.314" v="413" actId="1076"/>
-          <ac:picMkLst>
-            <pc:docMk/>
-            <pc:sldMk cId="612446693" sldId="259"/>
-            <ac:picMk id="5" creationId="{352596CC-0BC6-46A3-73C4-20C72AE63BA2}"/>
-          </ac:picMkLst>
-        </pc:picChg>
-      </pc:sldChg>
-      <pc:sldChg chg="addSp delSp modSp new mod">
-        <pc:chgData name="Bradbury, Naomi V." userId="cc8de8ce-d319-4b38-abd1-eaa276f62348" providerId="ADAL" clId="{23BCDB77-73AD-B94F-B7DE-080C488E41C9}" dt="2023-06-09T14:38:54.124" v="2601" actId="20577"/>
-        <pc:sldMkLst>
-          <pc:docMk/>
-          <pc:sldMk cId="4156932759" sldId="260"/>
-        </pc:sldMkLst>
-        <pc:spChg chg="add del mod">
-          <ac:chgData name="Bradbury, Naomi V." userId="cc8de8ce-d319-4b38-abd1-eaa276f62348" providerId="ADAL" clId="{23BCDB77-73AD-B94F-B7DE-080C488E41C9}" dt="2023-06-07T10:19:02.193" v="48" actId="2711"/>
-          <ac:spMkLst>
-            <pc:docMk/>
-            <pc:sldMk cId="4156932759" sldId="260"/>
-            <ac:spMk id="2" creationId="{8D9ED0F1-D31E-E4B2-4E4D-7D81E4D0590C}"/>
-          </ac:spMkLst>
-        </pc:spChg>
-        <pc:spChg chg="mod">
-          <ac:chgData name="Bradbury, Naomi V." userId="cc8de8ce-d319-4b38-abd1-eaa276f62348" providerId="ADAL" clId="{23BCDB77-73AD-B94F-B7DE-080C488E41C9}" dt="2023-06-09T14:38:54.124" v="2601" actId="20577"/>
-          <ac:spMkLst>
-            <pc:docMk/>
-            <pc:sldMk cId="4156932759" sldId="260"/>
-            <ac:spMk id="3" creationId="{FDD23324-AC41-B375-5269-788854BF53BD}"/>
-          </ac:spMkLst>
-        </pc:spChg>
-      </pc:sldChg>
-      <pc:sldChg chg="addSp delSp modSp new mod">
-        <pc:chgData name="Bradbury, Naomi V." userId="cc8de8ce-d319-4b38-abd1-eaa276f62348" providerId="ADAL" clId="{23BCDB77-73AD-B94F-B7DE-080C488E41C9}" dt="2023-06-09T14:29:39.666" v="2571" actId="14100"/>
-        <pc:sldMkLst>
-          <pc:docMk/>
-          <pc:sldMk cId="121551038" sldId="261"/>
-        </pc:sldMkLst>
-        <pc:spChg chg="add del mod">
-          <ac:chgData name="Bradbury, Naomi V." userId="cc8de8ce-d319-4b38-abd1-eaa276f62348" providerId="ADAL" clId="{23BCDB77-73AD-B94F-B7DE-080C488E41C9}" dt="2023-06-09T14:29:20.869" v="2566" actId="20577"/>
-          <ac:spMkLst>
-            <pc:docMk/>
-            <pc:sldMk cId="121551038" sldId="261"/>
-            <ac:spMk id="2" creationId="{706A30C6-B420-9138-67DB-66E7B7719882}"/>
-          </ac:spMkLst>
-        </pc:spChg>
-        <pc:spChg chg="del mod">
-          <ac:chgData name="Bradbury, Naomi V." userId="cc8de8ce-d319-4b38-abd1-eaa276f62348" providerId="ADAL" clId="{23BCDB77-73AD-B94F-B7DE-080C488E41C9}" dt="2023-06-07T11:04:19.773" v="2539" actId="478"/>
-          <ac:spMkLst>
-            <pc:docMk/>
-            <pc:sldMk cId="121551038" sldId="261"/>
-            <ac:spMk id="3" creationId="{0787F956-05C4-EA76-A794-04F41078C021}"/>
-          </ac:spMkLst>
-        </pc:spChg>
-        <pc:spChg chg="add mod">
-          <ac:chgData name="Bradbury, Naomi V." userId="cc8de8ce-d319-4b38-abd1-eaa276f62348" providerId="ADAL" clId="{23BCDB77-73AD-B94F-B7DE-080C488E41C9}" dt="2023-06-09T14:29:39.666" v="2571" actId="14100"/>
-          <ac:spMkLst>
-            <pc:docMk/>
-            <pc:sldMk cId="121551038" sldId="261"/>
-            <ac:spMk id="3" creationId="{AC20CB76-3D82-299E-653E-41200AE807A6}"/>
-          </ac:spMkLst>
-        </pc:spChg>
-      </pc:sldChg>
-      <pc:sldChg chg="new del">
-        <pc:chgData name="Bradbury, Naomi V." userId="cc8de8ce-d319-4b38-abd1-eaa276f62348" providerId="ADAL" clId="{23BCDB77-73AD-B94F-B7DE-080C488E41C9}" dt="2023-06-07T11:03:22.813" v="2478" actId="2696"/>
-        <pc:sldMkLst>
-          <pc:docMk/>
-          <pc:sldMk cId="2034670517" sldId="262"/>
-        </pc:sldMkLst>
-      </pc:sldChg>
-      <pc:sldChg chg="modSp new mod ord">
-        <pc:chgData name="Bradbury, Naomi V." userId="cc8de8ce-d319-4b38-abd1-eaa276f62348" providerId="ADAL" clId="{23BCDB77-73AD-B94F-B7DE-080C488E41C9}" dt="2023-06-07T11:04:56.719" v="2540" actId="20577"/>
-        <pc:sldMkLst>
-          <pc:docMk/>
-          <pc:sldMk cId="2594108128" sldId="263"/>
-        </pc:sldMkLst>
-        <pc:spChg chg="mod">
-          <ac:chgData name="Bradbury, Naomi V." userId="cc8de8ce-d319-4b38-abd1-eaa276f62348" providerId="ADAL" clId="{23BCDB77-73AD-B94F-B7DE-080C488E41C9}" dt="2023-06-07T10:32:20.460" v="696" actId="2711"/>
-          <ac:spMkLst>
-            <pc:docMk/>
-            <pc:sldMk cId="2594108128" sldId="263"/>
-            <ac:spMk id="2" creationId="{2896361C-F039-E8C7-C34B-7E02CF908C77}"/>
-          </ac:spMkLst>
-        </pc:spChg>
-        <pc:spChg chg="mod">
-          <ac:chgData name="Bradbury, Naomi V." userId="cc8de8ce-d319-4b38-abd1-eaa276f62348" providerId="ADAL" clId="{23BCDB77-73AD-B94F-B7DE-080C488E41C9}" dt="2023-06-07T11:04:56.719" v="2540" actId="20577"/>
-          <ac:spMkLst>
-            <pc:docMk/>
-            <pc:sldMk cId="2594108128" sldId="263"/>
-            <ac:spMk id="3" creationId="{5C06A5BA-087B-2678-000D-81D20DFEE870}"/>
-          </ac:spMkLst>
-        </pc:spChg>
-      </pc:sldChg>
-      <pc:sldChg chg="new del">
-        <pc:chgData name="Bradbury, Naomi V." userId="cc8de8ce-d319-4b38-abd1-eaa276f62348" providerId="ADAL" clId="{23BCDB77-73AD-B94F-B7DE-080C488E41C9}" dt="2023-06-07T11:03:10.591" v="2477" actId="2696"/>
-        <pc:sldMkLst>
-          <pc:docMk/>
-          <pc:sldMk cId="1802343939" sldId="264"/>
-        </pc:sldMkLst>
-      </pc:sldChg>
-      <pc:sldChg chg="modSp new mod">
-        <pc:chgData name="Bradbury, Naomi V." userId="cc8de8ce-d319-4b38-abd1-eaa276f62348" providerId="ADAL" clId="{23BCDB77-73AD-B94F-B7DE-080C488E41C9}" dt="2023-06-07T11:02:47.633" v="2476" actId="2711"/>
-        <pc:sldMkLst>
-          <pc:docMk/>
-          <pc:sldMk cId="3284116594" sldId="265"/>
-        </pc:sldMkLst>
-        <pc:spChg chg="mod">
-          <ac:chgData name="Bradbury, Naomi V." userId="cc8de8ce-d319-4b38-abd1-eaa276f62348" providerId="ADAL" clId="{23BCDB77-73AD-B94F-B7DE-080C488E41C9}" dt="2023-06-07T10:56:11.796" v="1740" actId="2711"/>
-          <ac:spMkLst>
-            <pc:docMk/>
-            <pc:sldMk cId="3284116594" sldId="265"/>
-            <ac:spMk id="2" creationId="{72170F53-923D-3C61-96A0-7E604673E590}"/>
-          </ac:spMkLst>
-        </pc:spChg>
-        <pc:spChg chg="mod">
-          <ac:chgData name="Bradbury, Naomi V." userId="cc8de8ce-d319-4b38-abd1-eaa276f62348" providerId="ADAL" clId="{23BCDB77-73AD-B94F-B7DE-080C488E41C9}" dt="2023-06-07T11:02:47.633" v="2476" actId="2711"/>
-          <ac:spMkLst>
-            <pc:docMk/>
-            <pc:sldMk cId="3284116594" sldId="265"/>
-            <ac:spMk id="3" creationId="{1F64533E-E623-F1DC-FDF5-210244D6ED9E}"/>
-          </ac:spMkLst>
-        </pc:spChg>
-      </pc:sldChg>
-      <pc:sldChg chg="modSp add mod modAnim">
-        <pc:chgData name="Bradbury, Naomi V." userId="cc8de8ce-d319-4b38-abd1-eaa276f62348" providerId="ADAL" clId="{23BCDB77-73AD-B94F-B7DE-080C488E41C9}" dt="2023-06-07T10:46:23.570" v="1055" actId="20577"/>
-        <pc:sldMkLst>
-          <pc:docMk/>
-          <pc:sldMk cId="1267050001" sldId="266"/>
-        </pc:sldMkLst>
-        <pc:spChg chg="mod">
-          <ac:chgData name="Bradbury, Naomi V." userId="cc8de8ce-d319-4b38-abd1-eaa276f62348" providerId="ADAL" clId="{23BCDB77-73AD-B94F-B7DE-080C488E41C9}" dt="2023-06-07T10:35:09.994" v="708" actId="20577"/>
-          <ac:spMkLst>
-            <pc:docMk/>
-            <pc:sldMk cId="1267050001" sldId="266"/>
-            <ac:spMk id="2" creationId="{3CC88DF9-746D-F6B7-11AD-D3B3D66B97FC}"/>
-          </ac:spMkLst>
-        </pc:spChg>
-        <pc:spChg chg="mod">
-          <ac:chgData name="Bradbury, Naomi V." userId="cc8de8ce-d319-4b38-abd1-eaa276f62348" providerId="ADAL" clId="{23BCDB77-73AD-B94F-B7DE-080C488E41C9}" dt="2023-06-07T10:46:23.570" v="1055" actId="20577"/>
-          <ac:spMkLst>
-            <pc:docMk/>
-            <pc:sldMk cId="1267050001" sldId="266"/>
-            <ac:spMk id="3" creationId="{DA0BFF85-144A-94C4-BE94-FBAD64D95DCC}"/>
-          </ac:spMkLst>
-        </pc:spChg>
-      </pc:sldChg>
-      <pc:sldChg chg="addSp delSp modSp new mod">
-        <pc:chgData name="Bradbury, Naomi V." userId="cc8de8ce-d319-4b38-abd1-eaa276f62348" providerId="ADAL" clId="{23BCDB77-73AD-B94F-B7DE-080C488E41C9}" dt="2023-06-07T10:45:20.986" v="1041" actId="14100"/>
-        <pc:sldMkLst>
-          <pc:docMk/>
-          <pc:sldMk cId="3629678332" sldId="267"/>
-        </pc:sldMkLst>
-        <pc:spChg chg="del">
-          <ac:chgData name="Bradbury, Naomi V." userId="cc8de8ce-d319-4b38-abd1-eaa276f62348" providerId="ADAL" clId="{23BCDB77-73AD-B94F-B7DE-080C488E41C9}" dt="2023-06-07T10:37:50.803" v="893" actId="478"/>
-          <ac:spMkLst>
-            <pc:docMk/>
-            <pc:sldMk cId="3629678332" sldId="267"/>
-            <ac:spMk id="2" creationId="{DC1F2278-0F98-7404-2BB6-4FA38EF9143E}"/>
-          </ac:spMkLst>
-        </pc:spChg>
-        <pc:spChg chg="del mod">
-          <ac:chgData name="Bradbury, Naomi V." userId="cc8de8ce-d319-4b38-abd1-eaa276f62348" providerId="ADAL" clId="{23BCDB77-73AD-B94F-B7DE-080C488E41C9}" dt="2023-06-07T10:38:47.138" v="902" actId="478"/>
-          <ac:spMkLst>
-            <pc:docMk/>
-            <pc:sldMk cId="3629678332" sldId="267"/>
-            <ac:spMk id="3" creationId="{307B4B88-0BDC-6BE6-1102-0B9F9E309BBD}"/>
-          </ac:spMkLst>
-        </pc:spChg>
-        <pc:spChg chg="add mod">
-          <ac:chgData name="Bradbury, Naomi V." userId="cc8de8ce-d319-4b38-abd1-eaa276f62348" providerId="ADAL" clId="{23BCDB77-73AD-B94F-B7DE-080C488E41C9}" dt="2023-06-07T10:40:35.184" v="952" actId="1076"/>
-          <ac:spMkLst>
-            <pc:docMk/>
-            <pc:sldMk cId="3629678332" sldId="267"/>
-            <ac:spMk id="4" creationId="{6A5993C5-5A21-3691-3E97-382E814D769B}"/>
-          </ac:spMkLst>
-        </pc:spChg>
-        <pc:spChg chg="add mod">
-          <ac:chgData name="Bradbury, Naomi V." userId="cc8de8ce-d319-4b38-abd1-eaa276f62348" providerId="ADAL" clId="{23BCDB77-73AD-B94F-B7DE-080C488E41C9}" dt="2023-06-07T10:42:28.257" v="980" actId="1076"/>
-          <ac:spMkLst>
-            <pc:docMk/>
-            <pc:sldMk cId="3629678332" sldId="267"/>
-            <ac:spMk id="5" creationId="{63AF1D62-1A92-98C1-4AE2-4562B9A640CC}"/>
-          </ac:spMkLst>
-        </pc:spChg>
-        <pc:spChg chg="add mod">
-          <ac:chgData name="Bradbury, Naomi V." userId="cc8de8ce-d319-4b38-abd1-eaa276f62348" providerId="ADAL" clId="{23BCDB77-73AD-B94F-B7DE-080C488E41C9}" dt="2023-06-07T10:42:52.582" v="986" actId="1076"/>
-          <ac:spMkLst>
-            <pc:docMk/>
-            <pc:sldMk cId="3629678332" sldId="267"/>
-            <ac:spMk id="6" creationId="{CF88F52D-C042-B823-B12D-74D7BE8B75F5}"/>
-          </ac:spMkLst>
-        </pc:spChg>
-        <pc:spChg chg="add mod">
-          <ac:chgData name="Bradbury, Naomi V." userId="cc8de8ce-d319-4b38-abd1-eaa276f62348" providerId="ADAL" clId="{23BCDB77-73AD-B94F-B7DE-080C488E41C9}" dt="2023-06-07T10:43:26.325" v="997" actId="1076"/>
-          <ac:spMkLst>
-            <pc:docMk/>
-            <pc:sldMk cId="3629678332" sldId="267"/>
-            <ac:spMk id="7" creationId="{8DE06955-F6E9-05EE-3437-C3187217E80A}"/>
-          </ac:spMkLst>
-        </pc:spChg>
-        <pc:spChg chg="add mod">
-          <ac:chgData name="Bradbury, Naomi V." userId="cc8de8ce-d319-4b38-abd1-eaa276f62348" providerId="ADAL" clId="{23BCDB77-73AD-B94F-B7DE-080C488E41C9}" dt="2023-06-07T10:41:42.098" v="967" actId="2711"/>
-          <ac:spMkLst>
-            <pc:docMk/>
-            <pc:sldMk cId="3629678332" sldId="267"/>
-            <ac:spMk id="8" creationId="{8F2707C7-39DF-1130-59A1-C3114FA4A8D5}"/>
-          </ac:spMkLst>
-        </pc:spChg>
-        <pc:spChg chg="add mod">
-          <ac:chgData name="Bradbury, Naomi V." userId="cc8de8ce-d319-4b38-abd1-eaa276f62348" providerId="ADAL" clId="{23BCDB77-73AD-B94F-B7DE-080C488E41C9}" dt="2023-06-07T10:43:28.820" v="998" actId="1076"/>
-          <ac:spMkLst>
-            <pc:docMk/>
-            <pc:sldMk cId="3629678332" sldId="267"/>
-            <ac:spMk id="9" creationId="{440ACC6B-5BF6-EA3F-0B50-1B8D6DBCE11A}"/>
-          </ac:spMkLst>
-        </pc:spChg>
-        <pc:spChg chg="add mod">
-          <ac:chgData name="Bradbury, Naomi V." userId="cc8de8ce-d319-4b38-abd1-eaa276f62348" providerId="ADAL" clId="{23BCDB77-73AD-B94F-B7DE-080C488E41C9}" dt="2023-06-07T10:43:10.461" v="991" actId="1076"/>
-          <ac:spMkLst>
-            <pc:docMk/>
-            <pc:sldMk cId="3629678332" sldId="267"/>
-            <ac:spMk id="10" creationId="{64635A0F-513B-CB7A-8807-586D03AD9767}"/>
-          </ac:spMkLst>
-        </pc:spChg>
-        <pc:spChg chg="add mod">
-          <ac:chgData name="Bradbury, Naomi V." userId="cc8de8ce-d319-4b38-abd1-eaa276f62348" providerId="ADAL" clId="{23BCDB77-73AD-B94F-B7DE-080C488E41C9}" dt="2023-06-07T10:42:10.717" v="974" actId="1076"/>
-          <ac:spMkLst>
-            <pc:docMk/>
-            <pc:sldMk cId="3629678332" sldId="267"/>
-            <ac:spMk id="11" creationId="{7279ECD1-43CC-C838-DF35-5824FC52FE76}"/>
-          </ac:spMkLst>
-        </pc:spChg>
-        <pc:spChg chg="add mod">
-          <ac:chgData name="Bradbury, Naomi V." userId="cc8de8ce-d319-4b38-abd1-eaa276f62348" providerId="ADAL" clId="{23BCDB77-73AD-B94F-B7DE-080C488E41C9}" dt="2023-06-07T10:43:57.765" v="1011" actId="1076"/>
-          <ac:spMkLst>
-            <pc:docMk/>
-            <pc:sldMk cId="3629678332" sldId="267"/>
-            <ac:spMk id="12" creationId="{ED5DACB5-5132-ADDA-A763-5F54F8BEC391}"/>
-          </ac:spMkLst>
-        </pc:spChg>
-        <pc:spChg chg="add mod">
-          <ac:chgData name="Bradbury, Naomi V." userId="cc8de8ce-d319-4b38-abd1-eaa276f62348" providerId="ADAL" clId="{23BCDB77-73AD-B94F-B7DE-080C488E41C9}" dt="2023-06-07T10:40:52.791" v="956" actId="1076"/>
-          <ac:spMkLst>
-            <pc:docMk/>
-            <pc:sldMk cId="3629678332" sldId="267"/>
-            <ac:spMk id="13" creationId="{EC6B07EF-59A2-E6E7-AA1D-33D70FCE553A}"/>
-          </ac:spMkLst>
-        </pc:spChg>
-        <pc:spChg chg="add mod">
-          <ac:chgData name="Bradbury, Naomi V." userId="cc8de8ce-d319-4b38-abd1-eaa276f62348" providerId="ADAL" clId="{23BCDB77-73AD-B94F-B7DE-080C488E41C9}" dt="2023-06-07T10:42:48.220" v="985" actId="1076"/>
-          <ac:spMkLst>
-            <pc:docMk/>
-            <pc:sldMk cId="3629678332" sldId="267"/>
-            <ac:spMk id="14" creationId="{C687ECBD-A7BD-6A01-9332-F371CC4BC1F2}"/>
-          </ac:spMkLst>
-        </pc:spChg>
-        <pc:spChg chg="add mod">
-          <ac:chgData name="Bradbury, Naomi V." userId="cc8de8ce-d319-4b38-abd1-eaa276f62348" providerId="ADAL" clId="{23BCDB77-73AD-B94F-B7DE-080C488E41C9}" dt="2023-06-07T10:42:24.118" v="978" actId="1076"/>
-          <ac:spMkLst>
-            <pc:docMk/>
-            <pc:sldMk cId="3629678332" sldId="267"/>
-            <ac:spMk id="15" creationId="{BE3F307A-13ED-6489-F42F-7B805F2B1C67}"/>
-          </ac:spMkLst>
-        </pc:spChg>
-        <pc:spChg chg="add mod">
-          <ac:chgData name="Bradbury, Naomi V." userId="cc8de8ce-d319-4b38-abd1-eaa276f62348" providerId="ADAL" clId="{23BCDB77-73AD-B94F-B7DE-080C488E41C9}" dt="2023-06-07T10:41:47.440" v="968" actId="2711"/>
-          <ac:spMkLst>
-            <pc:docMk/>
-            <pc:sldMk cId="3629678332" sldId="267"/>
-            <ac:spMk id="16" creationId="{C7FCCDA7-92D6-F69E-425F-1C887DFB8DE7}"/>
-          </ac:spMkLst>
-        </pc:spChg>
-        <pc:spChg chg="add del mod">
-          <ac:chgData name="Bradbury, Naomi V." userId="cc8de8ce-d319-4b38-abd1-eaa276f62348" providerId="ADAL" clId="{23BCDB77-73AD-B94F-B7DE-080C488E41C9}" dt="2023-06-07T10:43:55.823" v="1010" actId="478"/>
-          <ac:spMkLst>
-            <pc:docMk/>
-            <pc:sldMk cId="3629678332" sldId="267"/>
-            <ac:spMk id="17" creationId="{8062F78D-F9E5-8472-AB8F-6A344533CEC4}"/>
-          </ac:spMkLst>
-        </pc:spChg>
-        <pc:spChg chg="add mod">
-          <ac:chgData name="Bradbury, Naomi V." userId="cc8de8ce-d319-4b38-abd1-eaa276f62348" providerId="ADAL" clId="{23BCDB77-73AD-B94F-B7DE-080C488E41C9}" dt="2023-06-07T10:45:20.986" v="1041" actId="14100"/>
-          <ac:spMkLst>
-            <pc:docMk/>
-            <pc:sldMk cId="3629678332" sldId="267"/>
-            <ac:spMk id="18" creationId="{0F9DA5C4-263C-B7CE-811D-AB05F6CE2C67}"/>
-          </ac:spMkLst>
-        </pc:spChg>
-        <pc:spChg chg="add mod">
-          <ac:chgData name="Bradbury, Naomi V." userId="cc8de8ce-d319-4b38-abd1-eaa276f62348" providerId="ADAL" clId="{23BCDB77-73AD-B94F-B7DE-080C488E41C9}" dt="2023-06-07T10:43:24.399" v="996" actId="1076"/>
-          <ac:spMkLst>
-            <pc:docMk/>
-            <pc:sldMk cId="3629678332" sldId="267"/>
-            <ac:spMk id="19" creationId="{660E4137-1EEA-5FAD-0ED4-A7F87F1A1FAF}"/>
-          </ac:spMkLst>
-        </pc:spChg>
-        <pc:spChg chg="add mod">
-          <ac:chgData name="Bradbury, Naomi V." userId="cc8de8ce-d319-4b38-abd1-eaa276f62348" providerId="ADAL" clId="{23BCDB77-73AD-B94F-B7DE-080C488E41C9}" dt="2023-06-07T10:43:42.760" v="1007" actId="14100"/>
-          <ac:spMkLst>
-            <pc:docMk/>
-            <pc:sldMk cId="3629678332" sldId="267"/>
-            <ac:spMk id="20" creationId="{C6BC4263-FF1B-9269-B42B-31C3FE1C2F84}"/>
-          </ac:spMkLst>
-        </pc:spChg>
-        <pc:spChg chg="add mod">
-          <ac:chgData name="Bradbury, Naomi V." userId="cc8de8ce-d319-4b38-abd1-eaa276f62348" providerId="ADAL" clId="{23BCDB77-73AD-B94F-B7DE-080C488E41C9}" dt="2023-06-07T10:44:38.767" v="1023" actId="1076"/>
-          <ac:spMkLst>
-            <pc:docMk/>
-            <pc:sldMk cId="3629678332" sldId="267"/>
-            <ac:spMk id="21" creationId="{6BCD75DD-3977-B06D-8748-8B06E07D6269}"/>
-          </ac:spMkLst>
-        </pc:spChg>
-        <pc:spChg chg="add mod">
-          <ac:chgData name="Bradbury, Naomi V." userId="cc8de8ce-d319-4b38-abd1-eaa276f62348" providerId="ADAL" clId="{23BCDB77-73AD-B94F-B7DE-080C488E41C9}" dt="2023-06-07T10:45:16.855" v="1040" actId="1076"/>
-          <ac:spMkLst>
-            <pc:docMk/>
-            <pc:sldMk cId="3629678332" sldId="267"/>
-            <ac:spMk id="22" creationId="{3246DF26-AC06-C49F-31CB-206B1A01782F}"/>
           </ac:spMkLst>
         </pc:spChg>
       </pc:sldChg>
@@ -1882,7 +1882,7 @@
           <a:p>
             <a:fld id="{0CD18AB5-B411-4243-B514-8BBA48826DCA}" type="datetimeFigureOut">
               <a:rPr lang="en-US" smtClean="0"/>
-              <a:t>6/10/23</a:t>
+              <a:t>5/15/2024</a:t>
             </a:fld>
             <a:endParaRPr lang="en-US"/>
           </a:p>
@@ -2716,7 +2716,7 @@
             <a:fld id="{B61BEF0D-F0BB-DE4B-95CE-6DB70DBA9567}" type="datetimeFigureOut">
               <a:rPr lang="en-US" dirty="0"/>
               <a:pPr/>
-              <a:t>6/10/23</a:t>
+              <a:t>5/15/2024</a:t>
             </a:fld>
             <a:endParaRPr lang="en-US" dirty="0"/>
           </a:p>
@@ -3047,7 +3047,7 @@
             <a:fld id="{B61BEF0D-F0BB-DE4B-95CE-6DB70DBA9567}" type="datetimeFigureOut">
               <a:rPr lang="en-US" dirty="0"/>
               <a:pPr/>
-              <a:t>6/10/23</a:t>
+              <a:t>5/15/2024</a:t>
             </a:fld>
             <a:endParaRPr lang="en-US" dirty="0"/>
           </a:p>
@@ -3322,7 +3322,7 @@
             <a:fld id="{B61BEF0D-F0BB-DE4B-95CE-6DB70DBA9567}" type="datetimeFigureOut">
               <a:rPr lang="en-US" dirty="0"/>
               <a:pPr/>
-              <a:t>6/10/23</a:t>
+              <a:t>5/15/2024</a:t>
             </a:fld>
             <a:endParaRPr lang="en-US" dirty="0"/>
           </a:p>
@@ -3887,7 +3887,7 @@
             <a:fld id="{B61BEF0D-F0BB-DE4B-95CE-6DB70DBA9567}" type="datetimeFigureOut">
               <a:rPr lang="en-US" dirty="0"/>
               <a:pPr/>
-              <a:t>6/10/23</a:t>
+              <a:t>5/15/2024</a:t>
             </a:fld>
             <a:endParaRPr lang="en-US" dirty="0"/>
           </a:p>
@@ -4162,7 +4162,7 @@
             <a:fld id="{B61BEF0D-F0BB-DE4B-95CE-6DB70DBA9567}" type="datetimeFigureOut">
               <a:rPr lang="en-US" dirty="0"/>
               <a:pPr/>
-              <a:t>6/10/23</a:t>
+              <a:t>5/15/2024</a:t>
             </a:fld>
             <a:endParaRPr lang="en-US" dirty="0"/>
           </a:p>
@@ -4721,7 +4721,7 @@
             <a:fld id="{B61BEF0D-F0BB-DE4B-95CE-6DB70DBA9567}" type="datetimeFigureOut">
               <a:rPr lang="en-US" dirty="0"/>
               <a:pPr/>
-              <a:t>6/10/23</a:t>
+              <a:t>5/15/2024</a:t>
             </a:fld>
             <a:endParaRPr lang="en-US" dirty="0"/>
           </a:p>
@@ -5045,7 +5045,7 @@
             <a:fld id="{B61BEF0D-F0BB-DE4B-95CE-6DB70DBA9567}" type="datetimeFigureOut">
               <a:rPr lang="en-US" dirty="0"/>
               <a:pPr/>
-              <a:t>6/10/23</a:t>
+              <a:t>5/15/2024</a:t>
             </a:fld>
             <a:endParaRPr lang="en-US" dirty="0"/>
           </a:p>
@@ -5219,7 +5219,7 @@
             <a:fld id="{B61BEF0D-F0BB-DE4B-95CE-6DB70DBA9567}" type="datetimeFigureOut">
               <a:rPr lang="en-US" dirty="0"/>
               <a:pPr/>
-              <a:t>6/10/23</a:t>
+              <a:t>5/15/2024</a:t>
             </a:fld>
             <a:endParaRPr lang="en-US" dirty="0"/>
           </a:p>
@@ -5454,7 +5454,7 @@
             <a:fld id="{B61BEF0D-F0BB-DE4B-95CE-6DB70DBA9567}" type="datetimeFigureOut">
               <a:rPr lang="en-US" dirty="0"/>
               <a:pPr/>
-              <a:t>6/10/23</a:t>
+              <a:t>5/15/2024</a:t>
             </a:fld>
             <a:endParaRPr lang="en-US" dirty="0"/>
           </a:p>
@@ -5651,7 +5651,7 @@
             <a:fld id="{B61BEF0D-F0BB-DE4B-95CE-6DB70DBA9567}" type="datetimeFigureOut">
               <a:rPr lang="en-US" dirty="0"/>
               <a:pPr/>
-              <a:t>6/10/23</a:t>
+              <a:t>5/15/2024</a:t>
             </a:fld>
             <a:endParaRPr lang="en-US" dirty="0"/>
           </a:p>
@@ -5924,7 +5924,7 @@
             <a:fld id="{B61BEF0D-F0BB-DE4B-95CE-6DB70DBA9567}" type="datetimeFigureOut">
               <a:rPr lang="en-US" dirty="0"/>
               <a:pPr/>
-              <a:t>6/10/23</a:t>
+              <a:t>5/15/2024</a:t>
             </a:fld>
             <a:endParaRPr lang="en-US" dirty="0"/>
           </a:p>
@@ -6187,7 +6187,7 @@
             <a:fld id="{B61BEF0D-F0BB-DE4B-95CE-6DB70DBA9567}" type="datetimeFigureOut">
               <a:rPr lang="en-US" dirty="0"/>
               <a:pPr/>
-              <a:t>6/10/23</a:t>
+              <a:t>5/15/2024</a:t>
             </a:fld>
             <a:endParaRPr lang="en-US" dirty="0"/>
           </a:p>
@@ -6558,7 +6558,7 @@
             <a:fld id="{B61BEF0D-F0BB-DE4B-95CE-6DB70DBA9567}" type="datetimeFigureOut">
               <a:rPr lang="en-US" dirty="0"/>
               <a:pPr/>
-              <a:t>6/10/23</a:t>
+              <a:t>5/15/2024</a:t>
             </a:fld>
             <a:endParaRPr lang="en-US" dirty="0"/>
           </a:p>
@@ -6703,7 +6703,7 @@
             <a:fld id="{B61BEF0D-F0BB-DE4B-95CE-6DB70DBA9567}" type="datetimeFigureOut">
               <a:rPr lang="en-US" dirty="0"/>
               <a:pPr/>
-              <a:t>6/10/23</a:t>
+              <a:t>5/15/2024</a:t>
             </a:fld>
             <a:endParaRPr lang="en-US" dirty="0"/>
           </a:p>
@@ -6825,7 +6825,7 @@
             <a:fld id="{B61BEF0D-F0BB-DE4B-95CE-6DB70DBA9567}" type="datetimeFigureOut">
               <a:rPr lang="en-US" dirty="0"/>
               <a:pPr/>
-              <a:t>6/10/23</a:t>
+              <a:t>5/15/2024</a:t>
             </a:fld>
             <a:endParaRPr lang="en-US" dirty="0"/>
           </a:p>
@@ -7107,7 +7107,7 @@
             <a:fld id="{B61BEF0D-F0BB-DE4B-95CE-6DB70DBA9567}" type="datetimeFigureOut">
               <a:rPr lang="en-US" dirty="0"/>
               <a:pPr/>
-              <a:t>6/10/23</a:t>
+              <a:t>5/15/2024</a:t>
             </a:fld>
             <a:endParaRPr lang="en-US" dirty="0"/>
           </a:p>
@@ -7428,7 +7428,7 @@
             <a:fld id="{B61BEF0D-F0BB-DE4B-95CE-6DB70DBA9567}" type="datetimeFigureOut">
               <a:rPr lang="en-US" dirty="0"/>
               <a:pPr/>
-              <a:t>6/10/23</a:t>
+              <a:t>5/15/2024</a:t>
             </a:fld>
             <a:endParaRPr lang="en-US" dirty="0"/>
           </a:p>
@@ -7639,7 +7639,7 @@
             <a:fld id="{B61BEF0D-F0BB-DE4B-95CE-6DB70DBA9567}" type="datetimeFigureOut">
               <a:rPr lang="en-US" dirty="0"/>
               <a:pPr/>
-              <a:t>6/10/23</a:t>
+              <a:t>5/15/2024</a:t>
             </a:fld>
             <a:endParaRPr lang="en-US" dirty="0"/>
           </a:p>
@@ -8312,10 +8312,171 @@
       </p:sp>
       <p:sp>
         <p:nvSpPr>
-          <p:cNvPr id="5" name="Rounded Rectangle 4">
+          <p:cNvPr id="9" name="TextBox 8">
             <a:extLst>
               <a:ext uri="{FF2B5EF4-FFF2-40B4-BE49-F238E27FC236}">
-                <a16:creationId xmlns:a16="http://schemas.microsoft.com/office/drawing/2014/main" id="{B75DA14F-C1B5-7A84-A6F5-1751C1A2BAF4}"/>
+                <a16:creationId xmlns:a16="http://schemas.microsoft.com/office/drawing/2014/main" id="{2D56B6D1-1C92-D833-66B7-1F69DADD28EF}"/>
+              </a:ext>
+            </a:extLst>
+          </p:cNvPr>
+          <p:cNvSpPr txBox="1"/>
+          <p:nvPr/>
+        </p:nvSpPr>
+        <p:spPr>
+          <a:xfrm>
+            <a:off x="1069181" y="1503873"/>
+            <a:ext cx="2143125" cy="461665"/>
+          </a:xfrm>
+          <a:prstGeom prst="rect">
+            <a:avLst/>
+          </a:prstGeom>
+          <a:noFill/>
+        </p:spPr>
+        <p:txBody>
+          <a:bodyPr wrap="square" rtlCol="0">
+            <a:spAutoFit/>
+          </a:bodyPr>
+          <a:lstStyle/>
+          <a:p>
+            <a:pPr algn="ctr"/>
+            <a:r>
+              <a:rPr lang="en-US" sz="2400" dirty="0">
+                <a:latin typeface="Gill Sans MT" panose="020B0502020104020203" pitchFamily="34" charset="77"/>
+              </a:rPr>
+              <a:t>Sheep slider</a:t>
+            </a:r>
+          </a:p>
+        </p:txBody>
+      </p:sp>
+      <p:grpSp>
+        <p:nvGrpSpPr>
+          <p:cNvPr id="11" name="Group 10">
+            <a:extLst>
+              <a:ext uri="{FF2B5EF4-FFF2-40B4-BE49-F238E27FC236}">
+                <a16:creationId xmlns:a16="http://schemas.microsoft.com/office/drawing/2014/main" id="{2A109D04-F898-433B-AD77-D6C480E4D09C}"/>
+              </a:ext>
+            </a:extLst>
+          </p:cNvPr>
+          <p:cNvGrpSpPr/>
+          <p:nvPr/>
+        </p:nvGrpSpPr>
+        <p:grpSpPr>
+          <a:xfrm>
+            <a:off x="5957714" y="333443"/>
+            <a:ext cx="2871788" cy="2207418"/>
+            <a:chOff x="5032815" y="630996"/>
+            <a:chExt cx="2871788" cy="2207418"/>
+          </a:xfrm>
+        </p:grpSpPr>
+        <p:sp>
+          <p:nvSpPr>
+            <p:cNvPr id="5" name="Rounded Rectangle 4">
+              <a:extLst>
+                <a:ext uri="{FF2B5EF4-FFF2-40B4-BE49-F238E27FC236}">
+                  <a16:creationId xmlns:a16="http://schemas.microsoft.com/office/drawing/2014/main" id="{B75DA14F-C1B5-7A84-A6F5-1751C1A2BAF4}"/>
+                </a:ext>
+              </a:extLst>
+            </p:cNvPr>
+            <p:cNvSpPr/>
+            <p:nvPr/>
+          </p:nvSpPr>
+          <p:spPr>
+            <a:xfrm>
+              <a:off x="5032815" y="630996"/>
+              <a:ext cx="2871788" cy="2207418"/>
+            </a:xfrm>
+            <a:prstGeom prst="roundRect">
+              <a:avLst/>
+            </a:prstGeom>
+          </p:spPr>
+          <p:style>
+            <a:lnRef idx="2">
+              <a:schemeClr val="accent1">
+                <a:shade val="15000"/>
+              </a:schemeClr>
+            </a:lnRef>
+            <a:fillRef idx="1">
+              <a:schemeClr val="accent1"/>
+            </a:fillRef>
+            <a:effectRef idx="0">
+              <a:schemeClr val="accent1"/>
+            </a:effectRef>
+            <a:fontRef idx="minor">
+              <a:schemeClr val="lt1"/>
+            </a:fontRef>
+          </p:style>
+          <p:txBody>
+            <a:bodyPr rtlCol="0" anchor="ctr"/>
+            <a:lstStyle/>
+            <a:p>
+              <a:pPr algn="ctr"/>
+              <a:endParaRPr lang="en-US" dirty="0"/>
+            </a:p>
+          </p:txBody>
+        </p:sp>
+        <p:sp>
+          <p:nvSpPr>
+            <p:cNvPr id="10" name="TextBox 9">
+              <a:extLst>
+                <a:ext uri="{FF2B5EF4-FFF2-40B4-BE49-F238E27FC236}">
+                  <a16:creationId xmlns:a16="http://schemas.microsoft.com/office/drawing/2014/main" id="{B7825A19-E77D-6968-E3E5-043333DAD075}"/>
+                </a:ext>
+              </a:extLst>
+            </p:cNvPr>
+            <p:cNvSpPr txBox="1"/>
+            <p:nvPr/>
+          </p:nvSpPr>
+          <p:spPr>
+            <a:xfrm>
+              <a:off x="5459059" y="769739"/>
+              <a:ext cx="2019300" cy="1938992"/>
+            </a:xfrm>
+            <a:prstGeom prst="rect">
+              <a:avLst/>
+            </a:prstGeom>
+            <a:noFill/>
+          </p:spPr>
+          <p:txBody>
+            <a:bodyPr wrap="square" rtlCol="0">
+              <a:spAutoFit/>
+            </a:bodyPr>
+            <a:lstStyle/>
+            <a:p>
+              <a:pPr algn="ctr"/>
+              <a:r>
+                <a:rPr lang="en-US" sz="2400" dirty="0">
+                  <a:latin typeface="Gill Sans MT" panose="020B0502020104020203" pitchFamily="34" charset="77"/>
+                </a:rPr>
+                <a:t>Recalculate mean costs</a:t>
+              </a:r>
+            </a:p>
+            <a:p>
+              <a:pPr algn="ctr"/>
+              <a:r>
+                <a:rPr lang="en-US" sz="2400" dirty="0">
+                  <a:latin typeface="Gill Sans MT" panose="020B0502020104020203" pitchFamily="34" charset="77"/>
+                </a:rPr>
+                <a:t>-&gt;</a:t>
+              </a:r>
+            </a:p>
+            <a:p>
+              <a:pPr algn="ctr"/>
+              <a:r>
+                <a:rPr lang="en-US" sz="2400" dirty="0">
+                  <a:latin typeface="Gill Sans MT" panose="020B0502020104020203" pitchFamily="34" charset="77"/>
+                </a:rPr>
+                <a:t>Update plot 1  output</a:t>
+              </a:r>
+            </a:p>
+          </p:txBody>
+        </p:sp>
+      </p:grpSp>
+      <p:sp>
+        <p:nvSpPr>
+          <p:cNvPr id="12" name="Rounded Rectangle 11">
+            <a:extLst>
+              <a:ext uri="{FF2B5EF4-FFF2-40B4-BE49-F238E27FC236}">
+                <a16:creationId xmlns:a16="http://schemas.microsoft.com/office/drawing/2014/main" id="{E88427AD-F306-2B98-983B-9D00240F8A9E}"/>
               </a:ext>
             </a:extLst>
           </p:cNvPr>
@@ -8324,8 +8485,8 @@
         </p:nvSpPr>
         <p:spPr>
           <a:xfrm>
-            <a:off x="5032815" y="630996"/>
-            <a:ext cx="2871788" cy="2207418"/>
+            <a:off x="1050131" y="2389323"/>
+            <a:ext cx="2143125" cy="707439"/>
           </a:xfrm>
           <a:prstGeom prst="roundRect">
             <a:avLst/>
@@ -8352,16 +8513,16 @@
           <a:lstStyle/>
           <a:p>
             <a:pPr algn="ctr"/>
-            <a:endParaRPr lang="en-US" dirty="0"/>
-          </a:p>
-        </p:txBody>
-      </p:sp>
-      <p:sp>
-        <p:nvSpPr>
-          <p:cNvPr id="7" name="Right Arrow 6">
+            <a:endParaRPr lang="en-US"/>
+          </a:p>
+        </p:txBody>
+      </p:sp>
+      <p:sp>
+        <p:nvSpPr>
+          <p:cNvPr id="13" name="Rounded Rectangle 12">
             <a:extLst>
               <a:ext uri="{FF2B5EF4-FFF2-40B4-BE49-F238E27FC236}">
-                <a16:creationId xmlns:a16="http://schemas.microsoft.com/office/drawing/2014/main" id="{D1D9C5A7-AABA-FCE5-5133-2B4BAA8D22BF}"/>
+                <a16:creationId xmlns:a16="http://schemas.microsoft.com/office/drawing/2014/main" id="{901A264D-B7D7-C5D1-8425-3265BF6851F8}"/>
               </a:ext>
             </a:extLst>
           </p:cNvPr>
@@ -8369,11 +8530,11 @@
           <p:nvPr/>
         </p:nvSpPr>
         <p:spPr>
-          <a:xfrm rot="386730">
-            <a:off x="3290790" y="814517"/>
-            <a:ext cx="1495425" cy="301177"/>
-          </a:xfrm>
-          <a:prstGeom prst="rightArrow">
+          <a:xfrm>
+            <a:off x="1040605" y="508292"/>
+            <a:ext cx="2143125" cy="707439"/>
+          </a:xfrm>
+          <a:prstGeom prst="roundRect">
             <a:avLst/>
           </a:prstGeom>
         </p:spPr>
@@ -8404,95 +8565,10 @@
       </p:sp>
       <p:sp>
         <p:nvSpPr>
-          <p:cNvPr id="9" name="TextBox 8">
+          <p:cNvPr id="14" name="Rounded Rectangle 13">
             <a:extLst>
               <a:ext uri="{FF2B5EF4-FFF2-40B4-BE49-F238E27FC236}">
-                <a16:creationId xmlns:a16="http://schemas.microsoft.com/office/drawing/2014/main" id="{2D56B6D1-1C92-D833-66B7-1F69DADD28EF}"/>
-              </a:ext>
-            </a:extLst>
-          </p:cNvPr>
-          <p:cNvSpPr txBox="1"/>
-          <p:nvPr/>
-        </p:nvSpPr>
-        <p:spPr>
-          <a:xfrm>
-            <a:off x="1069181" y="1503873"/>
-            <a:ext cx="2143125" cy="461665"/>
-          </a:xfrm>
-          <a:prstGeom prst="rect">
-            <a:avLst/>
-          </a:prstGeom>
-          <a:noFill/>
-        </p:spPr>
-        <p:txBody>
-          <a:bodyPr wrap="square" rtlCol="0">
-            <a:spAutoFit/>
-          </a:bodyPr>
-          <a:lstStyle/>
-          <a:p>
-            <a:pPr algn="ctr"/>
-            <a:r>
-              <a:rPr lang="en-US" sz="2400" dirty="0">
-                <a:latin typeface="Gill Sans MT" panose="020B0502020104020203" pitchFamily="34" charset="77"/>
-              </a:rPr>
-              <a:t>Sheep slider</a:t>
-            </a:r>
-          </a:p>
-        </p:txBody>
-      </p:sp>
-      <p:sp>
-        <p:nvSpPr>
-          <p:cNvPr id="10" name="TextBox 9">
-            <a:extLst>
-              <a:ext uri="{FF2B5EF4-FFF2-40B4-BE49-F238E27FC236}">
-                <a16:creationId xmlns:a16="http://schemas.microsoft.com/office/drawing/2014/main" id="{B7825A19-E77D-6968-E3E5-043333DAD075}"/>
-              </a:ext>
-            </a:extLst>
-          </p:cNvPr>
-          <p:cNvSpPr txBox="1"/>
-          <p:nvPr/>
-        </p:nvSpPr>
-        <p:spPr>
-          <a:xfrm>
-            <a:off x="5459059" y="1006041"/>
-            <a:ext cx="2019300" cy="1569660"/>
-          </a:xfrm>
-          <a:prstGeom prst="rect">
-            <a:avLst/>
-          </a:prstGeom>
-          <a:noFill/>
-        </p:spPr>
-        <p:txBody>
-          <a:bodyPr wrap="square" rtlCol="0">
-            <a:spAutoFit/>
-          </a:bodyPr>
-          <a:lstStyle/>
-          <a:p>
-            <a:pPr algn="ctr"/>
-            <a:r>
-              <a:rPr lang="en-US" sz="2400" dirty="0">
-                <a:latin typeface="Gill Sans MT" panose="020B0502020104020203" pitchFamily="34" charset="77"/>
-              </a:rPr>
-              <a:t>Recalculate mean costs</a:t>
-            </a:r>
-          </a:p>
-          <a:p>
-            <a:pPr algn="ctr"/>
-            <a:r>
-              <a:rPr lang="en-US" sz="2400" dirty="0">
-                <a:latin typeface="Gill Sans MT" panose="020B0502020104020203" pitchFamily="34" charset="77"/>
-              </a:rPr>
-              <a:t>Update plot 1  output</a:t>
-            </a:r>
-          </a:p>
-        </p:txBody>
-      </p:sp>
-      <p:sp>
-        <p:nvSpPr>
-          <p:cNvPr id="12" name="Rounded Rectangle 11">
-            <a:extLst>
-              <a:ext uri="{FF2B5EF4-FFF2-40B4-BE49-F238E27FC236}">
-                <a16:creationId xmlns:a16="http://schemas.microsoft.com/office/drawing/2014/main" id="{E88427AD-F306-2B98-983B-9D00240F8A9E}"/>
+                <a16:creationId xmlns:a16="http://schemas.microsoft.com/office/drawing/2014/main" id="{D277EC48-A433-59FA-63DB-D2BE8E432A11}"/>
               </a:ext>
             </a:extLst>
           </p:cNvPr>
@@ -8501,7 +8577,7 @@
         </p:nvSpPr>
         <p:spPr>
           <a:xfrm>
-            <a:off x="1050131" y="2389323"/>
+            <a:off x="1109661" y="4348429"/>
             <a:ext cx="2143125" cy="707439"/>
           </a:xfrm>
           <a:prstGeom prst="roundRect">
@@ -8535,10 +8611,10 @@
       </p:sp>
       <p:sp>
         <p:nvSpPr>
-          <p:cNvPr id="13" name="Rounded Rectangle 12">
+          <p:cNvPr id="15" name="Rounded Rectangle 14">
             <a:extLst>
               <a:ext uri="{FF2B5EF4-FFF2-40B4-BE49-F238E27FC236}">
-                <a16:creationId xmlns:a16="http://schemas.microsoft.com/office/drawing/2014/main" id="{901A264D-B7D7-C5D1-8425-3265BF6851F8}"/>
+                <a16:creationId xmlns:a16="http://schemas.microsoft.com/office/drawing/2014/main" id="{8169A70E-7324-9262-8E84-2D9F0BE95BA7}"/>
               </a:ext>
             </a:extLst>
           </p:cNvPr>
@@ -8547,7 +8623,7 @@
         </p:nvSpPr>
         <p:spPr>
           <a:xfrm>
-            <a:off x="1040605" y="508292"/>
+            <a:off x="1109662" y="5288549"/>
             <a:ext cx="2143125" cy="707439"/>
           </a:xfrm>
           <a:prstGeom prst="roundRect">
@@ -8581,10 +8657,10 @@
       </p:sp>
       <p:sp>
         <p:nvSpPr>
-          <p:cNvPr id="14" name="Rounded Rectangle 13">
+          <p:cNvPr id="16" name="Rounded Rectangle 15">
             <a:extLst>
               <a:ext uri="{FF2B5EF4-FFF2-40B4-BE49-F238E27FC236}">
-                <a16:creationId xmlns:a16="http://schemas.microsoft.com/office/drawing/2014/main" id="{D277EC48-A433-59FA-63DB-D2BE8E432A11}"/>
+                <a16:creationId xmlns:a16="http://schemas.microsoft.com/office/drawing/2014/main" id="{A3E7669F-4C69-F8EC-C9CB-DB5EA973289D}"/>
               </a:ext>
             </a:extLst>
           </p:cNvPr>
@@ -8593,7 +8669,7 @@
         </p:nvSpPr>
         <p:spPr>
           <a:xfrm>
-            <a:off x="1109661" y="4348429"/>
+            <a:off x="1100137" y="3396258"/>
             <a:ext cx="2143125" cy="707439"/>
           </a:xfrm>
           <a:prstGeom prst="roundRect">
@@ -8627,98 +8703,6 @@
       </p:sp>
       <p:sp>
         <p:nvSpPr>
-          <p:cNvPr id="15" name="Rounded Rectangle 14">
-            <a:extLst>
-              <a:ext uri="{FF2B5EF4-FFF2-40B4-BE49-F238E27FC236}">
-                <a16:creationId xmlns:a16="http://schemas.microsoft.com/office/drawing/2014/main" id="{8169A70E-7324-9262-8E84-2D9F0BE95BA7}"/>
-              </a:ext>
-            </a:extLst>
-          </p:cNvPr>
-          <p:cNvSpPr/>
-          <p:nvPr/>
-        </p:nvSpPr>
-        <p:spPr>
-          <a:xfrm>
-            <a:off x="1109662" y="5288549"/>
-            <a:ext cx="2143125" cy="707439"/>
-          </a:xfrm>
-          <a:prstGeom prst="roundRect">
-            <a:avLst/>
-          </a:prstGeom>
-        </p:spPr>
-        <p:style>
-          <a:lnRef idx="2">
-            <a:schemeClr val="accent1">
-              <a:shade val="15000"/>
-            </a:schemeClr>
-          </a:lnRef>
-          <a:fillRef idx="1">
-            <a:schemeClr val="accent1"/>
-          </a:fillRef>
-          <a:effectRef idx="0">
-            <a:schemeClr val="accent1"/>
-          </a:effectRef>
-          <a:fontRef idx="minor">
-            <a:schemeClr val="lt1"/>
-          </a:fontRef>
-        </p:style>
-        <p:txBody>
-          <a:bodyPr rtlCol="0" anchor="ctr"/>
-          <a:lstStyle/>
-          <a:p>
-            <a:pPr algn="ctr"/>
-            <a:endParaRPr lang="en-US"/>
-          </a:p>
-        </p:txBody>
-      </p:sp>
-      <p:sp>
-        <p:nvSpPr>
-          <p:cNvPr id="16" name="Rounded Rectangle 15">
-            <a:extLst>
-              <a:ext uri="{FF2B5EF4-FFF2-40B4-BE49-F238E27FC236}">
-                <a16:creationId xmlns:a16="http://schemas.microsoft.com/office/drawing/2014/main" id="{A3E7669F-4C69-F8EC-C9CB-DB5EA973289D}"/>
-              </a:ext>
-            </a:extLst>
-          </p:cNvPr>
-          <p:cNvSpPr/>
-          <p:nvPr/>
-        </p:nvSpPr>
-        <p:spPr>
-          <a:xfrm>
-            <a:off x="1100137" y="3396258"/>
-            <a:ext cx="2143125" cy="707439"/>
-          </a:xfrm>
-          <a:prstGeom prst="roundRect">
-            <a:avLst/>
-          </a:prstGeom>
-        </p:spPr>
-        <p:style>
-          <a:lnRef idx="2">
-            <a:schemeClr val="accent1">
-              <a:shade val="15000"/>
-            </a:schemeClr>
-          </a:lnRef>
-          <a:fillRef idx="1">
-            <a:schemeClr val="accent1"/>
-          </a:fillRef>
-          <a:effectRef idx="0">
-            <a:schemeClr val="accent1"/>
-          </a:effectRef>
-          <a:fontRef idx="minor">
-            <a:schemeClr val="lt1"/>
-          </a:fontRef>
-        </p:style>
-        <p:txBody>
-          <a:bodyPr rtlCol="0" anchor="ctr"/>
-          <a:lstStyle/>
-          <a:p>
-            <a:pPr algn="ctr"/>
-            <a:endParaRPr lang="en-US"/>
-          </a:p>
-        </p:txBody>
-      </p:sp>
-      <p:sp>
-        <p:nvSpPr>
           <p:cNvPr id="18" name="TextBox 17">
             <a:extLst>
               <a:ext uri="{FF2B5EF4-FFF2-40B4-BE49-F238E27FC236}">
@@ -8907,559 +8891,623 @@
           </a:p>
         </p:txBody>
       </p:sp>
-      <p:sp>
-        <p:nvSpPr>
-          <p:cNvPr id="23" name="Right Arrow 22">
+      <p:grpSp>
+        <p:nvGrpSpPr>
+          <p:cNvPr id="30" name="Group 29">
             <a:extLst>
               <a:ext uri="{FF2B5EF4-FFF2-40B4-BE49-F238E27FC236}">
-                <a16:creationId xmlns:a16="http://schemas.microsoft.com/office/drawing/2014/main" id="{79FC7F7F-5772-034B-E99C-0884BC127CEA}"/>
+                <a16:creationId xmlns:a16="http://schemas.microsoft.com/office/drawing/2014/main" id="{A01B49B9-4B63-499D-9104-293B9732A7D2}"/>
               </a:ext>
             </a:extLst>
           </p:cNvPr>
-          <p:cNvSpPr/>
+          <p:cNvGrpSpPr/>
           <p:nvPr/>
-        </p:nvSpPr>
-        <p:spPr>
-          <a:xfrm rot="20581566">
-            <a:off x="3419425" y="5437208"/>
-            <a:ext cx="1495425" cy="301177"/>
-          </a:xfrm>
-          <a:prstGeom prst="rightArrow">
+        </p:nvGrpSpPr>
+        <p:grpSpPr>
+          <a:xfrm>
+            <a:off x="5957714" y="3806632"/>
+            <a:ext cx="2871788" cy="2207418"/>
+            <a:chOff x="5032815" y="3416499"/>
+            <a:chExt cx="2871788" cy="2207418"/>
+          </a:xfrm>
+        </p:grpSpPr>
+        <p:sp>
+          <p:nvSpPr>
+            <p:cNvPr id="2" name="Rounded Rectangle 1">
+              <a:extLst>
+                <a:ext uri="{FF2B5EF4-FFF2-40B4-BE49-F238E27FC236}">
+                  <a16:creationId xmlns:a16="http://schemas.microsoft.com/office/drawing/2014/main" id="{43FFA494-E4EF-15B7-3D0C-0B6511FDA36E}"/>
+                </a:ext>
+              </a:extLst>
+            </p:cNvPr>
+            <p:cNvSpPr/>
+            <p:nvPr/>
+          </p:nvSpPr>
+          <p:spPr>
+            <a:xfrm>
+              <a:off x="5032815" y="3416499"/>
+              <a:ext cx="2871788" cy="2207418"/>
+            </a:xfrm>
+            <a:prstGeom prst="roundRect">
+              <a:avLst/>
+            </a:prstGeom>
+          </p:spPr>
+          <p:style>
+            <a:lnRef idx="2">
+              <a:schemeClr val="accent1">
+                <a:shade val="15000"/>
+              </a:schemeClr>
+            </a:lnRef>
+            <a:fillRef idx="1">
+              <a:schemeClr val="accent1"/>
+            </a:fillRef>
+            <a:effectRef idx="0">
+              <a:schemeClr val="accent1"/>
+            </a:effectRef>
+            <a:fontRef idx="minor">
+              <a:schemeClr val="lt1"/>
+            </a:fontRef>
+          </p:style>
+          <p:txBody>
+            <a:bodyPr rtlCol="0" anchor="ctr"/>
+            <a:lstStyle/>
+            <a:p>
+              <a:pPr algn="ctr"/>
+              <a:endParaRPr lang="en-US" dirty="0"/>
+            </a:p>
+          </p:txBody>
+        </p:sp>
+        <p:sp>
+          <p:nvSpPr>
+            <p:cNvPr id="3" name="TextBox 2">
+              <a:extLst>
+                <a:ext uri="{FF2B5EF4-FFF2-40B4-BE49-F238E27FC236}">
+                  <a16:creationId xmlns:a16="http://schemas.microsoft.com/office/drawing/2014/main" id="{D5016D05-6838-1B78-B07D-DC1D073CF7EC}"/>
+                </a:ext>
+              </a:extLst>
+            </p:cNvPr>
+            <p:cNvSpPr txBox="1"/>
+            <p:nvPr/>
+          </p:nvSpPr>
+          <p:spPr>
+            <a:xfrm>
+              <a:off x="5459059" y="3573631"/>
+              <a:ext cx="2019300" cy="1938992"/>
+            </a:xfrm>
+            <a:prstGeom prst="rect">
+              <a:avLst/>
+            </a:prstGeom>
+            <a:noFill/>
+          </p:spPr>
+          <p:txBody>
+            <a:bodyPr wrap="square" rtlCol="0">
+              <a:spAutoFit/>
+            </a:bodyPr>
+            <a:lstStyle/>
+            <a:p>
+              <a:pPr algn="ctr"/>
+              <a:r>
+                <a:rPr lang="en-US" sz="2400" dirty="0">
+                  <a:latin typeface="Gill Sans MT" panose="020B0502020104020203" pitchFamily="34" charset="77"/>
+                </a:rPr>
+                <a:t>Recalculate mean costs</a:t>
+              </a:r>
+            </a:p>
+            <a:p>
+              <a:pPr algn="ctr"/>
+              <a:r>
+                <a:rPr lang="en-US" sz="2400" dirty="0">
+                  <a:latin typeface="Gill Sans MT" panose="020B0502020104020203" pitchFamily="34" charset="77"/>
+                </a:rPr>
+                <a:t>-&gt;</a:t>
+              </a:r>
+            </a:p>
+            <a:p>
+              <a:pPr algn="ctr"/>
+              <a:r>
+                <a:rPr lang="en-US" sz="2400" dirty="0">
+                  <a:latin typeface="Gill Sans MT" panose="020B0502020104020203" pitchFamily="34" charset="77"/>
+                </a:rPr>
+                <a:t>Update plot 2  output</a:t>
+              </a:r>
+            </a:p>
+          </p:txBody>
+        </p:sp>
+      </p:grpSp>
+      <p:cxnSp>
+        <p:nvCxnSpPr>
+          <p:cNvPr id="32" name="Straight Arrow Connector 31">
+            <a:extLst>
+              <a:ext uri="{FF2B5EF4-FFF2-40B4-BE49-F238E27FC236}">
+                <a16:creationId xmlns:a16="http://schemas.microsoft.com/office/drawing/2014/main" id="{09711AB0-E4CE-4AC3-839E-0D1C0BD0DB05}"/>
+              </a:ext>
+            </a:extLst>
+          </p:cNvPr>
+          <p:cNvCxnSpPr>
+            <a:stCxn id="18" idx="3"/>
+          </p:cNvCxnSpPr>
+          <p:nvPr/>
+        </p:nvCxnSpPr>
+        <p:spPr>
+          <a:xfrm>
+            <a:off x="3205163" y="889021"/>
+            <a:ext cx="2752551" cy="15105"/>
+          </a:xfrm>
+          <a:prstGeom prst="straightConnector1">
             <a:avLst/>
           </a:prstGeom>
+          <a:ln w="76200">
+            <a:tailEnd type="triangle"/>
+          </a:ln>
         </p:spPr>
         <p:style>
-          <a:lnRef idx="2">
-            <a:schemeClr val="accent1">
-              <a:shade val="15000"/>
-            </a:schemeClr>
+          <a:lnRef idx="1">
+            <a:schemeClr val="accent1"/>
           </a:lnRef>
-          <a:fillRef idx="1">
+          <a:fillRef idx="0">
             <a:schemeClr val="accent1"/>
           </a:fillRef>
           <a:effectRef idx="0">
             <a:schemeClr val="accent1"/>
           </a:effectRef>
           <a:fontRef idx="minor">
-            <a:schemeClr val="lt1"/>
+            <a:schemeClr val="tx1"/>
           </a:fontRef>
         </p:style>
-        <p:txBody>
-          <a:bodyPr rtlCol="0" anchor="ctr"/>
-          <a:lstStyle/>
-          <a:p>
-            <a:pPr algn="ctr"/>
-            <a:endParaRPr lang="en-US"/>
-          </a:p>
-        </p:txBody>
-      </p:sp>
-      <p:sp>
-        <p:nvSpPr>
-          <p:cNvPr id="24" name="Right Arrow 23">
+      </p:cxnSp>
+      <p:cxnSp>
+        <p:nvCxnSpPr>
+          <p:cNvPr id="33" name="Straight Arrow Connector 32">
             <a:extLst>
               <a:ext uri="{FF2B5EF4-FFF2-40B4-BE49-F238E27FC236}">
-                <a16:creationId xmlns:a16="http://schemas.microsoft.com/office/drawing/2014/main" id="{434A5C4D-24B0-A826-B338-A837E769F9D5}"/>
+                <a16:creationId xmlns:a16="http://schemas.microsoft.com/office/drawing/2014/main" id="{14142671-9B30-4523-A652-123A5A367293}"/>
               </a:ext>
             </a:extLst>
           </p:cNvPr>
-          <p:cNvSpPr/>
+          <p:cNvCxnSpPr>
+            <a:cxnSpLocks/>
+          </p:cNvCxnSpPr>
           <p:nvPr/>
-        </p:nvSpPr>
-        <p:spPr>
-          <a:xfrm>
-            <a:off x="3310538" y="4580221"/>
-            <a:ext cx="1615253" cy="273273"/>
-          </a:xfrm>
-          <a:prstGeom prst="rightArrow">
+        </p:nvCxnSpPr>
+        <p:spPr>
+          <a:xfrm flipV="1">
+            <a:off x="3183729" y="1046321"/>
+            <a:ext cx="2762079" cy="777388"/>
+          </a:xfrm>
+          <a:prstGeom prst="straightConnector1">
             <a:avLst/>
           </a:prstGeom>
+          <a:ln w="76200">
+            <a:tailEnd type="triangle"/>
+          </a:ln>
         </p:spPr>
         <p:style>
-          <a:lnRef idx="2">
-            <a:schemeClr val="accent1">
-              <a:shade val="15000"/>
-            </a:schemeClr>
+          <a:lnRef idx="1">
+            <a:schemeClr val="accent1"/>
           </a:lnRef>
-          <a:fillRef idx="1">
+          <a:fillRef idx="0">
             <a:schemeClr val="accent1"/>
           </a:fillRef>
           <a:effectRef idx="0">
             <a:schemeClr val="accent1"/>
           </a:effectRef>
           <a:fontRef idx="minor">
-            <a:schemeClr val="lt1"/>
+            <a:schemeClr val="tx1"/>
           </a:fontRef>
         </p:style>
-        <p:txBody>
-          <a:bodyPr rtlCol="0" anchor="ctr"/>
-          <a:lstStyle/>
-          <a:p>
-            <a:pPr algn="ctr"/>
-            <a:endParaRPr lang="en-US" dirty="0"/>
-          </a:p>
-        </p:txBody>
-      </p:sp>
-      <p:sp>
-        <p:nvSpPr>
-          <p:cNvPr id="25" name="Right Arrow 24">
+      </p:cxnSp>
+      <p:cxnSp>
+        <p:nvCxnSpPr>
+          <p:cNvPr id="35" name="Straight Arrow Connector 34">
             <a:extLst>
               <a:ext uri="{FF2B5EF4-FFF2-40B4-BE49-F238E27FC236}">
-                <a16:creationId xmlns:a16="http://schemas.microsoft.com/office/drawing/2014/main" id="{59B8FFA6-F72A-71F5-0C9B-D5E7952D63F2}"/>
+                <a16:creationId xmlns:a16="http://schemas.microsoft.com/office/drawing/2014/main" id="{832C3FE1-2B94-4346-BFD6-7CE952B9C99C}"/>
               </a:ext>
             </a:extLst>
           </p:cNvPr>
-          <p:cNvSpPr/>
+          <p:cNvCxnSpPr>
+            <a:cxnSpLocks/>
+          </p:cNvCxnSpPr>
           <p:nvPr/>
-        </p:nvSpPr>
-        <p:spPr>
-          <a:xfrm>
-            <a:off x="3252786" y="1618886"/>
-            <a:ext cx="1599964" cy="273273"/>
-          </a:xfrm>
-          <a:prstGeom prst="rightArrow">
+        </p:nvCxnSpPr>
+        <p:spPr>
+          <a:xfrm flipV="1">
+            <a:off x="3193256" y="1183215"/>
+            <a:ext cx="2764458" cy="1533226"/>
+          </a:xfrm>
+          <a:prstGeom prst="straightConnector1">
             <a:avLst/>
           </a:prstGeom>
+          <a:ln w="76200">
+            <a:tailEnd type="triangle"/>
+          </a:ln>
         </p:spPr>
         <p:style>
-          <a:lnRef idx="2">
-            <a:schemeClr val="accent1">
-              <a:shade val="15000"/>
-            </a:schemeClr>
+          <a:lnRef idx="1">
+            <a:schemeClr val="accent1"/>
           </a:lnRef>
-          <a:fillRef idx="1">
+          <a:fillRef idx="0">
             <a:schemeClr val="accent1"/>
           </a:fillRef>
           <a:effectRef idx="0">
             <a:schemeClr val="accent1"/>
           </a:effectRef>
           <a:fontRef idx="minor">
-            <a:schemeClr val="lt1"/>
+            <a:schemeClr val="tx1"/>
           </a:fontRef>
         </p:style>
-        <p:txBody>
-          <a:bodyPr rtlCol="0" anchor="ctr"/>
-          <a:lstStyle/>
-          <a:p>
-            <a:pPr algn="ctr"/>
-            <a:endParaRPr lang="en-US"/>
-          </a:p>
-        </p:txBody>
-      </p:sp>
-      <p:sp>
-        <p:nvSpPr>
-          <p:cNvPr id="26" name="Right Arrow 25">
+      </p:cxnSp>
+      <p:cxnSp>
+        <p:nvCxnSpPr>
+          <p:cNvPr id="37" name="Straight Arrow Connector 36">
             <a:extLst>
               <a:ext uri="{FF2B5EF4-FFF2-40B4-BE49-F238E27FC236}">
-                <a16:creationId xmlns:a16="http://schemas.microsoft.com/office/drawing/2014/main" id="{5B1F98DF-D253-2B58-0D49-C2ED5E2B11F5}"/>
+                <a16:creationId xmlns:a16="http://schemas.microsoft.com/office/drawing/2014/main" id="{3FBBAD6A-D261-4220-96A6-9575769FB9C9}"/>
               </a:ext>
             </a:extLst>
           </p:cNvPr>
-          <p:cNvSpPr/>
+          <p:cNvCxnSpPr>
+            <a:cxnSpLocks/>
+            <a:endCxn id="5" idx="1"/>
+          </p:cNvCxnSpPr>
           <p:nvPr/>
-        </p:nvSpPr>
-        <p:spPr>
-          <a:xfrm>
-            <a:off x="3383472" y="3508474"/>
-            <a:ext cx="1542320" cy="314099"/>
-          </a:xfrm>
-          <a:prstGeom prst="rightArrow">
+        </p:nvCxnSpPr>
+        <p:spPr>
+          <a:xfrm flipV="1">
+            <a:off x="3252786" y="1437152"/>
+            <a:ext cx="2704928" cy="2354376"/>
+          </a:xfrm>
+          <a:prstGeom prst="straightConnector1">
             <a:avLst/>
           </a:prstGeom>
+          <a:ln w="76200">
+            <a:tailEnd type="triangle"/>
+          </a:ln>
         </p:spPr>
         <p:style>
-          <a:lnRef idx="2">
-            <a:schemeClr val="accent1">
-              <a:shade val="15000"/>
-            </a:schemeClr>
+          <a:lnRef idx="1">
+            <a:schemeClr val="accent1"/>
           </a:lnRef>
-          <a:fillRef idx="1">
+          <a:fillRef idx="0">
             <a:schemeClr val="accent1"/>
           </a:fillRef>
           <a:effectRef idx="0">
             <a:schemeClr val="accent1"/>
           </a:effectRef>
           <a:fontRef idx="minor">
-            <a:schemeClr val="lt1"/>
+            <a:schemeClr val="tx1"/>
           </a:fontRef>
         </p:style>
-        <p:txBody>
-          <a:bodyPr rtlCol="0" anchor="ctr"/>
-          <a:lstStyle/>
-          <a:p>
-            <a:pPr algn="ctr"/>
-            <a:endParaRPr lang="en-US"/>
-          </a:p>
-        </p:txBody>
-      </p:sp>
-      <p:sp>
-        <p:nvSpPr>
-          <p:cNvPr id="27" name="Right Arrow 26">
+      </p:cxnSp>
+      <p:cxnSp>
+        <p:nvCxnSpPr>
+          <p:cNvPr id="39" name="Straight Arrow Connector 38">
             <a:extLst>
               <a:ext uri="{FF2B5EF4-FFF2-40B4-BE49-F238E27FC236}">
-                <a16:creationId xmlns:a16="http://schemas.microsoft.com/office/drawing/2014/main" id="{7D779319-E1AE-1F37-D0CF-6ECE9F8E51C6}"/>
+                <a16:creationId xmlns:a16="http://schemas.microsoft.com/office/drawing/2014/main" id="{3304F942-A0EA-4C1F-88FE-DB8BB324140A}"/>
               </a:ext>
             </a:extLst>
           </p:cNvPr>
-          <p:cNvSpPr/>
+          <p:cNvCxnSpPr>
+            <a:cxnSpLocks/>
+          </p:cNvCxnSpPr>
           <p:nvPr/>
-        </p:nvSpPr>
-        <p:spPr>
-          <a:xfrm rot="19973875">
-            <a:off x="3291294" y="2476802"/>
-            <a:ext cx="1653743" cy="314099"/>
-          </a:xfrm>
-          <a:prstGeom prst="rightArrow">
+        </p:nvCxnSpPr>
+        <p:spPr>
+          <a:xfrm flipV="1">
+            <a:off x="3261122" y="1712567"/>
+            <a:ext cx="2684686" cy="2989581"/>
+          </a:xfrm>
+          <a:prstGeom prst="straightConnector1">
             <a:avLst/>
           </a:prstGeom>
+          <a:ln w="76200">
+            <a:tailEnd type="triangle"/>
+          </a:ln>
         </p:spPr>
         <p:style>
-          <a:lnRef idx="2">
-            <a:schemeClr val="accent1">
-              <a:shade val="15000"/>
-            </a:schemeClr>
+          <a:lnRef idx="1">
+            <a:schemeClr val="accent1"/>
           </a:lnRef>
-          <a:fillRef idx="1">
+          <a:fillRef idx="0">
             <a:schemeClr val="accent1"/>
           </a:fillRef>
           <a:effectRef idx="0">
             <a:schemeClr val="accent1"/>
           </a:effectRef>
           <a:fontRef idx="minor">
-            <a:schemeClr val="lt1"/>
+            <a:schemeClr val="tx1"/>
           </a:fontRef>
         </p:style>
-        <p:txBody>
-          <a:bodyPr rtlCol="0" anchor="ctr"/>
-          <a:lstStyle/>
-          <a:p>
-            <a:pPr algn="ctr"/>
-            <a:endParaRPr lang="en-US"/>
-          </a:p>
-        </p:txBody>
-      </p:sp>
-      <p:sp>
-        <p:nvSpPr>
-          <p:cNvPr id="2" name="Rounded Rectangle 1">
+      </p:cxnSp>
+      <p:cxnSp>
+        <p:nvCxnSpPr>
+          <p:cNvPr id="41" name="Straight Arrow Connector 40">
             <a:extLst>
               <a:ext uri="{FF2B5EF4-FFF2-40B4-BE49-F238E27FC236}">
-                <a16:creationId xmlns:a16="http://schemas.microsoft.com/office/drawing/2014/main" id="{43FFA494-E4EF-15B7-3D0C-0B6511FDA36E}"/>
+                <a16:creationId xmlns:a16="http://schemas.microsoft.com/office/drawing/2014/main" id="{328DDE19-56A4-4A1C-B2D3-D888224B6FE5}"/>
               </a:ext>
             </a:extLst>
           </p:cNvPr>
-          <p:cNvSpPr/>
+          <p:cNvCxnSpPr>
+            <a:cxnSpLocks/>
+          </p:cNvCxnSpPr>
           <p:nvPr/>
-        </p:nvSpPr>
-        <p:spPr>
-          <a:xfrm>
-            <a:off x="5032815" y="3416499"/>
-            <a:ext cx="2871788" cy="2207418"/>
-          </a:xfrm>
-          <a:prstGeom prst="roundRect">
+        </p:nvCxnSpPr>
+        <p:spPr>
+          <a:xfrm flipV="1">
+            <a:off x="3205163" y="1988646"/>
+            <a:ext cx="2740645" cy="3646069"/>
+          </a:xfrm>
+          <a:prstGeom prst="straightConnector1">
             <a:avLst/>
           </a:prstGeom>
+          <a:ln w="76200">
+            <a:tailEnd type="triangle"/>
+          </a:ln>
         </p:spPr>
         <p:style>
-          <a:lnRef idx="2">
-            <a:schemeClr val="accent1">
-              <a:shade val="15000"/>
-            </a:schemeClr>
+          <a:lnRef idx="1">
+            <a:schemeClr val="accent1"/>
           </a:lnRef>
-          <a:fillRef idx="1">
+          <a:fillRef idx="0">
             <a:schemeClr val="accent1"/>
           </a:fillRef>
           <a:effectRef idx="0">
             <a:schemeClr val="accent1"/>
           </a:effectRef>
           <a:fontRef idx="minor">
-            <a:schemeClr val="lt1"/>
+            <a:schemeClr val="tx1"/>
           </a:fontRef>
         </p:style>
-        <p:txBody>
-          <a:bodyPr rtlCol="0" anchor="ctr"/>
-          <a:lstStyle/>
-          <a:p>
-            <a:pPr algn="ctr"/>
-            <a:endParaRPr lang="en-US" dirty="0"/>
-          </a:p>
-        </p:txBody>
-      </p:sp>
-      <p:sp>
-        <p:nvSpPr>
-          <p:cNvPr id="3" name="TextBox 2">
+      </p:cxnSp>
+      <p:cxnSp>
+        <p:nvCxnSpPr>
+          <p:cNvPr id="43" name="Straight Arrow Connector 42">
             <a:extLst>
               <a:ext uri="{FF2B5EF4-FFF2-40B4-BE49-F238E27FC236}">
-                <a16:creationId xmlns:a16="http://schemas.microsoft.com/office/drawing/2014/main" id="{D5016D05-6838-1B78-B07D-DC1D073CF7EC}"/>
+                <a16:creationId xmlns:a16="http://schemas.microsoft.com/office/drawing/2014/main" id="{487E6F7B-A16D-4AEC-8BD5-DFEC3CCECCB0}"/>
               </a:ext>
             </a:extLst>
           </p:cNvPr>
-          <p:cNvSpPr txBox="1"/>
+          <p:cNvCxnSpPr>
+            <a:cxnSpLocks/>
+          </p:cNvCxnSpPr>
           <p:nvPr/>
-        </p:nvSpPr>
-        <p:spPr>
-          <a:xfrm>
-            <a:off x="5459059" y="3655823"/>
-            <a:ext cx="2019300" cy="1569660"/>
-          </a:xfrm>
-          <a:prstGeom prst="rect">
+        </p:nvCxnSpPr>
+        <p:spPr>
+          <a:xfrm>
+            <a:off x="3193256" y="1010587"/>
+            <a:ext cx="2764458" cy="3280166"/>
+          </a:xfrm>
+          <a:prstGeom prst="straightConnector1">
             <a:avLst/>
           </a:prstGeom>
-          <a:noFill/>
-        </p:spPr>
-        <p:txBody>
-          <a:bodyPr wrap="square" rtlCol="0">
-            <a:spAutoFit/>
-          </a:bodyPr>
-          <a:lstStyle/>
-          <a:p>
-            <a:pPr algn="ctr"/>
-            <a:r>
-              <a:rPr lang="en-US" sz="2400" dirty="0">
-                <a:latin typeface="Gill Sans MT" panose="020B0502020104020203" pitchFamily="34" charset="77"/>
-              </a:rPr>
-              <a:t>Recalculate mean costs</a:t>
-            </a:r>
-          </a:p>
-          <a:p>
-            <a:pPr algn="ctr"/>
-            <a:r>
-              <a:rPr lang="en-US" sz="2400" dirty="0">
-                <a:latin typeface="Gill Sans MT" panose="020B0502020104020203" pitchFamily="34" charset="77"/>
-              </a:rPr>
-              <a:t>Update plot 2  output</a:t>
-            </a:r>
-          </a:p>
-        </p:txBody>
-      </p:sp>
-      <p:sp>
-        <p:nvSpPr>
-          <p:cNvPr id="6" name="Right Arrow 5">
-            <a:extLst>
-              <a:ext uri="{FF2B5EF4-FFF2-40B4-BE49-F238E27FC236}">
-                <a16:creationId xmlns:a16="http://schemas.microsoft.com/office/drawing/2014/main" id="{C178474D-7F1A-687E-6482-C07343590262}"/>
-              </a:ext>
-            </a:extLst>
-          </p:cNvPr>
-          <p:cNvSpPr/>
-          <p:nvPr/>
-        </p:nvSpPr>
-        <p:spPr>
-          <a:xfrm rot="2629535">
-            <a:off x="2811606" y="2024136"/>
-            <a:ext cx="2976555" cy="301177"/>
-          </a:xfrm>
-          <a:prstGeom prst="rightArrow">
-            <a:avLst/>
-          </a:prstGeom>
+          <a:ln w="76200">
+            <a:tailEnd type="triangle"/>
+          </a:ln>
         </p:spPr>
         <p:style>
-          <a:lnRef idx="2">
-            <a:schemeClr val="accent1">
-              <a:shade val="15000"/>
-            </a:schemeClr>
+          <a:lnRef idx="1">
+            <a:schemeClr val="accent1"/>
           </a:lnRef>
-          <a:fillRef idx="1">
+          <a:fillRef idx="0">
             <a:schemeClr val="accent1"/>
           </a:fillRef>
           <a:effectRef idx="0">
             <a:schemeClr val="accent1"/>
           </a:effectRef>
           <a:fontRef idx="minor">
-            <a:schemeClr val="lt1"/>
+            <a:schemeClr val="tx1"/>
           </a:fontRef>
         </p:style>
-        <p:txBody>
-          <a:bodyPr rtlCol="0" anchor="ctr"/>
-          <a:lstStyle/>
-          <a:p>
-            <a:pPr algn="ctr"/>
-            <a:endParaRPr lang="en-US"/>
-          </a:p>
-        </p:txBody>
-      </p:sp>
-      <p:sp>
-        <p:nvSpPr>
-          <p:cNvPr id="8" name="Right Arrow 7">
+      </p:cxnSp>
+      <p:cxnSp>
+        <p:nvCxnSpPr>
+          <p:cNvPr id="45" name="Straight Arrow Connector 44">
             <a:extLst>
               <a:ext uri="{FF2B5EF4-FFF2-40B4-BE49-F238E27FC236}">
-                <a16:creationId xmlns:a16="http://schemas.microsoft.com/office/drawing/2014/main" id="{E0DA55E5-BAA6-5A50-EA98-F4CD19836D11}"/>
+                <a16:creationId xmlns:a16="http://schemas.microsoft.com/office/drawing/2014/main" id="{696DBE73-A49D-4DCF-9140-176CF6918364}"/>
               </a:ext>
             </a:extLst>
           </p:cNvPr>
-          <p:cNvSpPr/>
+          <p:cNvCxnSpPr>
+            <a:cxnSpLocks/>
+          </p:cNvCxnSpPr>
           <p:nvPr/>
-        </p:nvSpPr>
-        <p:spPr>
-          <a:xfrm rot="18694465">
-            <a:off x="2972369" y="4066130"/>
-            <a:ext cx="3113281" cy="301177"/>
-          </a:xfrm>
-          <a:prstGeom prst="rightArrow">
+        </p:nvCxnSpPr>
+        <p:spPr>
+          <a:xfrm>
+            <a:off x="3200400" y="1904040"/>
+            <a:ext cx="2764457" cy="2567305"/>
+          </a:xfrm>
+          <a:prstGeom prst="straightConnector1">
             <a:avLst/>
           </a:prstGeom>
+          <a:ln w="76200">
+            <a:tailEnd type="triangle"/>
+          </a:ln>
         </p:spPr>
         <p:style>
-          <a:lnRef idx="2">
-            <a:schemeClr val="accent1">
-              <a:shade val="15000"/>
-            </a:schemeClr>
+          <a:lnRef idx="1">
+            <a:schemeClr val="accent1"/>
           </a:lnRef>
-          <a:fillRef idx="1">
+          <a:fillRef idx="0">
             <a:schemeClr val="accent1"/>
           </a:fillRef>
           <a:effectRef idx="0">
             <a:schemeClr val="accent1"/>
           </a:effectRef>
           <a:fontRef idx="minor">
-            <a:schemeClr val="lt1"/>
+            <a:schemeClr val="tx1"/>
           </a:fontRef>
         </p:style>
-        <p:txBody>
-          <a:bodyPr rtlCol="0" anchor="ctr"/>
-          <a:lstStyle/>
-          <a:p>
-            <a:pPr algn="ctr"/>
-            <a:endParaRPr lang="en-US"/>
-          </a:p>
-        </p:txBody>
-      </p:sp>
-      <p:sp>
-        <p:nvSpPr>
-          <p:cNvPr id="17" name="Right Arrow 16">
+      </p:cxnSp>
+      <p:cxnSp>
+        <p:nvCxnSpPr>
+          <p:cNvPr id="47" name="Straight Arrow Connector 46">
             <a:extLst>
               <a:ext uri="{FF2B5EF4-FFF2-40B4-BE49-F238E27FC236}">
-                <a16:creationId xmlns:a16="http://schemas.microsoft.com/office/drawing/2014/main" id="{8FA1F686-DC77-6F2F-D63A-83F55755D5D3}"/>
+                <a16:creationId xmlns:a16="http://schemas.microsoft.com/office/drawing/2014/main" id="{526952D2-2CBC-4870-8011-0951989BE098}"/>
               </a:ext>
             </a:extLst>
           </p:cNvPr>
-          <p:cNvSpPr/>
+          <p:cNvCxnSpPr>
+            <a:cxnSpLocks/>
+          </p:cNvCxnSpPr>
           <p:nvPr/>
-        </p:nvSpPr>
-        <p:spPr>
-          <a:xfrm rot="19020661">
-            <a:off x="3406918" y="3165477"/>
-            <a:ext cx="1495425" cy="301177"/>
-          </a:xfrm>
-          <a:prstGeom prst="rightArrow">
+        </p:nvCxnSpPr>
+        <p:spPr>
+          <a:xfrm>
+            <a:off x="3100709" y="2777084"/>
+            <a:ext cx="2845099" cy="1838984"/>
+          </a:xfrm>
+          <a:prstGeom prst="straightConnector1">
             <a:avLst/>
           </a:prstGeom>
+          <a:ln w="76200">
+            <a:tailEnd type="triangle"/>
+          </a:ln>
         </p:spPr>
         <p:style>
-          <a:lnRef idx="2">
-            <a:schemeClr val="accent1">
-              <a:shade val="15000"/>
-            </a:schemeClr>
+          <a:lnRef idx="1">
+            <a:schemeClr val="accent1"/>
           </a:lnRef>
-          <a:fillRef idx="1">
+          <a:fillRef idx="0">
             <a:schemeClr val="accent1"/>
           </a:fillRef>
           <a:effectRef idx="0">
             <a:schemeClr val="accent1"/>
           </a:effectRef>
           <a:fontRef idx="minor">
-            <a:schemeClr val="lt1"/>
+            <a:schemeClr val="tx1"/>
           </a:fontRef>
         </p:style>
-        <p:txBody>
-          <a:bodyPr rtlCol="0" anchor="ctr"/>
-          <a:lstStyle/>
-          <a:p>
-            <a:pPr algn="ctr"/>
-            <a:endParaRPr lang="en-US"/>
-          </a:p>
-        </p:txBody>
-      </p:sp>
-      <p:sp>
-        <p:nvSpPr>
-          <p:cNvPr id="28" name="Right Arrow 27">
+      </p:cxnSp>
+      <p:cxnSp>
+        <p:nvCxnSpPr>
+          <p:cNvPr id="49" name="Straight Arrow Connector 48">
             <a:extLst>
               <a:ext uri="{FF2B5EF4-FFF2-40B4-BE49-F238E27FC236}">
-                <a16:creationId xmlns:a16="http://schemas.microsoft.com/office/drawing/2014/main" id="{D604DAFD-6B6C-80CD-73B0-4F07D31F663C}"/>
+                <a16:creationId xmlns:a16="http://schemas.microsoft.com/office/drawing/2014/main" id="{80318495-9789-42A1-A0D8-66B56EA48A58}"/>
               </a:ext>
             </a:extLst>
           </p:cNvPr>
-          <p:cNvSpPr/>
+          <p:cNvCxnSpPr>
+            <a:cxnSpLocks/>
+          </p:cNvCxnSpPr>
           <p:nvPr/>
-        </p:nvSpPr>
-        <p:spPr>
-          <a:xfrm rot="1910531">
-            <a:off x="3029306" y="2590902"/>
-            <a:ext cx="2286159" cy="301177"/>
-          </a:xfrm>
-          <a:prstGeom prst="rightArrow">
+        </p:nvCxnSpPr>
+        <p:spPr>
+          <a:xfrm>
+            <a:off x="3203971" y="3846296"/>
+            <a:ext cx="2741837" cy="900464"/>
+          </a:xfrm>
+          <a:prstGeom prst="straightConnector1">
             <a:avLst/>
           </a:prstGeom>
+          <a:ln w="76200">
+            <a:tailEnd type="triangle"/>
+          </a:ln>
         </p:spPr>
         <p:style>
-          <a:lnRef idx="2">
-            <a:schemeClr val="accent1">
-              <a:shade val="15000"/>
-            </a:schemeClr>
+          <a:lnRef idx="1">
+            <a:schemeClr val="accent1"/>
           </a:lnRef>
-          <a:fillRef idx="1">
+          <a:fillRef idx="0">
             <a:schemeClr val="accent1"/>
           </a:fillRef>
           <a:effectRef idx="0">
             <a:schemeClr val="accent1"/>
           </a:effectRef>
           <a:fontRef idx="minor">
-            <a:schemeClr val="lt1"/>
+            <a:schemeClr val="tx1"/>
           </a:fontRef>
         </p:style>
-        <p:txBody>
-          <a:bodyPr rtlCol="0" anchor="ctr"/>
-          <a:lstStyle/>
-          <a:p>
-            <a:pPr algn="ctr"/>
-            <a:endParaRPr lang="en-US"/>
-          </a:p>
-        </p:txBody>
-      </p:sp>
-      <p:sp>
-        <p:nvSpPr>
-          <p:cNvPr id="29" name="Right Arrow 28">
+      </p:cxnSp>
+      <p:cxnSp>
+        <p:nvCxnSpPr>
+          <p:cNvPr id="51" name="Straight Arrow Connector 50">
             <a:extLst>
               <a:ext uri="{FF2B5EF4-FFF2-40B4-BE49-F238E27FC236}">
-                <a16:creationId xmlns:a16="http://schemas.microsoft.com/office/drawing/2014/main" id="{A1A6BEA8-4212-A648-DF07-2F5C307CA26A}"/>
+                <a16:creationId xmlns:a16="http://schemas.microsoft.com/office/drawing/2014/main" id="{12760B0A-0D08-4E3B-8882-6627BCBA64C7}"/>
               </a:ext>
             </a:extLst>
           </p:cNvPr>
-          <p:cNvSpPr/>
+          <p:cNvCxnSpPr>
+            <a:cxnSpLocks/>
+            <a:endCxn id="2" idx="1"/>
+          </p:cNvCxnSpPr>
           <p:nvPr/>
-        </p:nvSpPr>
-        <p:spPr>
-          <a:xfrm rot="19319907">
-            <a:off x="3209176" y="3595241"/>
-            <a:ext cx="2428190" cy="301177"/>
-          </a:xfrm>
-          <a:prstGeom prst="rightArrow">
+        </p:nvCxnSpPr>
+        <p:spPr>
+          <a:xfrm>
+            <a:off x="3193256" y="4740346"/>
+            <a:ext cx="2764458" cy="169995"/>
+          </a:xfrm>
+          <a:prstGeom prst="straightConnector1">
             <a:avLst/>
           </a:prstGeom>
+          <a:ln w="76200">
+            <a:tailEnd type="triangle"/>
+          </a:ln>
         </p:spPr>
         <p:style>
-          <a:lnRef idx="2">
-            <a:schemeClr val="accent1">
-              <a:shade val="15000"/>
-            </a:schemeClr>
+          <a:lnRef idx="1">
+            <a:schemeClr val="accent1"/>
           </a:lnRef>
-          <a:fillRef idx="1">
+          <a:fillRef idx="0">
             <a:schemeClr val="accent1"/>
           </a:fillRef>
           <a:effectRef idx="0">
             <a:schemeClr val="accent1"/>
           </a:effectRef>
           <a:fontRef idx="minor">
-            <a:schemeClr val="lt1"/>
+            <a:schemeClr val="tx1"/>
           </a:fontRef>
         </p:style>
-        <p:txBody>
-          <a:bodyPr rtlCol="0" anchor="ctr"/>
-          <a:lstStyle/>
-          <a:p>
-            <a:pPr algn="ctr"/>
-            <a:endParaRPr lang="en-US"/>
-          </a:p>
-        </p:txBody>
-      </p:sp>
+      </p:cxnSp>
+      <p:cxnSp>
+        <p:nvCxnSpPr>
+          <p:cNvPr id="53" name="Straight Arrow Connector 52">
+            <a:extLst>
+              <a:ext uri="{FF2B5EF4-FFF2-40B4-BE49-F238E27FC236}">
+                <a16:creationId xmlns:a16="http://schemas.microsoft.com/office/drawing/2014/main" id="{ED8F5850-DF4D-4F39-876B-1573292790CF}"/>
+              </a:ext>
+            </a:extLst>
+          </p:cNvPr>
+          <p:cNvCxnSpPr>
+            <a:cxnSpLocks/>
+          </p:cNvCxnSpPr>
+          <p:nvPr/>
+        </p:nvCxnSpPr>
+        <p:spPr>
+          <a:xfrm flipV="1">
+            <a:off x="3203442" y="5066106"/>
+            <a:ext cx="2754272" cy="619174"/>
+          </a:xfrm>
+          <a:prstGeom prst="straightConnector1">
+            <a:avLst/>
+          </a:prstGeom>
+          <a:ln w="76200">
+            <a:tailEnd type="triangle"/>
+          </a:ln>
+        </p:spPr>
+        <p:style>
+          <a:lnRef idx="1">
+            <a:schemeClr val="accent1"/>
+          </a:lnRef>
+          <a:fillRef idx="0">
+            <a:schemeClr val="accent1"/>
+          </a:fillRef>
+          <a:effectRef idx="0">
+            <a:schemeClr val="accent1"/>
+          </a:effectRef>
+          <a:fontRef idx="minor">
+            <a:schemeClr val="tx1"/>
+          </a:fontRef>
+        </p:style>
+      </p:cxnSp>
     </p:spTree>
     <p:extLst>
       <p:ext uri="{BB962C8B-B14F-4D97-AF65-F5344CB8AC3E}">
@@ -9470,6 +9518,492 @@
   <p:clrMapOvr>
     <a:masterClrMapping/>
   </p:clrMapOvr>
+  <p:timing>
+    <p:tnLst>
+      <p:par>
+        <p:cTn id="1" dur="indefinite" restart="never" nodeType="tmRoot">
+          <p:childTnLst>
+            <p:seq concurrent="1" nextAc="seek">
+              <p:cTn id="2" dur="indefinite" nodeType="mainSeq">
+                <p:childTnLst>
+                  <p:par>
+                    <p:cTn id="3" fill="hold">
+                      <p:stCondLst>
+                        <p:cond delay="indefinite"/>
+                      </p:stCondLst>
+                      <p:childTnLst>
+                        <p:par>
+                          <p:cTn id="4" fill="hold">
+                            <p:stCondLst>
+                              <p:cond delay="0"/>
+                            </p:stCondLst>
+                            <p:childTnLst>
+                              <p:par>
+                                <p:cTn id="5" presetID="10" presetClass="entr" presetSubtype="0" fill="hold" nodeType="clickEffect">
+                                  <p:stCondLst>
+                                    <p:cond delay="0"/>
+                                  </p:stCondLst>
+                                  <p:childTnLst>
+                                    <p:set>
+                                      <p:cBhvr>
+                                        <p:cTn id="6" dur="1" fill="hold">
+                                          <p:stCondLst>
+                                            <p:cond delay="0"/>
+                                          </p:stCondLst>
+                                        </p:cTn>
+                                        <p:tgtEl>
+                                          <p:spTgt spid="32"/>
+                                        </p:tgtEl>
+                                        <p:attrNameLst>
+                                          <p:attrName>style.visibility</p:attrName>
+                                        </p:attrNameLst>
+                                      </p:cBhvr>
+                                      <p:to>
+                                        <p:strVal val="visible"/>
+                                      </p:to>
+                                    </p:set>
+                                    <p:animEffect transition="in" filter="fade">
+                                      <p:cBhvr>
+                                        <p:cTn id="7" dur="500"/>
+                                        <p:tgtEl>
+                                          <p:spTgt spid="32"/>
+                                        </p:tgtEl>
+                                      </p:cBhvr>
+                                    </p:animEffect>
+                                  </p:childTnLst>
+                                </p:cTn>
+                              </p:par>
+                              <p:par>
+                                <p:cTn id="8" presetID="10" presetClass="entr" presetSubtype="0" fill="hold" nodeType="withEffect">
+                                  <p:stCondLst>
+                                    <p:cond delay="0"/>
+                                  </p:stCondLst>
+                                  <p:childTnLst>
+                                    <p:set>
+                                      <p:cBhvr>
+                                        <p:cTn id="9" dur="1" fill="hold">
+                                          <p:stCondLst>
+                                            <p:cond delay="0"/>
+                                          </p:stCondLst>
+                                        </p:cTn>
+                                        <p:tgtEl>
+                                          <p:spTgt spid="33"/>
+                                        </p:tgtEl>
+                                        <p:attrNameLst>
+                                          <p:attrName>style.visibility</p:attrName>
+                                        </p:attrNameLst>
+                                      </p:cBhvr>
+                                      <p:to>
+                                        <p:strVal val="visible"/>
+                                      </p:to>
+                                    </p:set>
+                                    <p:animEffect transition="in" filter="fade">
+                                      <p:cBhvr>
+                                        <p:cTn id="10" dur="500"/>
+                                        <p:tgtEl>
+                                          <p:spTgt spid="33"/>
+                                        </p:tgtEl>
+                                      </p:cBhvr>
+                                    </p:animEffect>
+                                  </p:childTnLst>
+                                </p:cTn>
+                              </p:par>
+                              <p:par>
+                                <p:cTn id="11" presetID="10" presetClass="entr" presetSubtype="0" fill="hold" nodeType="withEffect">
+                                  <p:stCondLst>
+                                    <p:cond delay="0"/>
+                                  </p:stCondLst>
+                                  <p:childTnLst>
+                                    <p:set>
+                                      <p:cBhvr>
+                                        <p:cTn id="12" dur="1" fill="hold">
+                                          <p:stCondLst>
+                                            <p:cond delay="0"/>
+                                          </p:stCondLst>
+                                        </p:cTn>
+                                        <p:tgtEl>
+                                          <p:spTgt spid="35"/>
+                                        </p:tgtEl>
+                                        <p:attrNameLst>
+                                          <p:attrName>style.visibility</p:attrName>
+                                        </p:attrNameLst>
+                                      </p:cBhvr>
+                                      <p:to>
+                                        <p:strVal val="visible"/>
+                                      </p:to>
+                                    </p:set>
+                                    <p:animEffect transition="in" filter="fade">
+                                      <p:cBhvr>
+                                        <p:cTn id="13" dur="500"/>
+                                        <p:tgtEl>
+                                          <p:spTgt spid="35"/>
+                                        </p:tgtEl>
+                                      </p:cBhvr>
+                                    </p:animEffect>
+                                  </p:childTnLst>
+                                </p:cTn>
+                              </p:par>
+                              <p:par>
+                                <p:cTn id="14" presetID="10" presetClass="entr" presetSubtype="0" fill="hold" nodeType="withEffect">
+                                  <p:stCondLst>
+                                    <p:cond delay="0"/>
+                                  </p:stCondLst>
+                                  <p:childTnLst>
+                                    <p:set>
+                                      <p:cBhvr>
+                                        <p:cTn id="15" dur="1" fill="hold">
+                                          <p:stCondLst>
+                                            <p:cond delay="0"/>
+                                          </p:stCondLst>
+                                        </p:cTn>
+                                        <p:tgtEl>
+                                          <p:spTgt spid="37"/>
+                                        </p:tgtEl>
+                                        <p:attrNameLst>
+                                          <p:attrName>style.visibility</p:attrName>
+                                        </p:attrNameLst>
+                                      </p:cBhvr>
+                                      <p:to>
+                                        <p:strVal val="visible"/>
+                                      </p:to>
+                                    </p:set>
+                                    <p:animEffect transition="in" filter="fade">
+                                      <p:cBhvr>
+                                        <p:cTn id="16" dur="500"/>
+                                        <p:tgtEl>
+                                          <p:spTgt spid="37"/>
+                                        </p:tgtEl>
+                                      </p:cBhvr>
+                                    </p:animEffect>
+                                  </p:childTnLst>
+                                </p:cTn>
+                              </p:par>
+                              <p:par>
+                                <p:cTn id="17" presetID="10" presetClass="entr" presetSubtype="0" fill="hold" nodeType="withEffect">
+                                  <p:stCondLst>
+                                    <p:cond delay="0"/>
+                                  </p:stCondLst>
+                                  <p:childTnLst>
+                                    <p:set>
+                                      <p:cBhvr>
+                                        <p:cTn id="18" dur="1" fill="hold">
+                                          <p:stCondLst>
+                                            <p:cond delay="0"/>
+                                          </p:stCondLst>
+                                        </p:cTn>
+                                        <p:tgtEl>
+                                          <p:spTgt spid="39"/>
+                                        </p:tgtEl>
+                                        <p:attrNameLst>
+                                          <p:attrName>style.visibility</p:attrName>
+                                        </p:attrNameLst>
+                                      </p:cBhvr>
+                                      <p:to>
+                                        <p:strVal val="visible"/>
+                                      </p:to>
+                                    </p:set>
+                                    <p:animEffect transition="in" filter="fade">
+                                      <p:cBhvr>
+                                        <p:cTn id="19" dur="500"/>
+                                        <p:tgtEl>
+                                          <p:spTgt spid="39"/>
+                                        </p:tgtEl>
+                                      </p:cBhvr>
+                                    </p:animEffect>
+                                  </p:childTnLst>
+                                </p:cTn>
+                              </p:par>
+                              <p:par>
+                                <p:cTn id="20" presetID="10" presetClass="entr" presetSubtype="0" fill="hold" nodeType="withEffect">
+                                  <p:stCondLst>
+                                    <p:cond delay="0"/>
+                                  </p:stCondLst>
+                                  <p:childTnLst>
+                                    <p:set>
+                                      <p:cBhvr>
+                                        <p:cTn id="21" dur="1" fill="hold">
+                                          <p:stCondLst>
+                                            <p:cond delay="0"/>
+                                          </p:stCondLst>
+                                        </p:cTn>
+                                        <p:tgtEl>
+                                          <p:spTgt spid="41"/>
+                                        </p:tgtEl>
+                                        <p:attrNameLst>
+                                          <p:attrName>style.visibility</p:attrName>
+                                        </p:attrNameLst>
+                                      </p:cBhvr>
+                                      <p:to>
+                                        <p:strVal val="visible"/>
+                                      </p:to>
+                                    </p:set>
+                                    <p:animEffect transition="in" filter="fade">
+                                      <p:cBhvr>
+                                        <p:cTn id="22" dur="500"/>
+                                        <p:tgtEl>
+                                          <p:spTgt spid="41"/>
+                                        </p:tgtEl>
+                                      </p:cBhvr>
+                                    </p:animEffect>
+                                  </p:childTnLst>
+                                </p:cTn>
+                              </p:par>
+                            </p:childTnLst>
+                          </p:cTn>
+                        </p:par>
+                      </p:childTnLst>
+                    </p:cTn>
+                  </p:par>
+                  <p:par>
+                    <p:cTn id="23" fill="hold">
+                      <p:stCondLst>
+                        <p:cond delay="indefinite"/>
+                      </p:stCondLst>
+                      <p:childTnLst>
+                        <p:par>
+                          <p:cTn id="24" fill="hold">
+                            <p:stCondLst>
+                              <p:cond delay="0"/>
+                            </p:stCondLst>
+                            <p:childTnLst>
+                              <p:par>
+                                <p:cTn id="25" presetID="10" presetClass="entr" presetSubtype="0" fill="hold" nodeType="clickEffect">
+                                  <p:stCondLst>
+                                    <p:cond delay="0"/>
+                                  </p:stCondLst>
+                                  <p:childTnLst>
+                                    <p:set>
+                                      <p:cBhvr>
+                                        <p:cTn id="26" dur="1" fill="hold">
+                                          <p:stCondLst>
+                                            <p:cond delay="0"/>
+                                          </p:stCondLst>
+                                        </p:cTn>
+                                        <p:tgtEl>
+                                          <p:spTgt spid="43"/>
+                                        </p:tgtEl>
+                                        <p:attrNameLst>
+                                          <p:attrName>style.visibility</p:attrName>
+                                        </p:attrNameLst>
+                                      </p:cBhvr>
+                                      <p:to>
+                                        <p:strVal val="visible"/>
+                                      </p:to>
+                                    </p:set>
+                                    <p:animEffect transition="in" filter="fade">
+                                      <p:cBhvr>
+                                        <p:cTn id="27" dur="500"/>
+                                        <p:tgtEl>
+                                          <p:spTgt spid="43"/>
+                                        </p:tgtEl>
+                                      </p:cBhvr>
+                                    </p:animEffect>
+                                  </p:childTnLst>
+                                </p:cTn>
+                              </p:par>
+                              <p:par>
+                                <p:cTn id="28" presetID="10" presetClass="entr" presetSubtype="0" fill="hold" nodeType="withEffect">
+                                  <p:stCondLst>
+                                    <p:cond delay="0"/>
+                                  </p:stCondLst>
+                                  <p:childTnLst>
+                                    <p:set>
+                                      <p:cBhvr>
+                                        <p:cTn id="29" dur="1" fill="hold">
+                                          <p:stCondLst>
+                                            <p:cond delay="0"/>
+                                          </p:stCondLst>
+                                        </p:cTn>
+                                        <p:tgtEl>
+                                          <p:spTgt spid="45"/>
+                                        </p:tgtEl>
+                                        <p:attrNameLst>
+                                          <p:attrName>style.visibility</p:attrName>
+                                        </p:attrNameLst>
+                                      </p:cBhvr>
+                                      <p:to>
+                                        <p:strVal val="visible"/>
+                                      </p:to>
+                                    </p:set>
+                                    <p:animEffect transition="in" filter="fade">
+                                      <p:cBhvr>
+                                        <p:cTn id="30" dur="500"/>
+                                        <p:tgtEl>
+                                          <p:spTgt spid="45"/>
+                                        </p:tgtEl>
+                                      </p:cBhvr>
+                                    </p:animEffect>
+                                  </p:childTnLst>
+                                </p:cTn>
+                              </p:par>
+                              <p:par>
+                                <p:cTn id="31" presetID="10" presetClass="entr" presetSubtype="0" fill="hold" nodeType="withEffect">
+                                  <p:stCondLst>
+                                    <p:cond delay="0"/>
+                                  </p:stCondLst>
+                                  <p:childTnLst>
+                                    <p:set>
+                                      <p:cBhvr>
+                                        <p:cTn id="32" dur="1" fill="hold">
+                                          <p:stCondLst>
+                                            <p:cond delay="0"/>
+                                          </p:stCondLst>
+                                        </p:cTn>
+                                        <p:tgtEl>
+                                          <p:spTgt spid="47"/>
+                                        </p:tgtEl>
+                                        <p:attrNameLst>
+                                          <p:attrName>style.visibility</p:attrName>
+                                        </p:attrNameLst>
+                                      </p:cBhvr>
+                                      <p:to>
+                                        <p:strVal val="visible"/>
+                                      </p:to>
+                                    </p:set>
+                                    <p:animEffect transition="in" filter="fade">
+                                      <p:cBhvr>
+                                        <p:cTn id="33" dur="500"/>
+                                        <p:tgtEl>
+                                          <p:spTgt spid="47"/>
+                                        </p:tgtEl>
+                                      </p:cBhvr>
+                                    </p:animEffect>
+                                  </p:childTnLst>
+                                </p:cTn>
+                              </p:par>
+                              <p:par>
+                                <p:cTn id="34" presetID="10" presetClass="entr" presetSubtype="0" fill="hold" nodeType="withEffect">
+                                  <p:stCondLst>
+                                    <p:cond delay="0"/>
+                                  </p:stCondLst>
+                                  <p:childTnLst>
+                                    <p:set>
+                                      <p:cBhvr>
+                                        <p:cTn id="35" dur="1" fill="hold">
+                                          <p:stCondLst>
+                                            <p:cond delay="0"/>
+                                          </p:stCondLst>
+                                        </p:cTn>
+                                        <p:tgtEl>
+                                          <p:spTgt spid="49"/>
+                                        </p:tgtEl>
+                                        <p:attrNameLst>
+                                          <p:attrName>style.visibility</p:attrName>
+                                        </p:attrNameLst>
+                                      </p:cBhvr>
+                                      <p:to>
+                                        <p:strVal val="visible"/>
+                                      </p:to>
+                                    </p:set>
+                                    <p:animEffect transition="in" filter="fade">
+                                      <p:cBhvr>
+                                        <p:cTn id="36" dur="500"/>
+                                        <p:tgtEl>
+                                          <p:spTgt spid="49"/>
+                                        </p:tgtEl>
+                                      </p:cBhvr>
+                                    </p:animEffect>
+                                  </p:childTnLst>
+                                </p:cTn>
+                              </p:par>
+                              <p:par>
+                                <p:cTn id="37" presetID="10" presetClass="entr" presetSubtype="0" fill="hold" nodeType="withEffect">
+                                  <p:stCondLst>
+                                    <p:cond delay="0"/>
+                                  </p:stCondLst>
+                                  <p:childTnLst>
+                                    <p:set>
+                                      <p:cBhvr>
+                                        <p:cTn id="38" dur="1" fill="hold">
+                                          <p:stCondLst>
+                                            <p:cond delay="0"/>
+                                          </p:stCondLst>
+                                        </p:cTn>
+                                        <p:tgtEl>
+                                          <p:spTgt spid="51"/>
+                                        </p:tgtEl>
+                                        <p:attrNameLst>
+                                          <p:attrName>style.visibility</p:attrName>
+                                        </p:attrNameLst>
+                                      </p:cBhvr>
+                                      <p:to>
+                                        <p:strVal val="visible"/>
+                                      </p:to>
+                                    </p:set>
+                                    <p:animEffect transition="in" filter="fade">
+                                      <p:cBhvr>
+                                        <p:cTn id="39" dur="500"/>
+                                        <p:tgtEl>
+                                          <p:spTgt spid="51"/>
+                                        </p:tgtEl>
+                                      </p:cBhvr>
+                                    </p:animEffect>
+                                  </p:childTnLst>
+                                </p:cTn>
+                              </p:par>
+                              <p:par>
+                                <p:cTn id="40" presetID="10" presetClass="entr" presetSubtype="0" fill="hold" nodeType="withEffect">
+                                  <p:stCondLst>
+                                    <p:cond delay="0"/>
+                                  </p:stCondLst>
+                                  <p:childTnLst>
+                                    <p:set>
+                                      <p:cBhvr>
+                                        <p:cTn id="41" dur="1" fill="hold">
+                                          <p:stCondLst>
+                                            <p:cond delay="0"/>
+                                          </p:stCondLst>
+                                        </p:cTn>
+                                        <p:tgtEl>
+                                          <p:spTgt spid="53"/>
+                                        </p:tgtEl>
+                                        <p:attrNameLst>
+                                          <p:attrName>style.visibility</p:attrName>
+                                        </p:attrNameLst>
+                                      </p:cBhvr>
+                                      <p:to>
+                                        <p:strVal val="visible"/>
+                                      </p:to>
+                                    </p:set>
+                                    <p:animEffect transition="in" filter="fade">
+                                      <p:cBhvr>
+                                        <p:cTn id="42" dur="500"/>
+                                        <p:tgtEl>
+                                          <p:spTgt spid="53"/>
+                                        </p:tgtEl>
+                                      </p:cBhvr>
+                                    </p:animEffect>
+                                  </p:childTnLst>
+                                </p:cTn>
+                              </p:par>
+                            </p:childTnLst>
+                          </p:cTn>
+                        </p:par>
+                      </p:childTnLst>
+                    </p:cTn>
+                  </p:par>
+                </p:childTnLst>
+              </p:cTn>
+              <p:prevCondLst>
+                <p:cond evt="onPrev" delay="0">
+                  <p:tgtEl>
+                    <p:sldTgt/>
+                  </p:tgtEl>
+                </p:cond>
+              </p:prevCondLst>
+              <p:nextCondLst>
+                <p:cond evt="onNext" delay="0">
+                  <p:tgtEl>
+                    <p:sldTgt/>
+                  </p:tgtEl>
+                </p:cond>
+              </p:nextCondLst>
+            </p:seq>
+          </p:childTnLst>
+        </p:cTn>
+      </p:par>
+    </p:tnLst>
+  </p:timing>
 </p:sld>
 </file>
 
@@ -9630,10 +10164,124 @@
       </p:sp>
       <p:sp>
         <p:nvSpPr>
-          <p:cNvPr id="7" name="Right Arrow 6">
+          <p:cNvPr id="9" name="TextBox 8">
             <a:extLst>
               <a:ext uri="{FF2B5EF4-FFF2-40B4-BE49-F238E27FC236}">
-                <a16:creationId xmlns:a16="http://schemas.microsoft.com/office/drawing/2014/main" id="{D1D9C5A7-AABA-FCE5-5133-2B4BAA8D22BF}"/>
+                <a16:creationId xmlns:a16="http://schemas.microsoft.com/office/drawing/2014/main" id="{2D56B6D1-1C92-D833-66B7-1F69DADD28EF}"/>
+              </a:ext>
+            </a:extLst>
+          </p:cNvPr>
+          <p:cNvSpPr txBox="1"/>
+          <p:nvPr/>
+        </p:nvSpPr>
+        <p:spPr>
+          <a:xfrm>
+            <a:off x="1069181" y="1503873"/>
+            <a:ext cx="2143125" cy="461665"/>
+          </a:xfrm>
+          <a:prstGeom prst="rect">
+            <a:avLst/>
+          </a:prstGeom>
+          <a:noFill/>
+        </p:spPr>
+        <p:txBody>
+          <a:bodyPr wrap="square" rtlCol="0">
+            <a:spAutoFit/>
+          </a:bodyPr>
+          <a:lstStyle/>
+          <a:p>
+            <a:pPr algn="ctr"/>
+            <a:r>
+              <a:rPr lang="en-US" sz="2400" dirty="0">
+                <a:latin typeface="Gill Sans MT" panose="020B0502020104020203" pitchFamily="34" charset="77"/>
+              </a:rPr>
+              <a:t>Sheep slider</a:t>
+            </a:r>
+          </a:p>
+        </p:txBody>
+      </p:sp>
+      <p:sp>
+        <p:nvSpPr>
+          <p:cNvPr id="10" name="TextBox 9">
+            <a:extLst>
+              <a:ext uri="{FF2B5EF4-FFF2-40B4-BE49-F238E27FC236}">
+                <a16:creationId xmlns:a16="http://schemas.microsoft.com/office/drawing/2014/main" id="{B7825A19-E77D-6968-E3E5-043333DAD075}"/>
+              </a:ext>
+            </a:extLst>
+          </p:cNvPr>
+          <p:cNvSpPr txBox="1"/>
+          <p:nvPr/>
+        </p:nvSpPr>
+        <p:spPr>
+          <a:xfrm>
+            <a:off x="4805363" y="2699402"/>
+            <a:ext cx="2019300" cy="830997"/>
+          </a:xfrm>
+          <a:prstGeom prst="rect">
+            <a:avLst/>
+          </a:prstGeom>
+          <a:noFill/>
+        </p:spPr>
+        <p:txBody>
+          <a:bodyPr wrap="square" rtlCol="0">
+            <a:spAutoFit/>
+          </a:bodyPr>
+          <a:lstStyle/>
+          <a:p>
+            <a:pPr algn="ctr"/>
+            <a:r>
+              <a:rPr lang="en-US" sz="2400" dirty="0">
+                <a:latin typeface="Gill Sans MT" panose="020B0502020104020203" pitchFamily="34" charset="77"/>
+              </a:rPr>
+              <a:t>Recalculate mean costs</a:t>
+            </a:r>
+          </a:p>
+        </p:txBody>
+      </p:sp>
+      <p:sp>
+        <p:nvSpPr>
+          <p:cNvPr id="11" name="TextBox 10">
+            <a:extLst>
+              <a:ext uri="{FF2B5EF4-FFF2-40B4-BE49-F238E27FC236}">
+                <a16:creationId xmlns:a16="http://schemas.microsoft.com/office/drawing/2014/main" id="{0B7E588B-9AAE-A3FD-7B8B-F2E12090B902}"/>
+              </a:ext>
+            </a:extLst>
+          </p:cNvPr>
+          <p:cNvSpPr txBox="1"/>
+          <p:nvPr/>
+        </p:nvSpPr>
+        <p:spPr>
+          <a:xfrm>
+            <a:off x="8672512" y="1021653"/>
+            <a:ext cx="2052638" cy="830997"/>
+          </a:xfrm>
+          <a:prstGeom prst="rect">
+            <a:avLst/>
+          </a:prstGeom>
+          <a:noFill/>
+        </p:spPr>
+        <p:txBody>
+          <a:bodyPr wrap="square" rtlCol="0">
+            <a:spAutoFit/>
+          </a:bodyPr>
+          <a:lstStyle/>
+          <a:p>
+            <a:pPr algn="ctr"/>
+            <a:r>
+              <a:rPr lang="en-US" sz="2400" dirty="0">
+                <a:latin typeface="Gill Sans MT" panose="020B0502020104020203" pitchFamily="34" charset="77"/>
+              </a:rPr>
+              <a:t>Update plot 1 output</a:t>
+            </a:r>
+          </a:p>
+        </p:txBody>
+      </p:sp>
+      <p:sp>
+        <p:nvSpPr>
+          <p:cNvPr id="12" name="Rounded Rectangle 11">
+            <a:extLst>
+              <a:ext uri="{FF2B5EF4-FFF2-40B4-BE49-F238E27FC236}">
+                <a16:creationId xmlns:a16="http://schemas.microsoft.com/office/drawing/2014/main" id="{E88427AD-F306-2B98-983B-9D00240F8A9E}"/>
               </a:ext>
             </a:extLst>
           </p:cNvPr>
@@ -9641,11 +10289,11 @@
           <p:nvPr/>
         </p:nvSpPr>
         <p:spPr>
-          <a:xfrm rot="1910531">
-            <a:off x="3219707" y="1125534"/>
-            <a:ext cx="1495425" cy="301177"/>
-          </a:xfrm>
-          <a:prstGeom prst="rightArrow">
+          <a:xfrm>
+            <a:off x="1050131" y="2389323"/>
+            <a:ext cx="2143125" cy="707439"/>
+          </a:xfrm>
+          <a:prstGeom prst="roundRect">
             <a:avLst/>
           </a:prstGeom>
         </p:spPr>
@@ -9676,10 +10324,10 @@
       </p:sp>
       <p:sp>
         <p:nvSpPr>
-          <p:cNvPr id="8" name="Right Arrow 7">
+          <p:cNvPr id="13" name="Rounded Rectangle 12">
             <a:extLst>
               <a:ext uri="{FF2B5EF4-FFF2-40B4-BE49-F238E27FC236}">
-                <a16:creationId xmlns:a16="http://schemas.microsoft.com/office/drawing/2014/main" id="{8D109CC6-3BED-B2DB-3976-EB7A94AEBACC}"/>
+                <a16:creationId xmlns:a16="http://schemas.microsoft.com/office/drawing/2014/main" id="{901A264D-B7D7-C5D1-8425-3265BF6851F8}"/>
               </a:ext>
             </a:extLst>
           </p:cNvPr>
@@ -9687,11 +10335,11 @@
           <p:nvPr/>
         </p:nvSpPr>
         <p:spPr>
-          <a:xfrm rot="19194284">
-            <a:off x="7191684" y="1950975"/>
-            <a:ext cx="1297586" cy="258267"/>
-          </a:xfrm>
-          <a:prstGeom prst="rightArrow">
+          <a:xfrm>
+            <a:off x="1040605" y="508292"/>
+            <a:ext cx="2143125" cy="707439"/>
+          </a:xfrm>
+          <a:prstGeom prst="roundRect">
             <a:avLst/>
           </a:prstGeom>
         </p:spPr>
@@ -9722,124 +10370,10 @@
       </p:sp>
       <p:sp>
         <p:nvSpPr>
-          <p:cNvPr id="9" name="TextBox 8">
+          <p:cNvPr id="14" name="Rounded Rectangle 13">
             <a:extLst>
               <a:ext uri="{FF2B5EF4-FFF2-40B4-BE49-F238E27FC236}">
-                <a16:creationId xmlns:a16="http://schemas.microsoft.com/office/drawing/2014/main" id="{2D56B6D1-1C92-D833-66B7-1F69DADD28EF}"/>
-              </a:ext>
-            </a:extLst>
-          </p:cNvPr>
-          <p:cNvSpPr txBox="1"/>
-          <p:nvPr/>
-        </p:nvSpPr>
-        <p:spPr>
-          <a:xfrm>
-            <a:off x="1069181" y="1503873"/>
-            <a:ext cx="2143125" cy="461665"/>
-          </a:xfrm>
-          <a:prstGeom prst="rect">
-            <a:avLst/>
-          </a:prstGeom>
-          <a:noFill/>
-        </p:spPr>
-        <p:txBody>
-          <a:bodyPr wrap="square" rtlCol="0">
-            <a:spAutoFit/>
-          </a:bodyPr>
-          <a:lstStyle/>
-          <a:p>
-            <a:pPr algn="ctr"/>
-            <a:r>
-              <a:rPr lang="en-US" sz="2400" dirty="0">
-                <a:latin typeface="Gill Sans MT" panose="020B0502020104020203" pitchFamily="34" charset="77"/>
-              </a:rPr>
-              <a:t>Sheep slider</a:t>
-            </a:r>
-          </a:p>
-        </p:txBody>
-      </p:sp>
-      <p:sp>
-        <p:nvSpPr>
-          <p:cNvPr id="10" name="TextBox 9">
-            <a:extLst>
-              <a:ext uri="{FF2B5EF4-FFF2-40B4-BE49-F238E27FC236}">
-                <a16:creationId xmlns:a16="http://schemas.microsoft.com/office/drawing/2014/main" id="{B7825A19-E77D-6968-E3E5-043333DAD075}"/>
-              </a:ext>
-            </a:extLst>
-          </p:cNvPr>
-          <p:cNvSpPr txBox="1"/>
-          <p:nvPr/>
-        </p:nvSpPr>
-        <p:spPr>
-          <a:xfrm>
-            <a:off x="4805363" y="2699402"/>
-            <a:ext cx="2019300" cy="830997"/>
-          </a:xfrm>
-          <a:prstGeom prst="rect">
-            <a:avLst/>
-          </a:prstGeom>
-          <a:noFill/>
-        </p:spPr>
-        <p:txBody>
-          <a:bodyPr wrap="square" rtlCol="0">
-            <a:spAutoFit/>
-          </a:bodyPr>
-          <a:lstStyle/>
-          <a:p>
-            <a:pPr algn="ctr"/>
-            <a:r>
-              <a:rPr lang="en-US" sz="2400" dirty="0">
-                <a:latin typeface="Gill Sans MT" panose="020B0502020104020203" pitchFamily="34" charset="77"/>
-              </a:rPr>
-              <a:t>Recalculate mean costs</a:t>
-            </a:r>
-          </a:p>
-        </p:txBody>
-      </p:sp>
-      <p:sp>
-        <p:nvSpPr>
-          <p:cNvPr id="11" name="TextBox 10">
-            <a:extLst>
-              <a:ext uri="{FF2B5EF4-FFF2-40B4-BE49-F238E27FC236}">
-                <a16:creationId xmlns:a16="http://schemas.microsoft.com/office/drawing/2014/main" id="{0B7E588B-9AAE-A3FD-7B8B-F2E12090B902}"/>
-              </a:ext>
-            </a:extLst>
-          </p:cNvPr>
-          <p:cNvSpPr txBox="1"/>
-          <p:nvPr/>
-        </p:nvSpPr>
-        <p:spPr>
-          <a:xfrm>
-            <a:off x="8672512" y="1021653"/>
-            <a:ext cx="2052638" cy="830997"/>
-          </a:xfrm>
-          <a:prstGeom prst="rect">
-            <a:avLst/>
-          </a:prstGeom>
-          <a:noFill/>
-        </p:spPr>
-        <p:txBody>
-          <a:bodyPr wrap="square" rtlCol="0">
-            <a:spAutoFit/>
-          </a:bodyPr>
-          <a:lstStyle/>
-          <a:p>
-            <a:pPr algn="ctr"/>
-            <a:r>
-              <a:rPr lang="en-US" sz="2400" dirty="0">
-                <a:latin typeface="Gill Sans MT" panose="020B0502020104020203" pitchFamily="34" charset="77"/>
-              </a:rPr>
-              <a:t>Update plot 1 output</a:t>
-            </a:r>
-          </a:p>
-        </p:txBody>
-      </p:sp>
-      <p:sp>
-        <p:nvSpPr>
-          <p:cNvPr id="12" name="Rounded Rectangle 11">
-            <a:extLst>
-              <a:ext uri="{FF2B5EF4-FFF2-40B4-BE49-F238E27FC236}">
-                <a16:creationId xmlns:a16="http://schemas.microsoft.com/office/drawing/2014/main" id="{E88427AD-F306-2B98-983B-9D00240F8A9E}"/>
+                <a16:creationId xmlns:a16="http://schemas.microsoft.com/office/drawing/2014/main" id="{D277EC48-A433-59FA-63DB-D2BE8E432A11}"/>
               </a:ext>
             </a:extLst>
           </p:cNvPr>
@@ -9848,7 +10382,7 @@
         </p:nvSpPr>
         <p:spPr>
           <a:xfrm>
-            <a:off x="1050131" y="2389323"/>
+            <a:off x="1109661" y="4348429"/>
             <a:ext cx="2143125" cy="707439"/>
           </a:xfrm>
           <a:prstGeom prst="roundRect">
@@ -9882,10 +10416,10 @@
       </p:sp>
       <p:sp>
         <p:nvSpPr>
-          <p:cNvPr id="13" name="Rounded Rectangle 12">
+          <p:cNvPr id="15" name="Rounded Rectangle 14">
             <a:extLst>
               <a:ext uri="{FF2B5EF4-FFF2-40B4-BE49-F238E27FC236}">
-                <a16:creationId xmlns:a16="http://schemas.microsoft.com/office/drawing/2014/main" id="{901A264D-B7D7-C5D1-8425-3265BF6851F8}"/>
+                <a16:creationId xmlns:a16="http://schemas.microsoft.com/office/drawing/2014/main" id="{8169A70E-7324-9262-8E84-2D9F0BE95BA7}"/>
               </a:ext>
             </a:extLst>
           </p:cNvPr>
@@ -9894,7 +10428,7 @@
         </p:nvSpPr>
         <p:spPr>
           <a:xfrm>
-            <a:off x="1040605" y="508292"/>
+            <a:off x="1109662" y="5288549"/>
             <a:ext cx="2143125" cy="707439"/>
           </a:xfrm>
           <a:prstGeom prst="roundRect">
@@ -9928,10 +10462,10 @@
       </p:sp>
       <p:sp>
         <p:nvSpPr>
-          <p:cNvPr id="14" name="Rounded Rectangle 13">
+          <p:cNvPr id="16" name="Rounded Rectangle 15">
             <a:extLst>
               <a:ext uri="{FF2B5EF4-FFF2-40B4-BE49-F238E27FC236}">
-                <a16:creationId xmlns:a16="http://schemas.microsoft.com/office/drawing/2014/main" id="{D277EC48-A433-59FA-63DB-D2BE8E432A11}"/>
+                <a16:creationId xmlns:a16="http://schemas.microsoft.com/office/drawing/2014/main" id="{A3E7669F-4C69-F8EC-C9CB-DB5EA973289D}"/>
               </a:ext>
             </a:extLst>
           </p:cNvPr>
@@ -9940,7 +10474,7 @@
         </p:nvSpPr>
         <p:spPr>
           <a:xfrm>
-            <a:off x="1109661" y="4348429"/>
+            <a:off x="1100137" y="3396258"/>
             <a:ext cx="2143125" cy="707439"/>
           </a:xfrm>
           <a:prstGeom prst="roundRect">
@@ -9974,10 +10508,200 @@
       </p:sp>
       <p:sp>
         <p:nvSpPr>
-          <p:cNvPr id="15" name="Rounded Rectangle 14">
+          <p:cNvPr id="18" name="TextBox 17">
             <a:extLst>
               <a:ext uri="{FF2B5EF4-FFF2-40B4-BE49-F238E27FC236}">
-                <a16:creationId xmlns:a16="http://schemas.microsoft.com/office/drawing/2014/main" id="{8169A70E-7324-9262-8E84-2D9F0BE95BA7}"/>
+                <a16:creationId xmlns:a16="http://schemas.microsoft.com/office/drawing/2014/main" id="{274F049A-1D62-BBE0-063F-876E9E0E148F}"/>
+              </a:ext>
+            </a:extLst>
+          </p:cNvPr>
+          <p:cNvSpPr txBox="1"/>
+          <p:nvPr/>
+        </p:nvSpPr>
+        <p:spPr>
+          <a:xfrm>
+            <a:off x="1062038" y="658188"/>
+            <a:ext cx="2143125" cy="461665"/>
+          </a:xfrm>
+          <a:prstGeom prst="rect">
+            <a:avLst/>
+          </a:prstGeom>
+          <a:noFill/>
+        </p:spPr>
+        <p:txBody>
+          <a:bodyPr wrap="square" rtlCol="0">
+            <a:spAutoFit/>
+          </a:bodyPr>
+          <a:lstStyle/>
+          <a:p>
+            <a:pPr algn="ctr"/>
+            <a:r>
+              <a:rPr lang="en-US" sz="2400" dirty="0">
+                <a:latin typeface="Gill Sans MT" panose="020B0502020104020203" pitchFamily="34" charset="77"/>
+              </a:rPr>
+              <a:t>Cattle slider</a:t>
+            </a:r>
+          </a:p>
+        </p:txBody>
+      </p:sp>
+      <p:sp>
+        <p:nvSpPr>
+          <p:cNvPr id="19" name="TextBox 18">
+            <a:extLst>
+              <a:ext uri="{FF2B5EF4-FFF2-40B4-BE49-F238E27FC236}">
+                <a16:creationId xmlns:a16="http://schemas.microsoft.com/office/drawing/2014/main" id="{209BD041-5F15-0091-5C12-AA5C26487CCE}"/>
+              </a:ext>
+            </a:extLst>
+          </p:cNvPr>
+          <p:cNvSpPr txBox="1"/>
+          <p:nvPr/>
+        </p:nvSpPr>
+        <p:spPr>
+          <a:xfrm>
+            <a:off x="1053702" y="3318183"/>
+            <a:ext cx="2143125" cy="830997"/>
+          </a:xfrm>
+          <a:prstGeom prst="rect">
+            <a:avLst/>
+          </a:prstGeom>
+          <a:noFill/>
+        </p:spPr>
+        <p:txBody>
+          <a:bodyPr wrap="square" rtlCol="0">
+            <a:spAutoFit/>
+          </a:bodyPr>
+          <a:lstStyle/>
+          <a:p>
+            <a:pPr algn="ctr"/>
+            <a:r>
+              <a:rPr lang="en-US" sz="2400" dirty="0">
+                <a:latin typeface="Gill Sans MT" panose="020B0502020104020203" pitchFamily="34" charset="77"/>
+              </a:rPr>
+              <a:t>Agricultural slider</a:t>
+            </a:r>
+          </a:p>
+        </p:txBody>
+      </p:sp>
+      <p:sp>
+        <p:nvSpPr>
+          <p:cNvPr id="20" name="TextBox 19">
+            <a:extLst>
+              <a:ext uri="{FF2B5EF4-FFF2-40B4-BE49-F238E27FC236}">
+                <a16:creationId xmlns:a16="http://schemas.microsoft.com/office/drawing/2014/main" id="{99A52B4E-0C80-03C3-7146-B5AA9B7CCAA7}"/>
+              </a:ext>
+            </a:extLst>
+          </p:cNvPr>
+          <p:cNvSpPr txBox="1"/>
+          <p:nvPr/>
+        </p:nvSpPr>
+        <p:spPr>
+          <a:xfrm>
+            <a:off x="1040605" y="2496113"/>
+            <a:ext cx="2143125" cy="461665"/>
+          </a:xfrm>
+          <a:prstGeom prst="rect">
+            <a:avLst/>
+          </a:prstGeom>
+          <a:noFill/>
+        </p:spPr>
+        <p:txBody>
+          <a:bodyPr wrap="square" rtlCol="0">
+            <a:spAutoFit/>
+          </a:bodyPr>
+          <a:lstStyle/>
+          <a:p>
+            <a:pPr algn="ctr"/>
+            <a:r>
+              <a:rPr lang="en-US" sz="2400" dirty="0">
+                <a:latin typeface="Gill Sans MT" panose="020B0502020104020203" pitchFamily="34" charset="77"/>
+              </a:rPr>
+              <a:t>Welfare slider</a:t>
+            </a:r>
+          </a:p>
+        </p:txBody>
+      </p:sp>
+      <p:sp>
+        <p:nvSpPr>
+          <p:cNvPr id="21" name="TextBox 20">
+            <a:extLst>
+              <a:ext uri="{FF2B5EF4-FFF2-40B4-BE49-F238E27FC236}">
+                <a16:creationId xmlns:a16="http://schemas.microsoft.com/office/drawing/2014/main" id="{43D2106C-0523-0880-425B-E9F9922B76C9}"/>
+              </a:ext>
+            </a:extLst>
+          </p:cNvPr>
+          <p:cNvSpPr txBox="1"/>
+          <p:nvPr/>
+        </p:nvSpPr>
+        <p:spPr>
+          <a:xfrm>
+            <a:off x="1040604" y="5400847"/>
+            <a:ext cx="2143125" cy="461665"/>
+          </a:xfrm>
+          <a:prstGeom prst="rect">
+            <a:avLst/>
+          </a:prstGeom>
+          <a:noFill/>
+        </p:spPr>
+        <p:txBody>
+          <a:bodyPr wrap="square" rtlCol="0">
+            <a:spAutoFit/>
+          </a:bodyPr>
+          <a:lstStyle/>
+          <a:p>
+            <a:pPr algn="ctr"/>
+            <a:r>
+              <a:rPr lang="en-US" sz="2400" dirty="0">
+                <a:latin typeface="Gill Sans MT" panose="020B0502020104020203" pitchFamily="34" charset="77"/>
+              </a:rPr>
+              <a:t>Tourism slider</a:t>
+            </a:r>
+          </a:p>
+        </p:txBody>
+      </p:sp>
+      <p:sp>
+        <p:nvSpPr>
+          <p:cNvPr id="22" name="TextBox 21">
+            <a:extLst>
+              <a:ext uri="{FF2B5EF4-FFF2-40B4-BE49-F238E27FC236}">
+                <a16:creationId xmlns:a16="http://schemas.microsoft.com/office/drawing/2014/main" id="{39214AE7-6D9E-FAA5-378A-BDF1FD9722EE}"/>
+              </a:ext>
+            </a:extLst>
+          </p:cNvPr>
+          <p:cNvSpPr txBox="1"/>
+          <p:nvPr/>
+        </p:nvSpPr>
+        <p:spPr>
+          <a:xfrm>
+            <a:off x="1109661" y="4448676"/>
+            <a:ext cx="2143125" cy="461665"/>
+          </a:xfrm>
+          <a:prstGeom prst="rect">
+            <a:avLst/>
+          </a:prstGeom>
+          <a:noFill/>
+        </p:spPr>
+        <p:txBody>
+          <a:bodyPr wrap="square" rtlCol="0">
+            <a:spAutoFit/>
+          </a:bodyPr>
+          <a:lstStyle/>
+          <a:p>
+            <a:pPr algn="ctr"/>
+            <a:r>
+              <a:rPr lang="en-US" sz="2400" dirty="0">
+                <a:latin typeface="Gill Sans MT" panose="020B0502020104020203" pitchFamily="34" charset="77"/>
+              </a:rPr>
+              <a:t>Export slider</a:t>
+            </a:r>
+          </a:p>
+        </p:txBody>
+      </p:sp>
+      <p:sp>
+        <p:nvSpPr>
+          <p:cNvPr id="28" name="Rounded Rectangle 27">
+            <a:extLst>
+              <a:ext uri="{FF2B5EF4-FFF2-40B4-BE49-F238E27FC236}">
+                <a16:creationId xmlns:a16="http://schemas.microsoft.com/office/drawing/2014/main" id="{B84DFA62-89BF-3AD9-70FF-B85B97B6416A}"/>
               </a:ext>
             </a:extLst>
           </p:cNvPr>
@@ -9986,8 +10710,8 @@
         </p:nvSpPr>
         <p:spPr>
           <a:xfrm>
-            <a:off x="1109662" y="5288549"/>
-            <a:ext cx="2143125" cy="707439"/>
+            <a:off x="8370513" y="3788570"/>
+            <a:ext cx="2871788" cy="2207418"/>
           </a:xfrm>
           <a:prstGeom prst="roundRect">
             <a:avLst/>
@@ -10020,564 +10744,6 @@
       </p:sp>
       <p:sp>
         <p:nvSpPr>
-          <p:cNvPr id="16" name="Rounded Rectangle 15">
-            <a:extLst>
-              <a:ext uri="{FF2B5EF4-FFF2-40B4-BE49-F238E27FC236}">
-                <a16:creationId xmlns:a16="http://schemas.microsoft.com/office/drawing/2014/main" id="{A3E7669F-4C69-F8EC-C9CB-DB5EA973289D}"/>
-              </a:ext>
-            </a:extLst>
-          </p:cNvPr>
-          <p:cNvSpPr/>
-          <p:nvPr/>
-        </p:nvSpPr>
-        <p:spPr>
-          <a:xfrm>
-            <a:off x="1100137" y="3396258"/>
-            <a:ext cx="2143125" cy="707439"/>
-          </a:xfrm>
-          <a:prstGeom prst="roundRect">
-            <a:avLst/>
-          </a:prstGeom>
-        </p:spPr>
-        <p:style>
-          <a:lnRef idx="2">
-            <a:schemeClr val="accent1">
-              <a:shade val="15000"/>
-            </a:schemeClr>
-          </a:lnRef>
-          <a:fillRef idx="1">
-            <a:schemeClr val="accent1"/>
-          </a:fillRef>
-          <a:effectRef idx="0">
-            <a:schemeClr val="accent1"/>
-          </a:effectRef>
-          <a:fontRef idx="minor">
-            <a:schemeClr val="lt1"/>
-          </a:fontRef>
-        </p:style>
-        <p:txBody>
-          <a:bodyPr rtlCol="0" anchor="ctr"/>
-          <a:lstStyle/>
-          <a:p>
-            <a:pPr algn="ctr"/>
-            <a:endParaRPr lang="en-US"/>
-          </a:p>
-        </p:txBody>
-      </p:sp>
-      <p:sp>
-        <p:nvSpPr>
-          <p:cNvPr id="18" name="TextBox 17">
-            <a:extLst>
-              <a:ext uri="{FF2B5EF4-FFF2-40B4-BE49-F238E27FC236}">
-                <a16:creationId xmlns:a16="http://schemas.microsoft.com/office/drawing/2014/main" id="{274F049A-1D62-BBE0-063F-876E9E0E148F}"/>
-              </a:ext>
-            </a:extLst>
-          </p:cNvPr>
-          <p:cNvSpPr txBox="1"/>
-          <p:nvPr/>
-        </p:nvSpPr>
-        <p:spPr>
-          <a:xfrm>
-            <a:off x="1062038" y="658188"/>
-            <a:ext cx="2143125" cy="461665"/>
-          </a:xfrm>
-          <a:prstGeom prst="rect">
-            <a:avLst/>
-          </a:prstGeom>
-          <a:noFill/>
-        </p:spPr>
-        <p:txBody>
-          <a:bodyPr wrap="square" rtlCol="0">
-            <a:spAutoFit/>
-          </a:bodyPr>
-          <a:lstStyle/>
-          <a:p>
-            <a:pPr algn="ctr"/>
-            <a:r>
-              <a:rPr lang="en-US" sz="2400" dirty="0">
-                <a:latin typeface="Gill Sans MT" panose="020B0502020104020203" pitchFamily="34" charset="77"/>
-              </a:rPr>
-              <a:t>Cattle slider</a:t>
-            </a:r>
-          </a:p>
-        </p:txBody>
-      </p:sp>
-      <p:sp>
-        <p:nvSpPr>
-          <p:cNvPr id="19" name="TextBox 18">
-            <a:extLst>
-              <a:ext uri="{FF2B5EF4-FFF2-40B4-BE49-F238E27FC236}">
-                <a16:creationId xmlns:a16="http://schemas.microsoft.com/office/drawing/2014/main" id="{209BD041-5F15-0091-5C12-AA5C26487CCE}"/>
-              </a:ext>
-            </a:extLst>
-          </p:cNvPr>
-          <p:cNvSpPr txBox="1"/>
-          <p:nvPr/>
-        </p:nvSpPr>
-        <p:spPr>
-          <a:xfrm>
-            <a:off x="1053702" y="3318183"/>
-            <a:ext cx="2143125" cy="830997"/>
-          </a:xfrm>
-          <a:prstGeom prst="rect">
-            <a:avLst/>
-          </a:prstGeom>
-          <a:noFill/>
-        </p:spPr>
-        <p:txBody>
-          <a:bodyPr wrap="square" rtlCol="0">
-            <a:spAutoFit/>
-          </a:bodyPr>
-          <a:lstStyle/>
-          <a:p>
-            <a:pPr algn="ctr"/>
-            <a:r>
-              <a:rPr lang="en-US" sz="2400" dirty="0">
-                <a:latin typeface="Gill Sans MT" panose="020B0502020104020203" pitchFamily="34" charset="77"/>
-              </a:rPr>
-              <a:t>Agricultural slider</a:t>
-            </a:r>
-          </a:p>
-        </p:txBody>
-      </p:sp>
-      <p:sp>
-        <p:nvSpPr>
-          <p:cNvPr id="20" name="TextBox 19">
-            <a:extLst>
-              <a:ext uri="{FF2B5EF4-FFF2-40B4-BE49-F238E27FC236}">
-                <a16:creationId xmlns:a16="http://schemas.microsoft.com/office/drawing/2014/main" id="{99A52B4E-0C80-03C3-7146-B5AA9B7CCAA7}"/>
-              </a:ext>
-            </a:extLst>
-          </p:cNvPr>
-          <p:cNvSpPr txBox="1"/>
-          <p:nvPr/>
-        </p:nvSpPr>
-        <p:spPr>
-          <a:xfrm>
-            <a:off x="1040605" y="2496113"/>
-            <a:ext cx="2143125" cy="461665"/>
-          </a:xfrm>
-          <a:prstGeom prst="rect">
-            <a:avLst/>
-          </a:prstGeom>
-          <a:noFill/>
-        </p:spPr>
-        <p:txBody>
-          <a:bodyPr wrap="square" rtlCol="0">
-            <a:spAutoFit/>
-          </a:bodyPr>
-          <a:lstStyle/>
-          <a:p>
-            <a:pPr algn="ctr"/>
-            <a:r>
-              <a:rPr lang="en-US" sz="2400" dirty="0">
-                <a:latin typeface="Gill Sans MT" panose="020B0502020104020203" pitchFamily="34" charset="77"/>
-              </a:rPr>
-              <a:t>Welfare slider</a:t>
-            </a:r>
-          </a:p>
-        </p:txBody>
-      </p:sp>
-      <p:sp>
-        <p:nvSpPr>
-          <p:cNvPr id="21" name="TextBox 20">
-            <a:extLst>
-              <a:ext uri="{FF2B5EF4-FFF2-40B4-BE49-F238E27FC236}">
-                <a16:creationId xmlns:a16="http://schemas.microsoft.com/office/drawing/2014/main" id="{43D2106C-0523-0880-425B-E9F9922B76C9}"/>
-              </a:ext>
-            </a:extLst>
-          </p:cNvPr>
-          <p:cNvSpPr txBox="1"/>
-          <p:nvPr/>
-        </p:nvSpPr>
-        <p:spPr>
-          <a:xfrm>
-            <a:off x="1040604" y="5400847"/>
-            <a:ext cx="2143125" cy="461665"/>
-          </a:xfrm>
-          <a:prstGeom prst="rect">
-            <a:avLst/>
-          </a:prstGeom>
-          <a:noFill/>
-        </p:spPr>
-        <p:txBody>
-          <a:bodyPr wrap="square" rtlCol="0">
-            <a:spAutoFit/>
-          </a:bodyPr>
-          <a:lstStyle/>
-          <a:p>
-            <a:pPr algn="ctr"/>
-            <a:r>
-              <a:rPr lang="en-US" sz="2400" dirty="0">
-                <a:latin typeface="Gill Sans MT" panose="020B0502020104020203" pitchFamily="34" charset="77"/>
-              </a:rPr>
-              <a:t>Tourism slider</a:t>
-            </a:r>
-          </a:p>
-        </p:txBody>
-      </p:sp>
-      <p:sp>
-        <p:nvSpPr>
-          <p:cNvPr id="22" name="TextBox 21">
-            <a:extLst>
-              <a:ext uri="{FF2B5EF4-FFF2-40B4-BE49-F238E27FC236}">
-                <a16:creationId xmlns:a16="http://schemas.microsoft.com/office/drawing/2014/main" id="{39214AE7-6D9E-FAA5-378A-BDF1FD9722EE}"/>
-              </a:ext>
-            </a:extLst>
-          </p:cNvPr>
-          <p:cNvSpPr txBox="1"/>
-          <p:nvPr/>
-        </p:nvSpPr>
-        <p:spPr>
-          <a:xfrm>
-            <a:off x="1109661" y="4448676"/>
-            <a:ext cx="2143125" cy="461665"/>
-          </a:xfrm>
-          <a:prstGeom prst="rect">
-            <a:avLst/>
-          </a:prstGeom>
-          <a:noFill/>
-        </p:spPr>
-        <p:txBody>
-          <a:bodyPr wrap="square" rtlCol="0">
-            <a:spAutoFit/>
-          </a:bodyPr>
-          <a:lstStyle/>
-          <a:p>
-            <a:pPr algn="ctr"/>
-            <a:r>
-              <a:rPr lang="en-US" sz="2400" dirty="0">
-                <a:latin typeface="Gill Sans MT" panose="020B0502020104020203" pitchFamily="34" charset="77"/>
-              </a:rPr>
-              <a:t>Export slider</a:t>
-            </a:r>
-          </a:p>
-        </p:txBody>
-      </p:sp>
-      <p:sp>
-        <p:nvSpPr>
-          <p:cNvPr id="23" name="Right Arrow 22">
-            <a:extLst>
-              <a:ext uri="{FF2B5EF4-FFF2-40B4-BE49-F238E27FC236}">
-                <a16:creationId xmlns:a16="http://schemas.microsoft.com/office/drawing/2014/main" id="{79FC7F7F-5772-034B-E99C-0884BC127CEA}"/>
-              </a:ext>
-            </a:extLst>
-          </p:cNvPr>
-          <p:cNvSpPr/>
-          <p:nvPr/>
-        </p:nvSpPr>
-        <p:spPr>
-          <a:xfrm rot="19476985">
-            <a:off x="3420378" y="4925355"/>
-            <a:ext cx="1495425" cy="301177"/>
-          </a:xfrm>
-          <a:prstGeom prst="rightArrow">
-            <a:avLst/>
-          </a:prstGeom>
-        </p:spPr>
-        <p:style>
-          <a:lnRef idx="2">
-            <a:schemeClr val="accent1">
-              <a:shade val="15000"/>
-            </a:schemeClr>
-          </a:lnRef>
-          <a:fillRef idx="1">
-            <a:schemeClr val="accent1"/>
-          </a:fillRef>
-          <a:effectRef idx="0">
-            <a:schemeClr val="accent1"/>
-          </a:effectRef>
-          <a:fontRef idx="minor">
-            <a:schemeClr val="lt1"/>
-          </a:fontRef>
-        </p:style>
-        <p:txBody>
-          <a:bodyPr rtlCol="0" anchor="ctr"/>
-          <a:lstStyle/>
-          <a:p>
-            <a:pPr algn="ctr"/>
-            <a:endParaRPr lang="en-US"/>
-          </a:p>
-        </p:txBody>
-      </p:sp>
-      <p:sp>
-        <p:nvSpPr>
-          <p:cNvPr id="24" name="Right Arrow 23">
-            <a:extLst>
-              <a:ext uri="{FF2B5EF4-FFF2-40B4-BE49-F238E27FC236}">
-                <a16:creationId xmlns:a16="http://schemas.microsoft.com/office/drawing/2014/main" id="{434A5C4D-24B0-A826-B338-A837E769F9D5}"/>
-              </a:ext>
-            </a:extLst>
-          </p:cNvPr>
-          <p:cNvSpPr/>
-          <p:nvPr/>
-        </p:nvSpPr>
-        <p:spPr>
-          <a:xfrm rot="19476985">
-            <a:off x="3331063" y="4242226"/>
-            <a:ext cx="1050344" cy="273273"/>
-          </a:xfrm>
-          <a:prstGeom prst="rightArrow">
-            <a:avLst/>
-          </a:prstGeom>
-        </p:spPr>
-        <p:style>
-          <a:lnRef idx="2">
-            <a:schemeClr val="accent1">
-              <a:shade val="15000"/>
-            </a:schemeClr>
-          </a:lnRef>
-          <a:fillRef idx="1">
-            <a:schemeClr val="accent1"/>
-          </a:fillRef>
-          <a:effectRef idx="0">
-            <a:schemeClr val="accent1"/>
-          </a:effectRef>
-          <a:fontRef idx="minor">
-            <a:schemeClr val="lt1"/>
-          </a:fontRef>
-        </p:style>
-        <p:txBody>
-          <a:bodyPr rtlCol="0" anchor="ctr"/>
-          <a:lstStyle/>
-          <a:p>
-            <a:pPr algn="ctr"/>
-            <a:endParaRPr lang="en-US"/>
-          </a:p>
-        </p:txBody>
-      </p:sp>
-      <p:sp>
-        <p:nvSpPr>
-          <p:cNvPr id="25" name="Right Arrow 24">
-            <a:extLst>
-              <a:ext uri="{FF2B5EF4-FFF2-40B4-BE49-F238E27FC236}">
-                <a16:creationId xmlns:a16="http://schemas.microsoft.com/office/drawing/2014/main" id="{59B8FFA6-F72A-71F5-0C9B-D5E7952D63F2}"/>
-              </a:ext>
-            </a:extLst>
-          </p:cNvPr>
-          <p:cNvSpPr/>
-          <p:nvPr/>
-        </p:nvSpPr>
-        <p:spPr>
-          <a:xfrm rot="1805965">
-            <a:off x="3315473" y="1943473"/>
-            <a:ext cx="1050344" cy="273273"/>
-          </a:xfrm>
-          <a:prstGeom prst="rightArrow">
-            <a:avLst/>
-          </a:prstGeom>
-        </p:spPr>
-        <p:style>
-          <a:lnRef idx="2">
-            <a:schemeClr val="accent1">
-              <a:shade val="15000"/>
-            </a:schemeClr>
-          </a:lnRef>
-          <a:fillRef idx="1">
-            <a:schemeClr val="accent1"/>
-          </a:fillRef>
-          <a:effectRef idx="0">
-            <a:schemeClr val="accent1"/>
-          </a:effectRef>
-          <a:fontRef idx="minor">
-            <a:schemeClr val="lt1"/>
-          </a:fontRef>
-        </p:style>
-        <p:txBody>
-          <a:bodyPr rtlCol="0" anchor="ctr"/>
-          <a:lstStyle/>
-          <a:p>
-            <a:pPr algn="ctr"/>
-            <a:endParaRPr lang="en-US"/>
-          </a:p>
-        </p:txBody>
-      </p:sp>
-      <p:sp>
-        <p:nvSpPr>
-          <p:cNvPr id="26" name="Right Arrow 25">
-            <a:extLst>
-              <a:ext uri="{FF2B5EF4-FFF2-40B4-BE49-F238E27FC236}">
-                <a16:creationId xmlns:a16="http://schemas.microsoft.com/office/drawing/2014/main" id="{5B1F98DF-D253-2B58-0D49-C2ED5E2B11F5}"/>
-              </a:ext>
-            </a:extLst>
-          </p:cNvPr>
-          <p:cNvSpPr/>
-          <p:nvPr/>
-        </p:nvSpPr>
-        <p:spPr>
-          <a:xfrm>
-            <a:off x="3383472" y="3508474"/>
-            <a:ext cx="964662" cy="314099"/>
-          </a:xfrm>
-          <a:prstGeom prst="rightArrow">
-            <a:avLst/>
-          </a:prstGeom>
-        </p:spPr>
-        <p:style>
-          <a:lnRef idx="2">
-            <a:schemeClr val="accent1">
-              <a:shade val="15000"/>
-            </a:schemeClr>
-          </a:lnRef>
-          <a:fillRef idx="1">
-            <a:schemeClr val="accent1"/>
-          </a:fillRef>
-          <a:effectRef idx="0">
-            <a:schemeClr val="accent1"/>
-          </a:effectRef>
-          <a:fontRef idx="minor">
-            <a:schemeClr val="lt1"/>
-          </a:fontRef>
-        </p:style>
-        <p:txBody>
-          <a:bodyPr rtlCol="0" anchor="ctr"/>
-          <a:lstStyle/>
-          <a:p>
-            <a:pPr algn="ctr"/>
-            <a:endParaRPr lang="en-US"/>
-          </a:p>
-        </p:txBody>
-      </p:sp>
-      <p:sp>
-        <p:nvSpPr>
-          <p:cNvPr id="27" name="Right Arrow 26">
-            <a:extLst>
-              <a:ext uri="{FF2B5EF4-FFF2-40B4-BE49-F238E27FC236}">
-                <a16:creationId xmlns:a16="http://schemas.microsoft.com/office/drawing/2014/main" id="{7D779319-E1AE-1F37-D0CF-6ECE9F8E51C6}"/>
-              </a:ext>
-            </a:extLst>
-          </p:cNvPr>
-          <p:cNvSpPr/>
-          <p:nvPr/>
-        </p:nvSpPr>
-        <p:spPr>
-          <a:xfrm>
-            <a:off x="3335222" y="2699402"/>
-            <a:ext cx="964662" cy="314099"/>
-          </a:xfrm>
-          <a:prstGeom prst="rightArrow">
-            <a:avLst/>
-          </a:prstGeom>
-        </p:spPr>
-        <p:style>
-          <a:lnRef idx="2">
-            <a:schemeClr val="accent1">
-              <a:shade val="15000"/>
-            </a:schemeClr>
-          </a:lnRef>
-          <a:fillRef idx="1">
-            <a:schemeClr val="accent1"/>
-          </a:fillRef>
-          <a:effectRef idx="0">
-            <a:schemeClr val="accent1"/>
-          </a:effectRef>
-          <a:fontRef idx="minor">
-            <a:schemeClr val="lt1"/>
-          </a:fontRef>
-        </p:style>
-        <p:txBody>
-          <a:bodyPr rtlCol="0" anchor="ctr"/>
-          <a:lstStyle/>
-          <a:p>
-            <a:pPr algn="ctr"/>
-            <a:endParaRPr lang="en-US"/>
-          </a:p>
-        </p:txBody>
-      </p:sp>
-      <p:sp>
-        <p:nvSpPr>
-          <p:cNvPr id="28" name="Rounded Rectangle 27">
-            <a:extLst>
-              <a:ext uri="{FF2B5EF4-FFF2-40B4-BE49-F238E27FC236}">
-                <a16:creationId xmlns:a16="http://schemas.microsoft.com/office/drawing/2014/main" id="{B84DFA62-89BF-3AD9-70FF-B85B97B6416A}"/>
-              </a:ext>
-            </a:extLst>
-          </p:cNvPr>
-          <p:cNvSpPr/>
-          <p:nvPr/>
-        </p:nvSpPr>
-        <p:spPr>
-          <a:xfrm>
-            <a:off x="8625956" y="3598439"/>
-            <a:ext cx="2871788" cy="2207418"/>
-          </a:xfrm>
-          <a:prstGeom prst="roundRect">
-            <a:avLst/>
-          </a:prstGeom>
-        </p:spPr>
-        <p:style>
-          <a:lnRef idx="2">
-            <a:schemeClr val="accent1">
-              <a:shade val="15000"/>
-            </a:schemeClr>
-          </a:lnRef>
-          <a:fillRef idx="1">
-            <a:schemeClr val="accent1"/>
-          </a:fillRef>
-          <a:effectRef idx="0">
-            <a:schemeClr val="accent1"/>
-          </a:effectRef>
-          <a:fontRef idx="minor">
-            <a:schemeClr val="lt1"/>
-          </a:fontRef>
-        </p:style>
-        <p:txBody>
-          <a:bodyPr rtlCol="0" anchor="ctr"/>
-          <a:lstStyle/>
-          <a:p>
-            <a:pPr algn="ctr"/>
-            <a:endParaRPr lang="en-US"/>
-          </a:p>
-        </p:txBody>
-      </p:sp>
-      <p:sp>
-        <p:nvSpPr>
-          <p:cNvPr id="29" name="Right Arrow 28">
-            <a:extLst>
-              <a:ext uri="{FF2B5EF4-FFF2-40B4-BE49-F238E27FC236}">
-                <a16:creationId xmlns:a16="http://schemas.microsoft.com/office/drawing/2014/main" id="{7A06384E-832D-B8AB-3763-2078E1FF72A6}"/>
-              </a:ext>
-            </a:extLst>
-          </p:cNvPr>
-          <p:cNvSpPr/>
-          <p:nvPr/>
-        </p:nvSpPr>
-        <p:spPr>
-          <a:xfrm rot="1211849">
-            <a:off x="7286334" y="4121285"/>
-            <a:ext cx="1297586" cy="258267"/>
-          </a:xfrm>
-          <a:prstGeom prst="rightArrow">
-            <a:avLst/>
-          </a:prstGeom>
-        </p:spPr>
-        <p:style>
-          <a:lnRef idx="2">
-            <a:schemeClr val="accent1">
-              <a:shade val="15000"/>
-            </a:schemeClr>
-          </a:lnRef>
-          <a:fillRef idx="1">
-            <a:schemeClr val="accent1"/>
-          </a:fillRef>
-          <a:effectRef idx="0">
-            <a:schemeClr val="accent1"/>
-          </a:effectRef>
-          <a:fontRef idx="minor">
-            <a:schemeClr val="lt1"/>
-          </a:fontRef>
-        </p:style>
-        <p:txBody>
-          <a:bodyPr rtlCol="0" anchor="ctr"/>
-          <a:lstStyle/>
-          <a:p>
-            <a:pPr algn="ctr"/>
-            <a:endParaRPr lang="en-US"/>
-          </a:p>
-        </p:txBody>
-      </p:sp>
-      <p:sp>
-        <p:nvSpPr>
           <p:cNvPr id="30" name="TextBox 29">
             <a:extLst>
               <a:ext uri="{FF2B5EF4-FFF2-40B4-BE49-F238E27FC236}">
@@ -10590,7 +10756,7 @@
         </p:nvSpPr>
         <p:spPr>
           <a:xfrm>
-            <a:off x="8961836" y="4264009"/>
+            <a:off x="8706393" y="4454140"/>
             <a:ext cx="2052638" cy="830997"/>
           </a:xfrm>
           <a:prstGeom prst="rect">
@@ -10649,6 +10815,336 @@
           </a:p>
         </p:txBody>
       </p:sp>
+      <p:cxnSp>
+        <p:nvCxnSpPr>
+          <p:cNvPr id="32" name="Straight Arrow Connector 31">
+            <a:extLst>
+              <a:ext uri="{FF2B5EF4-FFF2-40B4-BE49-F238E27FC236}">
+                <a16:creationId xmlns:a16="http://schemas.microsoft.com/office/drawing/2014/main" id="{F7F70D56-E969-4C92-BAA2-BB6FEC77E919}"/>
+              </a:ext>
+            </a:extLst>
+          </p:cNvPr>
+          <p:cNvCxnSpPr>
+            <a:cxnSpLocks/>
+          </p:cNvCxnSpPr>
+          <p:nvPr/>
+        </p:nvCxnSpPr>
+        <p:spPr>
+          <a:xfrm>
+            <a:off x="3205163" y="889021"/>
+            <a:ext cx="1233487" cy="1718561"/>
+          </a:xfrm>
+          <a:prstGeom prst="straightConnector1">
+            <a:avLst/>
+          </a:prstGeom>
+          <a:ln w="76200">
+            <a:tailEnd type="triangle"/>
+          </a:ln>
+        </p:spPr>
+        <p:style>
+          <a:lnRef idx="1">
+            <a:schemeClr val="accent1"/>
+          </a:lnRef>
+          <a:fillRef idx="0">
+            <a:schemeClr val="accent1"/>
+          </a:fillRef>
+          <a:effectRef idx="0">
+            <a:schemeClr val="accent1"/>
+          </a:effectRef>
+          <a:fontRef idx="minor">
+            <a:schemeClr val="tx1"/>
+          </a:fontRef>
+        </p:style>
+      </p:cxnSp>
+      <p:cxnSp>
+        <p:nvCxnSpPr>
+          <p:cNvPr id="33" name="Straight Arrow Connector 32">
+            <a:extLst>
+              <a:ext uri="{FF2B5EF4-FFF2-40B4-BE49-F238E27FC236}">
+                <a16:creationId xmlns:a16="http://schemas.microsoft.com/office/drawing/2014/main" id="{8F512EF4-BAE1-4FBF-916C-C722D8E8FD2A}"/>
+              </a:ext>
+            </a:extLst>
+          </p:cNvPr>
+          <p:cNvCxnSpPr>
+            <a:cxnSpLocks/>
+          </p:cNvCxnSpPr>
+          <p:nvPr/>
+        </p:nvCxnSpPr>
+        <p:spPr>
+          <a:xfrm>
+            <a:off x="3193256" y="1813873"/>
+            <a:ext cx="1245394" cy="1013989"/>
+          </a:xfrm>
+          <a:prstGeom prst="straightConnector1">
+            <a:avLst/>
+          </a:prstGeom>
+          <a:ln w="76200">
+            <a:tailEnd type="triangle"/>
+          </a:ln>
+        </p:spPr>
+        <p:style>
+          <a:lnRef idx="1">
+            <a:schemeClr val="accent1"/>
+          </a:lnRef>
+          <a:fillRef idx="0">
+            <a:schemeClr val="accent1"/>
+          </a:fillRef>
+          <a:effectRef idx="0">
+            <a:schemeClr val="accent1"/>
+          </a:effectRef>
+          <a:fontRef idx="minor">
+            <a:schemeClr val="tx1"/>
+          </a:fontRef>
+        </p:style>
+      </p:cxnSp>
+      <p:cxnSp>
+        <p:nvCxnSpPr>
+          <p:cNvPr id="34" name="Straight Arrow Connector 33">
+            <a:extLst>
+              <a:ext uri="{FF2B5EF4-FFF2-40B4-BE49-F238E27FC236}">
+                <a16:creationId xmlns:a16="http://schemas.microsoft.com/office/drawing/2014/main" id="{A1DF73B0-4FDD-48D8-9DC7-6C7F0FCE88F4}"/>
+              </a:ext>
+            </a:extLst>
+          </p:cNvPr>
+          <p:cNvCxnSpPr>
+            <a:cxnSpLocks/>
+          </p:cNvCxnSpPr>
+          <p:nvPr/>
+        </p:nvCxnSpPr>
+        <p:spPr>
+          <a:xfrm>
+            <a:off x="3153601" y="2727937"/>
+            <a:ext cx="1263616" cy="242120"/>
+          </a:xfrm>
+          <a:prstGeom prst="straightConnector1">
+            <a:avLst/>
+          </a:prstGeom>
+          <a:ln w="76200">
+            <a:tailEnd type="triangle"/>
+          </a:ln>
+        </p:spPr>
+        <p:style>
+          <a:lnRef idx="1">
+            <a:schemeClr val="accent1"/>
+          </a:lnRef>
+          <a:fillRef idx="0">
+            <a:schemeClr val="accent1"/>
+          </a:fillRef>
+          <a:effectRef idx="0">
+            <a:schemeClr val="accent1"/>
+          </a:effectRef>
+          <a:fontRef idx="minor">
+            <a:schemeClr val="tx1"/>
+          </a:fontRef>
+        </p:style>
+      </p:cxnSp>
+      <p:cxnSp>
+        <p:nvCxnSpPr>
+          <p:cNvPr id="35" name="Straight Arrow Connector 34">
+            <a:extLst>
+              <a:ext uri="{FF2B5EF4-FFF2-40B4-BE49-F238E27FC236}">
+                <a16:creationId xmlns:a16="http://schemas.microsoft.com/office/drawing/2014/main" id="{708E00D0-7555-48E5-AD57-237D9BD75EFB}"/>
+              </a:ext>
+            </a:extLst>
+          </p:cNvPr>
+          <p:cNvCxnSpPr>
+            <a:cxnSpLocks/>
+            <a:endCxn id="5" idx="1"/>
+          </p:cNvCxnSpPr>
+          <p:nvPr/>
+        </p:nvCxnSpPr>
+        <p:spPr>
+          <a:xfrm flipV="1">
+            <a:off x="3062374" y="3134917"/>
+            <a:ext cx="1376276" cy="597712"/>
+          </a:xfrm>
+          <a:prstGeom prst="straightConnector1">
+            <a:avLst/>
+          </a:prstGeom>
+          <a:ln w="76200">
+            <a:tailEnd type="triangle"/>
+          </a:ln>
+        </p:spPr>
+        <p:style>
+          <a:lnRef idx="1">
+            <a:schemeClr val="accent1"/>
+          </a:lnRef>
+          <a:fillRef idx="0">
+            <a:schemeClr val="accent1"/>
+          </a:fillRef>
+          <a:effectRef idx="0">
+            <a:schemeClr val="accent1"/>
+          </a:effectRef>
+          <a:fontRef idx="minor">
+            <a:schemeClr val="tx1"/>
+          </a:fontRef>
+        </p:style>
+      </p:cxnSp>
+      <p:cxnSp>
+        <p:nvCxnSpPr>
+          <p:cNvPr id="37" name="Straight Arrow Connector 36">
+            <a:extLst>
+              <a:ext uri="{FF2B5EF4-FFF2-40B4-BE49-F238E27FC236}">
+                <a16:creationId xmlns:a16="http://schemas.microsoft.com/office/drawing/2014/main" id="{033011FA-F588-4DF5-8D6C-32F751E51E35}"/>
+              </a:ext>
+            </a:extLst>
+          </p:cNvPr>
+          <p:cNvCxnSpPr>
+            <a:cxnSpLocks/>
+          </p:cNvCxnSpPr>
+          <p:nvPr/>
+        </p:nvCxnSpPr>
+        <p:spPr>
+          <a:xfrm flipV="1">
+            <a:off x="3200400" y="3369981"/>
+            <a:ext cx="1216817" cy="1349516"/>
+          </a:xfrm>
+          <a:prstGeom prst="straightConnector1">
+            <a:avLst/>
+          </a:prstGeom>
+          <a:ln w="76200">
+            <a:tailEnd type="triangle"/>
+          </a:ln>
+        </p:spPr>
+        <p:style>
+          <a:lnRef idx="1">
+            <a:schemeClr val="accent1"/>
+          </a:lnRef>
+          <a:fillRef idx="0">
+            <a:schemeClr val="accent1"/>
+          </a:fillRef>
+          <a:effectRef idx="0">
+            <a:schemeClr val="accent1"/>
+          </a:effectRef>
+          <a:fontRef idx="minor">
+            <a:schemeClr val="tx1"/>
+          </a:fontRef>
+        </p:style>
+      </p:cxnSp>
+      <p:cxnSp>
+        <p:nvCxnSpPr>
+          <p:cNvPr id="39" name="Straight Arrow Connector 38">
+            <a:extLst>
+              <a:ext uri="{FF2B5EF4-FFF2-40B4-BE49-F238E27FC236}">
+                <a16:creationId xmlns:a16="http://schemas.microsoft.com/office/drawing/2014/main" id="{7B285F9F-3B64-460F-876B-035357F123E2}"/>
+              </a:ext>
+            </a:extLst>
+          </p:cNvPr>
+          <p:cNvCxnSpPr>
+            <a:cxnSpLocks/>
+          </p:cNvCxnSpPr>
+          <p:nvPr/>
+        </p:nvCxnSpPr>
+        <p:spPr>
+          <a:xfrm flipV="1">
+            <a:off x="3252786" y="3650754"/>
+            <a:ext cx="1164431" cy="2002907"/>
+          </a:xfrm>
+          <a:prstGeom prst="straightConnector1">
+            <a:avLst/>
+          </a:prstGeom>
+          <a:ln w="76200">
+            <a:tailEnd type="triangle"/>
+          </a:ln>
+        </p:spPr>
+        <p:style>
+          <a:lnRef idx="1">
+            <a:schemeClr val="accent1"/>
+          </a:lnRef>
+          <a:fillRef idx="0">
+            <a:schemeClr val="accent1"/>
+          </a:fillRef>
+          <a:effectRef idx="0">
+            <a:schemeClr val="accent1"/>
+          </a:effectRef>
+          <a:fontRef idx="minor">
+            <a:schemeClr val="tx1"/>
+          </a:fontRef>
+        </p:style>
+      </p:cxnSp>
+      <p:cxnSp>
+        <p:nvCxnSpPr>
+          <p:cNvPr id="41" name="Straight Arrow Connector 40">
+            <a:extLst>
+              <a:ext uri="{FF2B5EF4-FFF2-40B4-BE49-F238E27FC236}">
+                <a16:creationId xmlns:a16="http://schemas.microsoft.com/office/drawing/2014/main" id="{8A4567B4-B98E-4821-A5AA-7C047D2FE281}"/>
+              </a:ext>
+            </a:extLst>
+          </p:cNvPr>
+          <p:cNvCxnSpPr>
+            <a:cxnSpLocks/>
+            <a:endCxn id="6" idx="1"/>
+          </p:cNvCxnSpPr>
+          <p:nvPr/>
+        </p:nvCxnSpPr>
+        <p:spPr>
+          <a:xfrm flipV="1">
+            <a:off x="7310438" y="1503873"/>
+            <a:ext cx="1060075" cy="1550452"/>
+          </a:xfrm>
+          <a:prstGeom prst="straightConnector1">
+            <a:avLst/>
+          </a:prstGeom>
+          <a:ln w="76200">
+            <a:tailEnd type="triangle"/>
+          </a:ln>
+        </p:spPr>
+        <p:style>
+          <a:lnRef idx="1">
+            <a:schemeClr val="accent1"/>
+          </a:lnRef>
+          <a:fillRef idx="0">
+            <a:schemeClr val="accent1"/>
+          </a:fillRef>
+          <a:effectRef idx="0">
+            <a:schemeClr val="accent1"/>
+          </a:effectRef>
+          <a:fontRef idx="minor">
+            <a:schemeClr val="tx1"/>
+          </a:fontRef>
+        </p:style>
+      </p:cxnSp>
+      <p:cxnSp>
+        <p:nvCxnSpPr>
+          <p:cNvPr id="43" name="Straight Arrow Connector 42">
+            <a:extLst>
+              <a:ext uri="{FF2B5EF4-FFF2-40B4-BE49-F238E27FC236}">
+                <a16:creationId xmlns:a16="http://schemas.microsoft.com/office/drawing/2014/main" id="{C2F5CC87-95DB-47C8-BBD6-CDE0BCCCEBAC}"/>
+              </a:ext>
+            </a:extLst>
+          </p:cNvPr>
+          <p:cNvCxnSpPr>
+            <a:cxnSpLocks/>
+          </p:cNvCxnSpPr>
+          <p:nvPr/>
+        </p:nvCxnSpPr>
+        <p:spPr>
+          <a:xfrm>
+            <a:off x="7191376" y="3089209"/>
+            <a:ext cx="1179137" cy="1883662"/>
+          </a:xfrm>
+          <a:prstGeom prst="straightConnector1">
+            <a:avLst/>
+          </a:prstGeom>
+          <a:ln w="76200">
+            <a:tailEnd type="triangle"/>
+          </a:ln>
+        </p:spPr>
+        <p:style>
+          <a:lnRef idx="1">
+            <a:schemeClr val="accent1"/>
+          </a:lnRef>
+          <a:fillRef idx="0">
+            <a:schemeClr val="accent1"/>
+          </a:fillRef>
+          <a:effectRef idx="0">
+            <a:schemeClr val="accent1"/>
+          </a:effectRef>
+          <a:fontRef idx="minor">
+            <a:schemeClr val="tx1"/>
+          </a:fontRef>
+        </p:style>
+      </p:cxnSp>
     </p:spTree>
     <p:extLst>
       <p:ext uri="{BB962C8B-B14F-4D97-AF65-F5344CB8AC3E}">
@@ -10659,6 +11155,361 @@
   <p:clrMapOvr>
     <a:masterClrMapping/>
   </p:clrMapOvr>
+  <p:timing>
+    <p:tnLst>
+      <p:par>
+        <p:cTn id="1" dur="indefinite" restart="never" nodeType="tmRoot">
+          <p:childTnLst>
+            <p:seq concurrent="1" nextAc="seek">
+              <p:cTn id="2" dur="indefinite" nodeType="mainSeq">
+                <p:childTnLst>
+                  <p:par>
+                    <p:cTn id="3" fill="hold">
+                      <p:stCondLst>
+                        <p:cond delay="indefinite"/>
+                      </p:stCondLst>
+                      <p:childTnLst>
+                        <p:par>
+                          <p:cTn id="4" fill="hold">
+                            <p:stCondLst>
+                              <p:cond delay="0"/>
+                            </p:stCondLst>
+                            <p:childTnLst>
+                              <p:par>
+                                <p:cTn id="5" presetID="10" presetClass="entr" presetSubtype="0" fill="hold" nodeType="clickEffect">
+                                  <p:stCondLst>
+                                    <p:cond delay="0"/>
+                                  </p:stCondLst>
+                                  <p:childTnLst>
+                                    <p:set>
+                                      <p:cBhvr>
+                                        <p:cTn id="6" dur="1" fill="hold">
+                                          <p:stCondLst>
+                                            <p:cond delay="0"/>
+                                          </p:stCondLst>
+                                        </p:cTn>
+                                        <p:tgtEl>
+                                          <p:spTgt spid="32"/>
+                                        </p:tgtEl>
+                                        <p:attrNameLst>
+                                          <p:attrName>style.visibility</p:attrName>
+                                        </p:attrNameLst>
+                                      </p:cBhvr>
+                                      <p:to>
+                                        <p:strVal val="visible"/>
+                                      </p:to>
+                                    </p:set>
+                                    <p:animEffect transition="in" filter="fade">
+                                      <p:cBhvr>
+                                        <p:cTn id="7" dur="500"/>
+                                        <p:tgtEl>
+                                          <p:spTgt spid="32"/>
+                                        </p:tgtEl>
+                                      </p:cBhvr>
+                                    </p:animEffect>
+                                  </p:childTnLst>
+                                </p:cTn>
+                              </p:par>
+                              <p:par>
+                                <p:cTn id="8" presetID="10" presetClass="entr" presetSubtype="0" fill="hold" nodeType="withEffect">
+                                  <p:stCondLst>
+                                    <p:cond delay="0"/>
+                                  </p:stCondLst>
+                                  <p:childTnLst>
+                                    <p:set>
+                                      <p:cBhvr>
+                                        <p:cTn id="9" dur="1" fill="hold">
+                                          <p:stCondLst>
+                                            <p:cond delay="0"/>
+                                          </p:stCondLst>
+                                        </p:cTn>
+                                        <p:tgtEl>
+                                          <p:spTgt spid="33"/>
+                                        </p:tgtEl>
+                                        <p:attrNameLst>
+                                          <p:attrName>style.visibility</p:attrName>
+                                        </p:attrNameLst>
+                                      </p:cBhvr>
+                                      <p:to>
+                                        <p:strVal val="visible"/>
+                                      </p:to>
+                                    </p:set>
+                                    <p:animEffect transition="in" filter="fade">
+                                      <p:cBhvr>
+                                        <p:cTn id="10" dur="500"/>
+                                        <p:tgtEl>
+                                          <p:spTgt spid="33"/>
+                                        </p:tgtEl>
+                                      </p:cBhvr>
+                                    </p:animEffect>
+                                  </p:childTnLst>
+                                </p:cTn>
+                              </p:par>
+                              <p:par>
+                                <p:cTn id="11" presetID="10" presetClass="entr" presetSubtype="0" fill="hold" nodeType="withEffect">
+                                  <p:stCondLst>
+                                    <p:cond delay="0"/>
+                                  </p:stCondLst>
+                                  <p:childTnLst>
+                                    <p:set>
+                                      <p:cBhvr>
+                                        <p:cTn id="12" dur="1" fill="hold">
+                                          <p:stCondLst>
+                                            <p:cond delay="0"/>
+                                          </p:stCondLst>
+                                        </p:cTn>
+                                        <p:tgtEl>
+                                          <p:spTgt spid="34"/>
+                                        </p:tgtEl>
+                                        <p:attrNameLst>
+                                          <p:attrName>style.visibility</p:attrName>
+                                        </p:attrNameLst>
+                                      </p:cBhvr>
+                                      <p:to>
+                                        <p:strVal val="visible"/>
+                                      </p:to>
+                                    </p:set>
+                                    <p:animEffect transition="in" filter="fade">
+                                      <p:cBhvr>
+                                        <p:cTn id="13" dur="500"/>
+                                        <p:tgtEl>
+                                          <p:spTgt spid="34"/>
+                                        </p:tgtEl>
+                                      </p:cBhvr>
+                                    </p:animEffect>
+                                  </p:childTnLst>
+                                </p:cTn>
+                              </p:par>
+                              <p:par>
+                                <p:cTn id="14" presetID="10" presetClass="entr" presetSubtype="0" fill="hold" nodeType="withEffect">
+                                  <p:stCondLst>
+                                    <p:cond delay="0"/>
+                                  </p:stCondLst>
+                                  <p:childTnLst>
+                                    <p:set>
+                                      <p:cBhvr>
+                                        <p:cTn id="15" dur="1" fill="hold">
+                                          <p:stCondLst>
+                                            <p:cond delay="0"/>
+                                          </p:stCondLst>
+                                        </p:cTn>
+                                        <p:tgtEl>
+                                          <p:spTgt spid="35"/>
+                                        </p:tgtEl>
+                                        <p:attrNameLst>
+                                          <p:attrName>style.visibility</p:attrName>
+                                        </p:attrNameLst>
+                                      </p:cBhvr>
+                                      <p:to>
+                                        <p:strVal val="visible"/>
+                                      </p:to>
+                                    </p:set>
+                                    <p:animEffect transition="in" filter="fade">
+                                      <p:cBhvr>
+                                        <p:cTn id="16" dur="500"/>
+                                        <p:tgtEl>
+                                          <p:spTgt spid="35"/>
+                                        </p:tgtEl>
+                                      </p:cBhvr>
+                                    </p:animEffect>
+                                  </p:childTnLst>
+                                </p:cTn>
+                              </p:par>
+                              <p:par>
+                                <p:cTn id="17" presetID="10" presetClass="entr" presetSubtype="0" fill="hold" nodeType="withEffect">
+                                  <p:stCondLst>
+                                    <p:cond delay="0"/>
+                                  </p:stCondLst>
+                                  <p:childTnLst>
+                                    <p:set>
+                                      <p:cBhvr>
+                                        <p:cTn id="18" dur="1" fill="hold">
+                                          <p:stCondLst>
+                                            <p:cond delay="0"/>
+                                          </p:stCondLst>
+                                        </p:cTn>
+                                        <p:tgtEl>
+                                          <p:spTgt spid="37"/>
+                                        </p:tgtEl>
+                                        <p:attrNameLst>
+                                          <p:attrName>style.visibility</p:attrName>
+                                        </p:attrNameLst>
+                                      </p:cBhvr>
+                                      <p:to>
+                                        <p:strVal val="visible"/>
+                                      </p:to>
+                                    </p:set>
+                                    <p:animEffect transition="in" filter="fade">
+                                      <p:cBhvr>
+                                        <p:cTn id="19" dur="500"/>
+                                        <p:tgtEl>
+                                          <p:spTgt spid="37"/>
+                                        </p:tgtEl>
+                                      </p:cBhvr>
+                                    </p:animEffect>
+                                  </p:childTnLst>
+                                </p:cTn>
+                              </p:par>
+                              <p:par>
+                                <p:cTn id="20" presetID="10" presetClass="entr" presetSubtype="0" fill="hold" nodeType="withEffect">
+                                  <p:stCondLst>
+                                    <p:cond delay="0"/>
+                                  </p:stCondLst>
+                                  <p:childTnLst>
+                                    <p:set>
+                                      <p:cBhvr>
+                                        <p:cTn id="21" dur="1" fill="hold">
+                                          <p:stCondLst>
+                                            <p:cond delay="0"/>
+                                          </p:stCondLst>
+                                        </p:cTn>
+                                        <p:tgtEl>
+                                          <p:spTgt spid="39"/>
+                                        </p:tgtEl>
+                                        <p:attrNameLst>
+                                          <p:attrName>style.visibility</p:attrName>
+                                        </p:attrNameLst>
+                                      </p:cBhvr>
+                                      <p:to>
+                                        <p:strVal val="visible"/>
+                                      </p:to>
+                                    </p:set>
+                                    <p:animEffect transition="in" filter="fade">
+                                      <p:cBhvr>
+                                        <p:cTn id="22" dur="500"/>
+                                        <p:tgtEl>
+                                          <p:spTgt spid="39"/>
+                                        </p:tgtEl>
+                                      </p:cBhvr>
+                                    </p:animEffect>
+                                  </p:childTnLst>
+                                </p:cTn>
+                              </p:par>
+                            </p:childTnLst>
+                          </p:cTn>
+                        </p:par>
+                      </p:childTnLst>
+                    </p:cTn>
+                  </p:par>
+                  <p:par>
+                    <p:cTn id="23" fill="hold">
+                      <p:stCondLst>
+                        <p:cond delay="indefinite"/>
+                      </p:stCondLst>
+                      <p:childTnLst>
+                        <p:par>
+                          <p:cTn id="24" fill="hold">
+                            <p:stCondLst>
+                              <p:cond delay="0"/>
+                            </p:stCondLst>
+                            <p:childTnLst>
+                              <p:par>
+                                <p:cTn id="25" presetID="10" presetClass="entr" presetSubtype="0" fill="hold" nodeType="clickEffect">
+                                  <p:stCondLst>
+                                    <p:cond delay="0"/>
+                                  </p:stCondLst>
+                                  <p:childTnLst>
+                                    <p:set>
+                                      <p:cBhvr>
+                                        <p:cTn id="26" dur="1" fill="hold">
+                                          <p:stCondLst>
+                                            <p:cond delay="0"/>
+                                          </p:stCondLst>
+                                        </p:cTn>
+                                        <p:tgtEl>
+                                          <p:spTgt spid="41"/>
+                                        </p:tgtEl>
+                                        <p:attrNameLst>
+                                          <p:attrName>style.visibility</p:attrName>
+                                        </p:attrNameLst>
+                                      </p:cBhvr>
+                                      <p:to>
+                                        <p:strVal val="visible"/>
+                                      </p:to>
+                                    </p:set>
+                                    <p:animEffect transition="in" filter="fade">
+                                      <p:cBhvr>
+                                        <p:cTn id="27" dur="500"/>
+                                        <p:tgtEl>
+                                          <p:spTgt spid="41"/>
+                                        </p:tgtEl>
+                                      </p:cBhvr>
+                                    </p:animEffect>
+                                  </p:childTnLst>
+                                </p:cTn>
+                              </p:par>
+                            </p:childTnLst>
+                          </p:cTn>
+                        </p:par>
+                        <p:par>
+                          <p:cTn id="28" fill="hold">
+                            <p:stCondLst>
+                              <p:cond delay="500"/>
+                            </p:stCondLst>
+                            <p:childTnLst>
+                              <p:par>
+                                <p:cTn id="29" presetID="10" presetClass="entr" presetSubtype="0" fill="hold" nodeType="afterEffect">
+                                  <p:stCondLst>
+                                    <p:cond delay="0"/>
+                                  </p:stCondLst>
+                                  <p:childTnLst>
+                                    <p:set>
+                                      <p:cBhvr>
+                                        <p:cTn id="30" dur="1" fill="hold">
+                                          <p:stCondLst>
+                                            <p:cond delay="0"/>
+                                          </p:stCondLst>
+                                        </p:cTn>
+                                        <p:tgtEl>
+                                          <p:spTgt spid="43"/>
+                                        </p:tgtEl>
+                                        <p:attrNameLst>
+                                          <p:attrName>style.visibility</p:attrName>
+                                        </p:attrNameLst>
+                                      </p:cBhvr>
+                                      <p:to>
+                                        <p:strVal val="visible"/>
+                                      </p:to>
+                                    </p:set>
+                                    <p:animEffect transition="in" filter="fade">
+                                      <p:cBhvr>
+                                        <p:cTn id="31" dur="500"/>
+                                        <p:tgtEl>
+                                          <p:spTgt spid="43"/>
+                                        </p:tgtEl>
+                                      </p:cBhvr>
+                                    </p:animEffect>
+                                  </p:childTnLst>
+                                </p:cTn>
+                              </p:par>
+                            </p:childTnLst>
+                          </p:cTn>
+                        </p:par>
+                      </p:childTnLst>
+                    </p:cTn>
+                  </p:par>
+                </p:childTnLst>
+              </p:cTn>
+              <p:prevCondLst>
+                <p:cond evt="onPrev" delay="0">
+                  <p:tgtEl>
+                    <p:sldTgt/>
+                  </p:tgtEl>
+                </p:cond>
+              </p:prevCondLst>
+              <p:nextCondLst>
+                <p:cond evt="onNext" delay="0">
+                  <p:tgtEl>
+                    <p:sldTgt/>
+                  </p:tgtEl>
+                </p:cond>
+              </p:nextCondLst>
+            </p:seq>
+          </p:childTnLst>
+        </p:cTn>
+      </p:par>
+    </p:tnLst>
+  </p:timing>
 </p:sld>
 </file>
 
@@ -10834,7 +11685,7 @@
         </p:blipFill>
         <p:spPr>
           <a:xfrm>
-            <a:off x="1623685" y="573674"/>
+            <a:off x="1623685" y="757484"/>
             <a:ext cx="8944630" cy="5343031"/>
           </a:xfrm>
         </p:spPr>
@@ -11874,7 +12725,7 @@
         </p:blipFill>
         <p:spPr>
           <a:xfrm>
-            <a:off x="3486151" y="2710458"/>
+            <a:off x="3486151" y="2743379"/>
             <a:ext cx="914400" cy="914400"/>
           </a:xfrm>
           <a:prstGeom prst="rect">
@@ -11945,51 +12796,6 @@
                       </p:childTnLst>
                     </p:cTn>
                   </p:par>
-                  <p:par>
-                    <p:cTn id="7" fill="hold">
-                      <p:stCondLst>
-                        <p:cond delay="indefinite"/>
-                      </p:stCondLst>
-                      <p:childTnLst>
-                        <p:par>
-                          <p:cTn id="8" fill="hold">
-                            <p:stCondLst>
-                              <p:cond delay="0"/>
-                            </p:stCondLst>
-                            <p:childTnLst>
-                              <p:par>
-                                <p:cTn id="9" presetID="1" presetClass="exit" presetSubtype="0" fill="hold" nodeType="clickEffect">
-                                  <p:stCondLst>
-                                    <p:cond delay="0"/>
-                                  </p:stCondLst>
-                                  <p:childTnLst>
-                                    <p:set>
-                                      <p:cBhvr>
-                                        <p:cTn id="10" dur="1" fill="hold">
-                                          <p:stCondLst>
-                                            <p:cond delay="0"/>
-                                          </p:stCondLst>
-                                        </p:cTn>
-                                        <p:tgtEl>
-                                          <p:spTgt spid="3"/>
-                                        </p:tgtEl>
-                                        <p:attrNameLst>
-                                          <p:attrName>style.visibility</p:attrName>
-                                        </p:attrNameLst>
-                                      </p:cBhvr>
-                                      <p:to>
-                                        <p:strVal val="hidden"/>
-                                      </p:to>
-                                    </p:set>
-                                  </p:childTnLst>
-                                </p:cTn>
-                              </p:par>
-                            </p:childTnLst>
-                          </p:cTn>
-                        </p:par>
-                      </p:childTnLst>
-                    </p:cTn>
-                  </p:par>
                 </p:childTnLst>
               </p:cTn>
               <p:prevCondLst>
@@ -12362,6 +13168,52 @@
           </a:xfrm>
         </p:spPr>
       </p:pic>
+      <p:sp>
+        <p:nvSpPr>
+          <p:cNvPr id="2" name="Rectangle: Rounded Corners 1">
+            <a:extLst>
+              <a:ext uri="{FF2B5EF4-FFF2-40B4-BE49-F238E27FC236}">
+                <a16:creationId xmlns:a16="http://schemas.microsoft.com/office/drawing/2014/main" id="{6C2B7524-BC65-425B-A311-A8B6C4994CCE}"/>
+              </a:ext>
+            </a:extLst>
+          </p:cNvPr>
+          <p:cNvSpPr/>
+          <p:nvPr/>
+        </p:nvSpPr>
+        <p:spPr>
+          <a:xfrm>
+            <a:off x="1312642" y="1202076"/>
+            <a:ext cx="1173704" cy="1592495"/>
+          </a:xfrm>
+          <a:prstGeom prst="roundRect">
+            <a:avLst/>
+          </a:prstGeom>
+          <a:noFill/>
+          <a:ln w="57150"/>
+        </p:spPr>
+        <p:style>
+          <a:lnRef idx="2">
+            <a:schemeClr val="accent1"/>
+          </a:lnRef>
+          <a:fillRef idx="1">
+            <a:schemeClr val="lt1"/>
+          </a:fillRef>
+          <a:effectRef idx="0">
+            <a:schemeClr val="accent1"/>
+          </a:effectRef>
+          <a:fontRef idx="minor">
+            <a:schemeClr val="dk1"/>
+          </a:fontRef>
+        </p:style>
+        <p:txBody>
+          <a:bodyPr rtlCol="0" anchor="ctr"/>
+          <a:lstStyle/>
+          <a:p>
+            <a:pPr algn="ctr"/>
+            <a:endParaRPr lang="en-GB"/>
+          </a:p>
+        </p:txBody>
+      </p:sp>
     </p:spTree>
     <p:extLst>
       <p:ext uri="{BB962C8B-B14F-4D97-AF65-F5344CB8AC3E}">
@@ -12586,7 +13438,7 @@
               <a:rPr lang="en-US" sz="2400" dirty="0">
                 <a:latin typeface="Gill Sans MT" panose="020B0502020104020203" pitchFamily="34" charset="77"/>
               </a:rPr>
-              <a:t>Now try the reactivity problems – </a:t>
+              <a:t>Now try the reactivity problems in Part 2 of the material – </a:t>
             </a:r>
             <a:r>
               <a:rPr lang="en-US" sz="2400" dirty="0" err="1">
@@ -12878,6 +13730,45 @@
           </a:xfrm>
         </p:spPr>
       </p:pic>
+      <p:cxnSp>
+        <p:nvCxnSpPr>
+          <p:cNvPr id="3" name="Straight Arrow Connector 2">
+            <a:extLst>
+              <a:ext uri="{FF2B5EF4-FFF2-40B4-BE49-F238E27FC236}">
+                <a16:creationId xmlns:a16="http://schemas.microsoft.com/office/drawing/2014/main" id="{73227C2F-DE3A-43DC-B4F0-40DCADCCADBA}"/>
+              </a:ext>
+            </a:extLst>
+          </p:cNvPr>
+          <p:cNvCxnSpPr/>
+          <p:nvPr/>
+        </p:nvCxnSpPr>
+        <p:spPr>
+          <a:xfrm>
+            <a:off x="2568539" y="1068512"/>
+            <a:ext cx="1130158" cy="0"/>
+          </a:xfrm>
+          <a:prstGeom prst="straightConnector1">
+            <a:avLst/>
+          </a:prstGeom>
+          <a:ln w="76200">
+            <a:tailEnd type="triangle"/>
+          </a:ln>
+        </p:spPr>
+        <p:style>
+          <a:lnRef idx="1">
+            <a:schemeClr val="accent2"/>
+          </a:lnRef>
+          <a:fillRef idx="0">
+            <a:schemeClr val="accent2"/>
+          </a:fillRef>
+          <a:effectRef idx="0">
+            <a:schemeClr val="accent2"/>
+          </a:effectRef>
+          <a:fontRef idx="minor">
+            <a:schemeClr val="tx1"/>
+          </a:fontRef>
+        </p:style>
+      </p:cxnSp>
     </p:spTree>
     <p:extLst>
       <p:ext uri="{BB962C8B-B14F-4D97-AF65-F5344CB8AC3E}">
@@ -12888,6 +13779,89 @@
   <p:clrMapOvr>
     <a:masterClrMapping/>
   </p:clrMapOvr>
+  <p:timing>
+    <p:tnLst>
+      <p:par>
+        <p:cTn id="1" dur="indefinite" restart="never" nodeType="tmRoot">
+          <p:childTnLst>
+            <p:seq concurrent="1" nextAc="seek">
+              <p:cTn id="2" dur="indefinite" nodeType="mainSeq">
+                <p:childTnLst>
+                  <p:par>
+                    <p:cTn id="3" fill="hold">
+                      <p:stCondLst>
+                        <p:cond delay="indefinite"/>
+                      </p:stCondLst>
+                      <p:childTnLst>
+                        <p:par>
+                          <p:cTn id="4" fill="hold">
+                            <p:stCondLst>
+                              <p:cond delay="0"/>
+                            </p:stCondLst>
+                            <p:childTnLst>
+                              <p:par>
+                                <p:cTn id="5" presetID="10" presetClass="entr" presetSubtype="0" fill="hold" nodeType="clickEffect">
+                                  <p:stCondLst>
+                                    <p:cond delay="0"/>
+                                  </p:stCondLst>
+                                  <p:childTnLst>
+                                    <p:set>
+                                      <p:cBhvr>
+                                        <p:cTn id="6" dur="1" fill="hold">
+                                          <p:stCondLst>
+                                            <p:cond delay="0"/>
+                                          </p:stCondLst>
+                                        </p:cTn>
+                                        <p:tgtEl>
+                                          <p:spTgt spid="3"/>
+                                        </p:tgtEl>
+                                        <p:attrNameLst>
+                                          <p:attrName>style.visibility</p:attrName>
+                                        </p:attrNameLst>
+                                      </p:cBhvr>
+                                      <p:to>
+                                        <p:strVal val="visible"/>
+                                      </p:to>
+                                    </p:set>
+                                    <p:animEffect transition="in" filter="fade">
+                                      <p:cBhvr>
+                                        <p:cTn id="7" dur="500"/>
+                                        <p:tgtEl>
+                                          <p:spTgt spid="3"/>
+                                        </p:tgtEl>
+                                      </p:cBhvr>
+                                    </p:animEffect>
+                                  </p:childTnLst>
+                                </p:cTn>
+                              </p:par>
+                            </p:childTnLst>
+                          </p:cTn>
+                        </p:par>
+                      </p:childTnLst>
+                    </p:cTn>
+                  </p:par>
+                </p:childTnLst>
+              </p:cTn>
+              <p:prevCondLst>
+                <p:cond evt="onPrev" delay="0">
+                  <p:tgtEl>
+                    <p:sldTgt/>
+                  </p:tgtEl>
+                </p:cond>
+              </p:prevCondLst>
+              <p:nextCondLst>
+                <p:cond evt="onNext" delay="0">
+                  <p:tgtEl>
+                    <p:sldTgt/>
+                  </p:tgtEl>
+                </p:cond>
+              </p:nextCondLst>
+            </p:seq>
+          </p:childTnLst>
+        </p:cTn>
+      </p:par>
+    </p:tnLst>
+  </p:timing>
 </p:sld>
 </file>
 
@@ -12937,6 +13911,47 @@
           </a:xfrm>
         </p:spPr>
       </p:pic>
+      <p:cxnSp>
+        <p:nvCxnSpPr>
+          <p:cNvPr id="3" name="Straight Arrow Connector 2">
+            <a:extLst>
+              <a:ext uri="{FF2B5EF4-FFF2-40B4-BE49-F238E27FC236}">
+                <a16:creationId xmlns:a16="http://schemas.microsoft.com/office/drawing/2014/main" id="{4ECADEAB-FCFA-4931-BEBF-D6A15C5AAB96}"/>
+              </a:ext>
+            </a:extLst>
+          </p:cNvPr>
+          <p:cNvCxnSpPr>
+            <a:cxnSpLocks/>
+          </p:cNvCxnSpPr>
+          <p:nvPr/>
+        </p:nvCxnSpPr>
+        <p:spPr>
+          <a:xfrm>
+            <a:off x="2095928" y="1736332"/>
+            <a:ext cx="1582220" cy="0"/>
+          </a:xfrm>
+          <a:prstGeom prst="straightConnector1">
+            <a:avLst/>
+          </a:prstGeom>
+          <a:ln w="76200">
+            <a:tailEnd type="triangle"/>
+          </a:ln>
+        </p:spPr>
+        <p:style>
+          <a:lnRef idx="1">
+            <a:schemeClr val="accent2"/>
+          </a:lnRef>
+          <a:fillRef idx="0">
+            <a:schemeClr val="accent2"/>
+          </a:fillRef>
+          <a:effectRef idx="0">
+            <a:schemeClr val="accent2"/>
+          </a:effectRef>
+          <a:fontRef idx="minor">
+            <a:schemeClr val="tx1"/>
+          </a:fontRef>
+        </p:style>
+      </p:cxnSp>
     </p:spTree>
     <p:extLst>
       <p:ext uri="{BB962C8B-B14F-4D97-AF65-F5344CB8AC3E}">
@@ -12947,6 +13962,89 @@
   <p:clrMapOvr>
     <a:masterClrMapping/>
   </p:clrMapOvr>
+  <p:timing>
+    <p:tnLst>
+      <p:par>
+        <p:cTn id="1" dur="indefinite" restart="never" nodeType="tmRoot">
+          <p:childTnLst>
+            <p:seq concurrent="1" nextAc="seek">
+              <p:cTn id="2" dur="indefinite" nodeType="mainSeq">
+                <p:childTnLst>
+                  <p:par>
+                    <p:cTn id="3" fill="hold">
+                      <p:stCondLst>
+                        <p:cond delay="indefinite"/>
+                      </p:stCondLst>
+                      <p:childTnLst>
+                        <p:par>
+                          <p:cTn id="4" fill="hold">
+                            <p:stCondLst>
+                              <p:cond delay="0"/>
+                            </p:stCondLst>
+                            <p:childTnLst>
+                              <p:par>
+                                <p:cTn id="5" presetID="10" presetClass="entr" presetSubtype="0" fill="hold" nodeType="clickEffect">
+                                  <p:stCondLst>
+                                    <p:cond delay="0"/>
+                                  </p:stCondLst>
+                                  <p:childTnLst>
+                                    <p:set>
+                                      <p:cBhvr>
+                                        <p:cTn id="6" dur="1" fill="hold">
+                                          <p:stCondLst>
+                                            <p:cond delay="0"/>
+                                          </p:stCondLst>
+                                        </p:cTn>
+                                        <p:tgtEl>
+                                          <p:spTgt spid="3"/>
+                                        </p:tgtEl>
+                                        <p:attrNameLst>
+                                          <p:attrName>style.visibility</p:attrName>
+                                        </p:attrNameLst>
+                                      </p:cBhvr>
+                                      <p:to>
+                                        <p:strVal val="visible"/>
+                                      </p:to>
+                                    </p:set>
+                                    <p:animEffect transition="in" filter="fade">
+                                      <p:cBhvr>
+                                        <p:cTn id="7" dur="500"/>
+                                        <p:tgtEl>
+                                          <p:spTgt spid="3"/>
+                                        </p:tgtEl>
+                                      </p:cBhvr>
+                                    </p:animEffect>
+                                  </p:childTnLst>
+                                </p:cTn>
+                              </p:par>
+                            </p:childTnLst>
+                          </p:cTn>
+                        </p:par>
+                      </p:childTnLst>
+                    </p:cTn>
+                  </p:par>
+                </p:childTnLst>
+              </p:cTn>
+              <p:prevCondLst>
+                <p:cond evt="onPrev" delay="0">
+                  <p:tgtEl>
+                    <p:sldTgt/>
+                  </p:tgtEl>
+                </p:cond>
+              </p:prevCondLst>
+              <p:nextCondLst>
+                <p:cond evt="onNext" delay="0">
+                  <p:tgtEl>
+                    <p:sldTgt/>
+                  </p:tgtEl>
+                </p:cond>
+              </p:nextCondLst>
+            </p:seq>
+          </p:childTnLst>
+        </p:cTn>
+      </p:par>
+    </p:tnLst>
+  </p:timing>
 </p:sld>
 </file>
 
@@ -12996,6 +14094,47 @@
           </a:xfrm>
         </p:spPr>
       </p:pic>
+      <p:cxnSp>
+        <p:nvCxnSpPr>
+          <p:cNvPr id="3" name="Straight Arrow Connector 2">
+            <a:extLst>
+              <a:ext uri="{FF2B5EF4-FFF2-40B4-BE49-F238E27FC236}">
+                <a16:creationId xmlns:a16="http://schemas.microsoft.com/office/drawing/2014/main" id="{67FA3333-AC5C-4343-96F6-83B28C64F7C0}"/>
+              </a:ext>
+            </a:extLst>
+          </p:cNvPr>
+          <p:cNvCxnSpPr>
+            <a:cxnSpLocks/>
+          </p:cNvCxnSpPr>
+          <p:nvPr/>
+        </p:nvCxnSpPr>
+        <p:spPr>
+          <a:xfrm>
+            <a:off x="1417834" y="2784296"/>
+            <a:ext cx="2311685" cy="0"/>
+          </a:xfrm>
+          <a:prstGeom prst="straightConnector1">
+            <a:avLst/>
+          </a:prstGeom>
+          <a:ln w="76200">
+            <a:tailEnd type="triangle"/>
+          </a:ln>
+        </p:spPr>
+        <p:style>
+          <a:lnRef idx="1">
+            <a:schemeClr val="accent2"/>
+          </a:lnRef>
+          <a:fillRef idx="0">
+            <a:schemeClr val="accent2"/>
+          </a:fillRef>
+          <a:effectRef idx="0">
+            <a:schemeClr val="accent2"/>
+          </a:effectRef>
+          <a:fontRef idx="minor">
+            <a:schemeClr val="tx1"/>
+          </a:fontRef>
+        </p:style>
+      </p:cxnSp>
     </p:spTree>
     <p:extLst>
       <p:ext uri="{BB962C8B-B14F-4D97-AF65-F5344CB8AC3E}">
@@ -13006,6 +14145,89 @@
   <p:clrMapOvr>
     <a:masterClrMapping/>
   </p:clrMapOvr>
+  <p:timing>
+    <p:tnLst>
+      <p:par>
+        <p:cTn id="1" dur="indefinite" restart="never" nodeType="tmRoot">
+          <p:childTnLst>
+            <p:seq concurrent="1" nextAc="seek">
+              <p:cTn id="2" dur="indefinite" nodeType="mainSeq">
+                <p:childTnLst>
+                  <p:par>
+                    <p:cTn id="3" fill="hold">
+                      <p:stCondLst>
+                        <p:cond delay="indefinite"/>
+                      </p:stCondLst>
+                      <p:childTnLst>
+                        <p:par>
+                          <p:cTn id="4" fill="hold">
+                            <p:stCondLst>
+                              <p:cond delay="0"/>
+                            </p:stCondLst>
+                            <p:childTnLst>
+                              <p:par>
+                                <p:cTn id="5" presetID="10" presetClass="entr" presetSubtype="0" fill="hold" nodeType="clickEffect">
+                                  <p:stCondLst>
+                                    <p:cond delay="0"/>
+                                  </p:stCondLst>
+                                  <p:childTnLst>
+                                    <p:set>
+                                      <p:cBhvr>
+                                        <p:cTn id="6" dur="1" fill="hold">
+                                          <p:stCondLst>
+                                            <p:cond delay="0"/>
+                                          </p:stCondLst>
+                                        </p:cTn>
+                                        <p:tgtEl>
+                                          <p:spTgt spid="3"/>
+                                        </p:tgtEl>
+                                        <p:attrNameLst>
+                                          <p:attrName>style.visibility</p:attrName>
+                                        </p:attrNameLst>
+                                      </p:cBhvr>
+                                      <p:to>
+                                        <p:strVal val="visible"/>
+                                      </p:to>
+                                    </p:set>
+                                    <p:animEffect transition="in" filter="fade">
+                                      <p:cBhvr>
+                                        <p:cTn id="7" dur="500"/>
+                                        <p:tgtEl>
+                                          <p:spTgt spid="3"/>
+                                        </p:tgtEl>
+                                      </p:cBhvr>
+                                    </p:animEffect>
+                                  </p:childTnLst>
+                                </p:cTn>
+                              </p:par>
+                            </p:childTnLst>
+                          </p:cTn>
+                        </p:par>
+                      </p:childTnLst>
+                    </p:cTn>
+                  </p:par>
+                </p:childTnLst>
+              </p:cTn>
+              <p:prevCondLst>
+                <p:cond evt="onPrev" delay="0">
+                  <p:tgtEl>
+                    <p:sldTgt/>
+                  </p:tgtEl>
+                </p:cond>
+              </p:prevCondLst>
+              <p:nextCondLst>
+                <p:cond evt="onNext" delay="0">
+                  <p:tgtEl>
+                    <p:sldTgt/>
+                  </p:tgtEl>
+                </p:cond>
+              </p:nextCondLst>
+            </p:seq>
+          </p:childTnLst>
+        </p:cTn>
+      </p:par>
+    </p:tnLst>
+  </p:timing>
 </p:sld>
 </file>
 
@@ -13275,8 +14497,8 @@
         </p:nvSpPr>
         <p:spPr>
           <a:xfrm>
-            <a:off x="4864894" y="2350087"/>
-            <a:ext cx="2019300" cy="1569660"/>
+            <a:off x="4864894" y="2189872"/>
+            <a:ext cx="2019300" cy="1938992"/>
           </a:xfrm>
           <a:prstGeom prst="rect">
             <a:avLst/>
@@ -13295,6 +14517,15 @@
                 <a:latin typeface="Gill Sans MT" panose="020B0502020104020203" pitchFamily="34" charset="77"/>
               </a:rPr>
               <a:t>Recalculate mean costs</a:t>
+            </a:r>
+          </a:p>
+          <a:p>
+            <a:pPr algn="ctr"/>
+            <a:r>
+              <a:rPr lang="en-US" sz="2400" dirty="0">
+                <a:latin typeface="Gill Sans MT" panose="020B0502020104020203" pitchFamily="34" charset="77"/>
+              </a:rPr>
+              <a:t>-&gt;</a:t>
             </a:r>
           </a:p>
           <a:p>
@@ -13990,36 +15221,6 @@
       </p:grpSpPr>
       <p:pic>
         <p:nvPicPr>
-          <p:cNvPr id="3" name="Picture 2" descr="A picture containing screenshot, line, plot, diagram&#10;&#10;Description automatically generated">
-            <a:extLst>
-              <a:ext uri="{FF2B5EF4-FFF2-40B4-BE49-F238E27FC236}">
-                <a16:creationId xmlns:a16="http://schemas.microsoft.com/office/drawing/2014/main" id="{212097C4-9D56-0186-43FA-5DCDF7D582A2}"/>
-              </a:ext>
-            </a:extLst>
-          </p:cNvPr>
-          <p:cNvPicPr>
-            <a:picLocks noChangeAspect="1"/>
-          </p:cNvPicPr>
-          <p:nvPr/>
-        </p:nvPicPr>
-        <p:blipFill>
-          <a:blip r:embed="rId3"/>
-          <a:stretch>
-            <a:fillRect/>
-          </a:stretch>
-        </p:blipFill>
-        <p:spPr>
-          <a:xfrm rot="10800000">
-            <a:off x="4361178" y="3525298"/>
-            <a:ext cx="6966622" cy="3089506"/>
-          </a:xfrm>
-          <a:prstGeom prst="rect">
-            <a:avLst/>
-          </a:prstGeom>
-        </p:spPr>
-      </p:pic>
-      <p:pic>
-        <p:nvPicPr>
           <p:cNvPr id="5" name="Picture 4" descr="A picture containing screenshot, line, plot, diagram&#10;&#10;Description automatically generated">
             <a:extLst>
               <a:ext uri="{FF2B5EF4-FFF2-40B4-BE49-F238E27FC236}">
@@ -14070,8 +15271,38 @@
         </p:blipFill>
         <p:spPr>
           <a:xfrm>
-            <a:off x="97419" y="527329"/>
+            <a:off x="179613" y="527329"/>
             <a:ext cx="4052978" cy="5803341"/>
+          </a:xfrm>
+          <a:prstGeom prst="rect">
+            <a:avLst/>
+          </a:prstGeom>
+        </p:spPr>
+      </p:pic>
+      <p:pic>
+        <p:nvPicPr>
+          <p:cNvPr id="9" name="Picture 8" descr="A picture containing screenshot, line, plot, diagram&#10;&#10;Description automatically generated">
+            <a:extLst>
+              <a:ext uri="{FF2B5EF4-FFF2-40B4-BE49-F238E27FC236}">
+                <a16:creationId xmlns:a16="http://schemas.microsoft.com/office/drawing/2014/main" id="{778EB8AD-A654-4DB7-A5B4-23E4E388C329}"/>
+              </a:ext>
+            </a:extLst>
+          </p:cNvPr>
+          <p:cNvPicPr>
+            <a:picLocks noChangeAspect="1"/>
+          </p:cNvPicPr>
+          <p:nvPr/>
+        </p:nvPicPr>
+        <p:blipFill>
+          <a:blip r:embed="rId3"/>
+          <a:stretch>
+            <a:fillRect/>
+          </a:stretch>
+        </p:blipFill>
+        <p:spPr>
+          <a:xfrm rot="10800000">
+            <a:off x="4361179" y="3428999"/>
+            <a:ext cx="6966623" cy="3176308"/>
           </a:xfrm>
           <a:prstGeom prst="rect">
             <a:avLst/>

--- a/Part 2/Slides part 2.pptx
+++ b/Part 2/Slides part 2.pptx
@@ -5,7 +5,7 @@
     <p:sldMasterId id="2147483648" r:id="rId1"/>
   </p:sldMasterIdLst>
   <p:notesMasterIdLst>
-    <p:notesMasterId r:id="rId24"/>
+    <p:notesMasterId r:id="rId25"/>
   </p:notesMasterIdLst>
   <p:sldIdLst>
     <p:sldId id="256" r:id="rId2"/>
@@ -29,7 +29,8 @@
     <p:sldId id="270" r:id="rId20"/>
     <p:sldId id="281" r:id="rId21"/>
     <p:sldId id="282" r:id="rId22"/>
-    <p:sldId id="260" r:id="rId23"/>
+    <p:sldId id="284" r:id="rId23"/>
+    <p:sldId id="260" r:id="rId24"/>
   </p:sldIdLst>
   <p:sldSz cx="12192000" cy="6858000"/>
   <p:notesSz cx="6858000" cy="9144000"/>
@@ -1882,7 +1883,7 @@
           <a:p>
             <a:fld id="{0CD18AB5-B411-4243-B514-8BBA48826DCA}" type="datetimeFigureOut">
               <a:rPr lang="en-US" smtClean="0"/>
-              <a:t>5/15/2024</a:t>
+              <a:t>6/2/2025</a:t>
             </a:fld>
             <a:endParaRPr lang="en-US"/>
           </a:p>
@@ -2278,7 +2279,10 @@
           <a:bodyPr/>
           <a:lstStyle/>
           <a:p>
-            <a:endParaRPr lang="en-US"/>
+            <a:r>
+              <a:rPr lang="en-GB" dirty="0"/>
+              <a:t>App working through</a:t>
+            </a:r>
           </a:p>
         </p:txBody>
       </p:sp>
@@ -2299,7 +2303,7 @@
           <a:p>
             <a:fld id="{3CF06A7E-4467-2B45-844F-B74EDA7363B5}" type="slidenum">
               <a:rPr lang="en-US" smtClean="0"/>
-              <a:t>6</a:t>
+              <a:t>2</a:t>
             </a:fld>
             <a:endParaRPr lang="en-US"/>
           </a:p>
@@ -2308,7 +2312,7 @@
     </p:spTree>
     <p:extLst>
       <p:ext uri="{BB962C8B-B14F-4D97-AF65-F5344CB8AC3E}">
-        <p14:creationId xmlns:p14="http://schemas.microsoft.com/office/powerpoint/2010/main" val="2061570769"/>
+        <p14:creationId xmlns:p14="http://schemas.microsoft.com/office/powerpoint/2010/main" val="2447830704"/>
       </p:ext>
     </p:extLst>
   </p:cSld>
@@ -2383,7 +2387,7 @@
           <a:p>
             <a:fld id="{3CF06A7E-4467-2B45-844F-B74EDA7363B5}" type="slidenum">
               <a:rPr lang="en-US" smtClean="0"/>
-              <a:t>9</a:t>
+              <a:t>6</a:t>
             </a:fld>
             <a:endParaRPr lang="en-US"/>
           </a:p>
@@ -2392,7 +2396,7 @@
     </p:spTree>
     <p:extLst>
       <p:ext uri="{BB962C8B-B14F-4D97-AF65-F5344CB8AC3E}">
-        <p14:creationId xmlns:p14="http://schemas.microsoft.com/office/powerpoint/2010/main" val="3843663641"/>
+        <p14:creationId xmlns:p14="http://schemas.microsoft.com/office/powerpoint/2010/main" val="2061570769"/>
       </p:ext>
     </p:extLst>
   </p:cSld>
@@ -2446,7 +2450,10 @@
           <a:bodyPr/>
           <a:lstStyle/>
           <a:p>
-            <a:endParaRPr lang="en-US"/>
+            <a:r>
+              <a:rPr lang="en-US" dirty="0"/>
+              <a:t>2 types of plots</a:t>
+            </a:r>
           </a:p>
         </p:txBody>
       </p:sp>
@@ -2467,6 +2474,90 @@
           <a:p>
             <a:fld id="{3CF06A7E-4467-2B45-844F-B74EDA7363B5}" type="slidenum">
               <a:rPr lang="en-US" smtClean="0"/>
+              <a:t>9</a:t>
+            </a:fld>
+            <a:endParaRPr lang="en-US"/>
+          </a:p>
+        </p:txBody>
+      </p:sp>
+    </p:spTree>
+    <p:extLst>
+      <p:ext uri="{BB962C8B-B14F-4D97-AF65-F5344CB8AC3E}">
+        <p14:creationId xmlns:p14="http://schemas.microsoft.com/office/powerpoint/2010/main" val="3843663641"/>
+      </p:ext>
+    </p:extLst>
+  </p:cSld>
+  <p:clrMapOvr>
+    <a:masterClrMapping/>
+  </p:clrMapOvr>
+</p:notes>
+</file>
+
+<file path=ppt/notesSlides/notesSlide5.xml><?xml version="1.0" encoding="utf-8"?>
+<p:notes xmlns:a="http://schemas.openxmlformats.org/drawingml/2006/main" xmlns:r="http://schemas.openxmlformats.org/officeDocument/2006/relationships" xmlns:p="http://schemas.openxmlformats.org/presentationml/2006/main">
+  <p:cSld>
+    <p:spTree>
+      <p:nvGrpSpPr>
+        <p:cNvPr id="1" name=""/>
+        <p:cNvGrpSpPr/>
+        <p:nvPr/>
+      </p:nvGrpSpPr>
+      <p:grpSpPr>
+        <a:xfrm>
+          <a:off x="0" y="0"/>
+          <a:ext cx="0" cy="0"/>
+          <a:chOff x="0" y="0"/>
+          <a:chExt cx="0" cy="0"/>
+        </a:xfrm>
+      </p:grpSpPr>
+      <p:sp>
+        <p:nvSpPr>
+          <p:cNvPr id="2" name="Slide Image Placeholder 1"/>
+          <p:cNvSpPr>
+            <a:spLocks noGrp="1" noRot="1" noChangeAspect="1"/>
+          </p:cNvSpPr>
+          <p:nvPr>
+            <p:ph type="sldImg"/>
+          </p:nvPr>
+        </p:nvSpPr>
+        <p:spPr/>
+      </p:sp>
+      <p:sp>
+        <p:nvSpPr>
+          <p:cNvPr id="3" name="Notes Placeholder 2"/>
+          <p:cNvSpPr>
+            <a:spLocks noGrp="1"/>
+          </p:cNvSpPr>
+          <p:nvPr>
+            <p:ph type="body" idx="1"/>
+          </p:nvPr>
+        </p:nvSpPr>
+        <p:spPr/>
+        <p:txBody>
+          <a:bodyPr/>
+          <a:lstStyle/>
+          <a:p>
+            <a:endParaRPr lang="en-US"/>
+          </a:p>
+        </p:txBody>
+      </p:sp>
+      <p:sp>
+        <p:nvSpPr>
+          <p:cNvPr id="4" name="Slide Number Placeholder 3"/>
+          <p:cNvSpPr>
+            <a:spLocks noGrp="1"/>
+          </p:cNvSpPr>
+          <p:nvPr>
+            <p:ph type="sldNum" sz="quarter" idx="5"/>
+          </p:nvPr>
+        </p:nvSpPr>
+        <p:spPr/>
+        <p:txBody>
+          <a:bodyPr/>
+          <a:lstStyle/>
+          <a:p>
+            <a:fld id="{3CF06A7E-4467-2B45-844F-B74EDA7363B5}" type="slidenum">
+              <a:rPr lang="en-US" smtClean="0"/>
               <a:t>11</a:t>
             </a:fld>
             <a:endParaRPr lang="en-US"/>
@@ -2477,6 +2568,93 @@
     <p:extLst>
       <p:ext uri="{BB962C8B-B14F-4D97-AF65-F5344CB8AC3E}">
         <p14:creationId xmlns:p14="http://schemas.microsoft.com/office/powerpoint/2010/main" val="3865724894"/>
+      </p:ext>
+    </p:extLst>
+  </p:cSld>
+  <p:clrMapOvr>
+    <a:masterClrMapping/>
+  </p:clrMapOvr>
+</p:notes>
+</file>
+
+<file path=ppt/notesSlides/notesSlide6.xml><?xml version="1.0" encoding="utf-8"?>
+<p:notes xmlns:a="http://schemas.openxmlformats.org/drawingml/2006/main" xmlns:r="http://schemas.openxmlformats.org/officeDocument/2006/relationships" xmlns:p="http://schemas.openxmlformats.org/presentationml/2006/main">
+  <p:cSld>
+    <p:spTree>
+      <p:nvGrpSpPr>
+        <p:cNvPr id="1" name=""/>
+        <p:cNvGrpSpPr/>
+        <p:nvPr/>
+      </p:nvGrpSpPr>
+      <p:grpSpPr>
+        <a:xfrm>
+          <a:off x="0" y="0"/>
+          <a:ext cx="0" cy="0"/>
+          <a:chOff x="0" y="0"/>
+          <a:chExt cx="0" cy="0"/>
+        </a:xfrm>
+      </p:grpSpPr>
+      <p:sp>
+        <p:nvSpPr>
+          <p:cNvPr id="2" name="Slide Image Placeholder 1"/>
+          <p:cNvSpPr>
+            <a:spLocks noGrp="1" noRot="1" noChangeAspect="1"/>
+          </p:cNvSpPr>
+          <p:nvPr>
+            <p:ph type="sldImg"/>
+          </p:nvPr>
+        </p:nvSpPr>
+        <p:spPr/>
+      </p:sp>
+      <p:sp>
+        <p:nvSpPr>
+          <p:cNvPr id="3" name="Notes Placeholder 2"/>
+          <p:cNvSpPr>
+            <a:spLocks noGrp="1"/>
+          </p:cNvSpPr>
+          <p:nvPr>
+            <p:ph type="body" idx="1"/>
+          </p:nvPr>
+        </p:nvSpPr>
+        <p:spPr/>
+        <p:txBody>
+          <a:bodyPr/>
+          <a:lstStyle/>
+          <a:p>
+            <a:r>
+              <a:rPr lang="en-GB"/>
+              <a:t>Simple app</a:t>
+            </a:r>
+          </a:p>
+        </p:txBody>
+      </p:sp>
+      <p:sp>
+        <p:nvSpPr>
+          <p:cNvPr id="4" name="Slide Number Placeholder 3"/>
+          <p:cNvSpPr>
+            <a:spLocks noGrp="1"/>
+          </p:cNvSpPr>
+          <p:nvPr>
+            <p:ph type="sldNum" sz="quarter" idx="5"/>
+          </p:nvPr>
+        </p:nvSpPr>
+        <p:spPr/>
+        <p:txBody>
+          <a:bodyPr/>
+          <a:lstStyle/>
+          <a:p>
+            <a:fld id="{3CF06A7E-4467-2B45-844F-B74EDA7363B5}" type="slidenum">
+              <a:rPr lang="en-US" smtClean="0"/>
+              <a:t>16</a:t>
+            </a:fld>
+            <a:endParaRPr lang="en-US"/>
+          </a:p>
+        </p:txBody>
+      </p:sp>
+    </p:spTree>
+    <p:extLst>
+      <p:ext uri="{BB962C8B-B14F-4D97-AF65-F5344CB8AC3E}">
+        <p14:creationId xmlns:p14="http://schemas.microsoft.com/office/powerpoint/2010/main" val="1776795460"/>
       </p:ext>
     </p:extLst>
   </p:cSld>
@@ -2716,7 +2894,7 @@
             <a:fld id="{B61BEF0D-F0BB-DE4B-95CE-6DB70DBA9567}" type="datetimeFigureOut">
               <a:rPr lang="en-US" dirty="0"/>
               <a:pPr/>
-              <a:t>5/15/2024</a:t>
+              <a:t>6/2/2025</a:t>
             </a:fld>
             <a:endParaRPr lang="en-US" dirty="0"/>
           </a:p>
@@ -3047,7 +3225,7 @@
             <a:fld id="{B61BEF0D-F0BB-DE4B-95CE-6DB70DBA9567}" type="datetimeFigureOut">
               <a:rPr lang="en-US" dirty="0"/>
               <a:pPr/>
-              <a:t>5/15/2024</a:t>
+              <a:t>6/2/2025</a:t>
             </a:fld>
             <a:endParaRPr lang="en-US" dirty="0"/>
           </a:p>
@@ -3322,7 +3500,7 @@
             <a:fld id="{B61BEF0D-F0BB-DE4B-95CE-6DB70DBA9567}" type="datetimeFigureOut">
               <a:rPr lang="en-US" dirty="0"/>
               <a:pPr/>
-              <a:t>5/15/2024</a:t>
+              <a:t>6/2/2025</a:t>
             </a:fld>
             <a:endParaRPr lang="en-US" dirty="0"/>
           </a:p>
@@ -3887,7 +4065,7 @@
             <a:fld id="{B61BEF0D-F0BB-DE4B-95CE-6DB70DBA9567}" type="datetimeFigureOut">
               <a:rPr lang="en-US" dirty="0"/>
               <a:pPr/>
-              <a:t>5/15/2024</a:t>
+              <a:t>6/2/2025</a:t>
             </a:fld>
             <a:endParaRPr lang="en-US" dirty="0"/>
           </a:p>
@@ -4162,7 +4340,7 @@
             <a:fld id="{B61BEF0D-F0BB-DE4B-95CE-6DB70DBA9567}" type="datetimeFigureOut">
               <a:rPr lang="en-US" dirty="0"/>
               <a:pPr/>
-              <a:t>5/15/2024</a:t>
+              <a:t>6/2/2025</a:t>
             </a:fld>
             <a:endParaRPr lang="en-US" dirty="0"/>
           </a:p>
@@ -4721,7 +4899,7 @@
             <a:fld id="{B61BEF0D-F0BB-DE4B-95CE-6DB70DBA9567}" type="datetimeFigureOut">
               <a:rPr lang="en-US" dirty="0"/>
               <a:pPr/>
-              <a:t>5/15/2024</a:t>
+              <a:t>6/2/2025</a:t>
             </a:fld>
             <a:endParaRPr lang="en-US" dirty="0"/>
           </a:p>
@@ -5045,7 +5223,7 @@
             <a:fld id="{B61BEF0D-F0BB-DE4B-95CE-6DB70DBA9567}" type="datetimeFigureOut">
               <a:rPr lang="en-US" dirty="0"/>
               <a:pPr/>
-              <a:t>5/15/2024</a:t>
+              <a:t>6/2/2025</a:t>
             </a:fld>
             <a:endParaRPr lang="en-US" dirty="0"/>
           </a:p>
@@ -5219,7 +5397,7 @@
             <a:fld id="{B61BEF0D-F0BB-DE4B-95CE-6DB70DBA9567}" type="datetimeFigureOut">
               <a:rPr lang="en-US" dirty="0"/>
               <a:pPr/>
-              <a:t>5/15/2024</a:t>
+              <a:t>6/2/2025</a:t>
             </a:fld>
             <a:endParaRPr lang="en-US" dirty="0"/>
           </a:p>
@@ -5454,7 +5632,7 @@
             <a:fld id="{B61BEF0D-F0BB-DE4B-95CE-6DB70DBA9567}" type="datetimeFigureOut">
               <a:rPr lang="en-US" dirty="0"/>
               <a:pPr/>
-              <a:t>5/15/2024</a:t>
+              <a:t>6/2/2025</a:t>
             </a:fld>
             <a:endParaRPr lang="en-US" dirty="0"/>
           </a:p>
@@ -5651,7 +5829,7 @@
             <a:fld id="{B61BEF0D-F0BB-DE4B-95CE-6DB70DBA9567}" type="datetimeFigureOut">
               <a:rPr lang="en-US" dirty="0"/>
               <a:pPr/>
-              <a:t>5/15/2024</a:t>
+              <a:t>6/2/2025</a:t>
             </a:fld>
             <a:endParaRPr lang="en-US" dirty="0"/>
           </a:p>
@@ -5924,7 +6102,7 @@
             <a:fld id="{B61BEF0D-F0BB-DE4B-95CE-6DB70DBA9567}" type="datetimeFigureOut">
               <a:rPr lang="en-US" dirty="0"/>
               <a:pPr/>
-              <a:t>5/15/2024</a:t>
+              <a:t>6/2/2025</a:t>
             </a:fld>
             <a:endParaRPr lang="en-US" dirty="0"/>
           </a:p>
@@ -6187,7 +6365,7 @@
             <a:fld id="{B61BEF0D-F0BB-DE4B-95CE-6DB70DBA9567}" type="datetimeFigureOut">
               <a:rPr lang="en-US" dirty="0"/>
               <a:pPr/>
-              <a:t>5/15/2024</a:t>
+              <a:t>6/2/2025</a:t>
             </a:fld>
             <a:endParaRPr lang="en-US" dirty="0"/>
           </a:p>
@@ -6558,7 +6736,7 @@
             <a:fld id="{B61BEF0D-F0BB-DE4B-95CE-6DB70DBA9567}" type="datetimeFigureOut">
               <a:rPr lang="en-US" dirty="0"/>
               <a:pPr/>
-              <a:t>5/15/2024</a:t>
+              <a:t>6/2/2025</a:t>
             </a:fld>
             <a:endParaRPr lang="en-US" dirty="0"/>
           </a:p>
@@ -6703,7 +6881,7 @@
             <a:fld id="{B61BEF0D-F0BB-DE4B-95CE-6DB70DBA9567}" type="datetimeFigureOut">
               <a:rPr lang="en-US" dirty="0"/>
               <a:pPr/>
-              <a:t>5/15/2024</a:t>
+              <a:t>6/2/2025</a:t>
             </a:fld>
             <a:endParaRPr lang="en-US" dirty="0"/>
           </a:p>
@@ -6825,7 +7003,7 @@
             <a:fld id="{B61BEF0D-F0BB-DE4B-95CE-6DB70DBA9567}" type="datetimeFigureOut">
               <a:rPr lang="en-US" dirty="0"/>
               <a:pPr/>
-              <a:t>5/15/2024</a:t>
+              <a:t>6/2/2025</a:t>
             </a:fld>
             <a:endParaRPr lang="en-US" dirty="0"/>
           </a:p>
@@ -7107,7 +7285,7 @@
             <a:fld id="{B61BEF0D-F0BB-DE4B-95CE-6DB70DBA9567}" type="datetimeFigureOut">
               <a:rPr lang="en-US" dirty="0"/>
               <a:pPr/>
-              <a:t>5/15/2024</a:t>
+              <a:t>6/2/2025</a:t>
             </a:fld>
             <a:endParaRPr lang="en-US" dirty="0"/>
           </a:p>
@@ -7428,7 +7606,7 @@
             <a:fld id="{B61BEF0D-F0BB-DE4B-95CE-6DB70DBA9567}" type="datetimeFigureOut">
               <a:rPr lang="en-US" dirty="0"/>
               <a:pPr/>
-              <a:t>5/15/2024</a:t>
+              <a:t>6/2/2025</a:t>
             </a:fld>
             <a:endParaRPr lang="en-US" dirty="0"/>
           </a:p>
@@ -7639,7 +7817,7 @@
             <a:fld id="{B61BEF0D-F0BB-DE4B-95CE-6DB70DBA9567}" type="datetimeFigureOut">
               <a:rPr lang="en-US" dirty="0"/>
               <a:pPr/>
-              <a:t>5/15/2024</a:t>
+              <a:t>6/2/2025</a:t>
             </a:fld>
             <a:endParaRPr lang="en-US" dirty="0"/>
           </a:p>
@@ -8244,6 +8422,18 @@
   <p:clrMapOvr>
     <a:masterClrMapping/>
   </p:clrMapOvr>
+  <mc:AlternateContent xmlns:mc="http://schemas.openxmlformats.org/markup-compatibility/2006">
+    <mc:Choice xmlns:p14="http://schemas.microsoft.com/office/powerpoint/2010/main" Requires="p14">
+      <p:transition spd="med" p14:dur="700">
+        <p:fade/>
+      </p:transition>
+    </mc:Choice>
+    <mc:Fallback>
+      <p:transition spd="med">
+        <p:fade/>
+      </p:transition>
+    </mc:Fallback>
+  </mc:AlternateContent>
 </p:sld>
 </file>
 
@@ -9508,6 +9698,41 @@
           </a:fontRef>
         </p:style>
       </p:cxnSp>
+      <p:sp>
+        <p:nvSpPr>
+          <p:cNvPr id="6" name="TextBox 5">
+            <a:extLst>
+              <a:ext uri="{FF2B5EF4-FFF2-40B4-BE49-F238E27FC236}">
+                <a16:creationId xmlns:a16="http://schemas.microsoft.com/office/drawing/2014/main" id="{AF1A66B1-53B2-4A38-A696-CBB3D379843D}"/>
+              </a:ext>
+            </a:extLst>
+          </p:cNvPr>
+          <p:cNvSpPr txBox="1"/>
+          <p:nvPr/>
+        </p:nvSpPr>
+        <p:spPr>
+          <a:xfrm>
+            <a:off x="9027267" y="2830035"/>
+            <a:ext cx="2577830" cy="830997"/>
+          </a:xfrm>
+          <a:prstGeom prst="rect">
+            <a:avLst/>
+          </a:prstGeom>
+          <a:noFill/>
+        </p:spPr>
+        <p:txBody>
+          <a:bodyPr wrap="square" rtlCol="0">
+            <a:spAutoFit/>
+          </a:bodyPr>
+          <a:lstStyle/>
+          <a:p>
+            <a:r>
+              <a:rPr lang="en-GB" sz="2400" dirty="0"/>
+              <a:t>How can this be optimised?</a:t>
+            </a:r>
+          </a:p>
+        </p:txBody>
+      </p:sp>
     </p:spTree>
     <p:extLst>
       <p:ext uri="{BB962C8B-B14F-4D97-AF65-F5344CB8AC3E}">
@@ -9518,6 +9743,18 @@
   <p:clrMapOvr>
     <a:masterClrMapping/>
   </p:clrMapOvr>
+  <mc:AlternateContent xmlns:mc="http://schemas.openxmlformats.org/markup-compatibility/2006">
+    <mc:Choice xmlns:p14="http://schemas.microsoft.com/office/powerpoint/2010/main" Requires="p14">
+      <p:transition spd="med" p14:dur="700">
+        <p:fade/>
+      </p:transition>
+    </mc:Choice>
+    <mc:Fallback>
+      <p:transition spd="med">
+        <p:fade/>
+      </p:transition>
+    </mc:Fallback>
+  </mc:AlternateContent>
   <p:timing>
     <p:tnLst>
       <p:par>
@@ -9982,6 +10219,59 @@
                       </p:childTnLst>
                     </p:cTn>
                   </p:par>
+                  <p:par>
+                    <p:cTn id="43" fill="hold">
+                      <p:stCondLst>
+                        <p:cond delay="indefinite"/>
+                      </p:stCondLst>
+                      <p:childTnLst>
+                        <p:par>
+                          <p:cTn id="44" fill="hold">
+                            <p:stCondLst>
+                              <p:cond delay="0"/>
+                            </p:stCondLst>
+                            <p:childTnLst>
+                              <p:par>
+                                <p:cTn id="45" presetID="10" presetClass="entr" presetSubtype="0" fill="hold" grpId="0" nodeType="clickEffect">
+                                  <p:stCondLst>
+                                    <p:cond delay="0"/>
+                                  </p:stCondLst>
+                                  <p:childTnLst>
+                                    <p:set>
+                                      <p:cBhvr>
+                                        <p:cTn id="46" dur="1" fill="hold">
+                                          <p:stCondLst>
+                                            <p:cond delay="0"/>
+                                          </p:stCondLst>
+                                        </p:cTn>
+                                        <p:tgtEl>
+                                          <p:spTgt spid="6"/>
+                                        </p:tgtEl>
+                                        <p:attrNameLst>
+                                          <p:attrName>style.visibility</p:attrName>
+                                        </p:attrNameLst>
+                                      </p:cBhvr>
+                                      <p:to>
+                                        <p:strVal val="visible"/>
+                                      </p:to>
+                                    </p:set>
+                                    <p:animEffect transition="in" filter="fade">
+                                      <p:cBhvr>
+                                        <p:cTn id="47" dur="500"/>
+                                        <p:tgtEl>
+                                          <p:spTgt spid="6"/>
+                                        </p:tgtEl>
+                                      </p:cBhvr>
+                                    </p:animEffect>
+                                  </p:childTnLst>
+                                </p:cTn>
+                              </p:par>
+                            </p:childTnLst>
+                          </p:cTn>
+                        </p:par>
+                      </p:childTnLst>
+                    </p:cTn>
+                  </p:par>
                 </p:childTnLst>
               </p:cTn>
               <p:prevCondLst>
@@ -10003,6 +10293,9 @@
         </p:cTn>
       </p:par>
     </p:tnLst>
+    <p:bldLst>
+      <p:bldP spid="6" grpId="0"/>
+    </p:bldLst>
   </p:timing>
 </p:sld>
 </file>
@@ -11155,6 +11448,18 @@
   <p:clrMapOvr>
     <a:masterClrMapping/>
   </p:clrMapOvr>
+  <mc:AlternateContent xmlns:mc="http://schemas.openxmlformats.org/markup-compatibility/2006">
+    <mc:Choice xmlns:p14="http://schemas.microsoft.com/office/powerpoint/2010/main" Requires="p14">
+      <p:transition spd="med" p14:dur="700">
+        <p:fade/>
+      </p:transition>
+    </mc:Choice>
+    <mc:Fallback>
+      <p:transition spd="med">
+        <p:fade/>
+      </p:transition>
+    </mc:Fallback>
+  </mc:AlternateContent>
   <p:timing>
     <p:tnLst>
       <p:par>
@@ -11641,6 +11946,18 @@
   <p:clrMapOvr>
     <a:masterClrMapping/>
   </p:clrMapOvr>
+  <mc:AlternateContent xmlns:mc="http://schemas.openxmlformats.org/markup-compatibility/2006">
+    <mc:Choice xmlns:p14="http://schemas.microsoft.com/office/powerpoint/2010/main" Requires="p14">
+      <p:transition spd="med" p14:dur="700">
+        <p:fade/>
+      </p:transition>
+    </mc:Choice>
+    <mc:Fallback>
+      <p:transition spd="med">
+        <p:fade/>
+      </p:transition>
+    </mc:Fallback>
+  </mc:AlternateContent>
 </p:sld>
 </file>
 
@@ -11700,6 +12017,18 @@
   <p:clrMapOvr>
     <a:masterClrMapping/>
   </p:clrMapOvr>
+  <mc:AlternateContent xmlns:mc="http://schemas.openxmlformats.org/markup-compatibility/2006">
+    <mc:Choice xmlns:p14="http://schemas.microsoft.com/office/powerpoint/2010/main" Requires="p14">
+      <p:transition spd="med" p14:dur="700">
+        <p:fade/>
+      </p:transition>
+    </mc:Choice>
+    <mc:Fallback>
+      <p:transition spd="med">
+        <p:fade/>
+      </p:transition>
+    </mc:Fallback>
+  </mc:AlternateContent>
 </p:sld>
 </file>
 
@@ -11759,6 +12088,18 @@
   <p:clrMapOvr>
     <a:masterClrMapping/>
   </p:clrMapOvr>
+  <mc:AlternateContent xmlns:mc="http://schemas.openxmlformats.org/markup-compatibility/2006">
+    <mc:Choice xmlns:p14="http://schemas.microsoft.com/office/powerpoint/2010/main" Requires="p14">
+      <p:transition spd="med" p14:dur="700">
+        <p:fade/>
+      </p:transition>
+    </mc:Choice>
+    <mc:Fallback>
+      <p:transition spd="med">
+        <p:fade/>
+      </p:transition>
+    </mc:Fallback>
+  </mc:AlternateContent>
 </p:sld>
 </file>
 
@@ -11804,7 +12145,7 @@
               <a:rPr lang="en-US" dirty="0">
                 <a:latin typeface="Gill Sans MT" panose="020B0502020104020203" pitchFamily="34" charset="77"/>
               </a:rPr>
-              <a:t>data</a:t>
+              <a:t>reactivity and data</a:t>
             </a:r>
           </a:p>
         </p:txBody>
@@ -11833,7 +12174,7 @@
         </p:spPr>
         <p:txBody>
           <a:bodyPr>
-            <a:normAutofit/>
+            <a:normAutofit fontScale="92500" lnSpcReduction="10000"/>
           </a:bodyPr>
           <a:lstStyle/>
           <a:p>
@@ -11842,6 +12183,27 @@
                 <a:latin typeface="Gill Sans MT" panose="020B0502020104020203" pitchFamily="34" charset="77"/>
               </a:rPr>
               <a:t>Think about the format of your data</a:t>
+            </a:r>
+          </a:p>
+          <a:p>
+            <a:pPr lvl="1"/>
+            <a:r>
+              <a:rPr lang="en-US" sz="2200" dirty="0">
+                <a:latin typeface="Gill Sans MT" panose="020B0502020104020203" pitchFamily="34" charset="77"/>
+              </a:rPr>
+              <a:t>Is there any element that is </a:t>
+            </a:r>
+            <a:r>
+              <a:rPr lang="en-US" sz="2200" i="1" dirty="0">
+                <a:latin typeface="Gill Sans MT" panose="020B0502020104020203" pitchFamily="34" charset="77"/>
+              </a:rPr>
+              <a:t>always</a:t>
+            </a:r>
+            <a:r>
+              <a:rPr lang="en-US" sz="2200" dirty="0">
+                <a:latin typeface="Gill Sans MT" panose="020B0502020104020203" pitchFamily="34" charset="77"/>
+              </a:rPr>
+              <a:t> carried out?</a:t>
             </a:r>
           </a:p>
           <a:p>
@@ -11873,6 +12235,27 @@
             </a:r>
           </a:p>
           <a:p>
+            <a:pPr lvl="1"/>
+            <a:r>
+              <a:rPr lang="en-US" sz="2200" dirty="0">
+                <a:latin typeface="Gill Sans MT" panose="020B0502020104020203" pitchFamily="34" charset="77"/>
+              </a:rPr>
+              <a:t>Reactivity should be linked with elements of data that </a:t>
+            </a:r>
+            <a:r>
+              <a:rPr lang="en-US" sz="2200" u="sng" dirty="0">
+                <a:latin typeface="Gill Sans MT" panose="020B0502020104020203" pitchFamily="34" charset="77"/>
+              </a:rPr>
+              <a:t>depend</a:t>
+            </a:r>
+            <a:r>
+              <a:rPr lang="en-US" sz="2200" dirty="0">
+                <a:latin typeface="Gill Sans MT" panose="020B0502020104020203" pitchFamily="34" charset="77"/>
+              </a:rPr>
+              <a:t> on the inputs</a:t>
+            </a:r>
+          </a:p>
+          <a:p>
             <a:pPr marL="0" indent="0">
               <a:buNone/>
             </a:pPr>
@@ -11900,6 +12283,18 @@
   <p:clrMapOvr>
     <a:masterClrMapping/>
   </p:clrMapOvr>
+  <mc:AlternateContent xmlns:mc="http://schemas.openxmlformats.org/markup-compatibility/2006">
+    <mc:Choice xmlns:p14="http://schemas.microsoft.com/office/powerpoint/2010/main" Requires="p14">
+      <p:transition spd="med" p14:dur="700">
+        <p:fade/>
+      </p:transition>
+    </mc:Choice>
+    <mc:Fallback>
+      <p:transition spd="med">
+        <p:fade/>
+      </p:transition>
+    </mc:Fallback>
+  </mc:AlternateContent>
 </p:sld>
 </file>
 
@@ -11920,6 +12315,39 @@
           <a:chExt cx="0" cy="0"/>
         </a:xfrm>
       </p:grpSpPr>
+      <p:sp>
+        <p:nvSpPr>
+          <p:cNvPr id="2" name="Title 1">
+            <a:extLst>
+              <a:ext uri="{FF2B5EF4-FFF2-40B4-BE49-F238E27FC236}">
+                <a16:creationId xmlns:a16="http://schemas.microsoft.com/office/drawing/2014/main" id="{F560081F-A342-4579-9B7E-79A0CE291D18}"/>
+              </a:ext>
+            </a:extLst>
+          </p:cNvPr>
+          <p:cNvSpPr>
+            <a:spLocks noGrp="1"/>
+          </p:cNvSpPr>
+          <p:nvPr>
+            <p:ph type="title"/>
+          </p:nvPr>
+        </p:nvSpPr>
+        <p:spPr>
+          <a:xfrm>
+            <a:off x="685801" y="609600"/>
+            <a:ext cx="10131425" cy="728133"/>
+          </a:xfrm>
+        </p:spPr>
+        <p:txBody>
+          <a:bodyPr/>
+          <a:lstStyle/>
+          <a:p>
+            <a:r>
+              <a:rPr lang="en-GB" dirty="0"/>
+              <a:t>What if my app using complex calculations?</a:t>
+            </a:r>
+          </a:p>
+        </p:txBody>
+      </p:sp>
       <p:pic>
         <p:nvPicPr>
           <p:cNvPr id="5" name="Content Placeholder 4" descr="A screenshot of a graph&#10;&#10;Description automatically generated with medium confidence">
@@ -11933,19 +12361,19 @@
             <a:picLocks noGrp="1" noChangeAspect="1"/>
           </p:cNvPicPr>
           <p:nvPr>
-            <p:ph idx="1"/>
+            <p:ph idx="4294967295"/>
           </p:nvPr>
         </p:nvPicPr>
         <p:blipFill>
-          <a:blip r:embed="rId2"/>
+          <a:blip r:embed="rId3"/>
           <a:stretch>
             <a:fillRect/>
           </a:stretch>
         </p:blipFill>
         <p:spPr>
           <a:xfrm>
-            <a:off x="0" y="255587"/>
-            <a:ext cx="12187239" cy="6102350"/>
+            <a:off x="685801" y="1337733"/>
+            <a:ext cx="10329863" cy="5172075"/>
           </a:xfrm>
         </p:spPr>
       </p:pic>
@@ -11959,6 +12387,18 @@
   <p:clrMapOvr>
     <a:masterClrMapping/>
   </p:clrMapOvr>
+  <mc:AlternateContent xmlns:mc="http://schemas.openxmlformats.org/markup-compatibility/2006">
+    <mc:Choice xmlns:p14="http://schemas.microsoft.com/office/powerpoint/2010/main" Requires="p14">
+      <p:transition spd="med" p14:dur="700">
+        <p:fade/>
+      </p:transition>
+    </mc:Choice>
+    <mc:Fallback>
+      <p:transition spd="med">
+        <p:fade/>
+      </p:transition>
+    </mc:Fallback>
+  </mc:AlternateContent>
 </p:sld>
 </file>
 
@@ -12333,6 +12773,18 @@
   <p:clrMapOvr>
     <a:masterClrMapping/>
   </p:clrMapOvr>
+  <mc:AlternateContent xmlns:mc="http://schemas.openxmlformats.org/markup-compatibility/2006">
+    <mc:Choice xmlns:p14="http://schemas.microsoft.com/office/powerpoint/2010/main" Requires="p14">
+      <p:transition spd="med" p14:dur="700">
+        <p:fade/>
+      </p:transition>
+    </mc:Choice>
+    <mc:Fallback>
+      <p:transition spd="med">
+        <p:fade/>
+      </p:transition>
+    </mc:Fallback>
+  </mc:AlternateContent>
 </p:sld>
 </file>
 
@@ -12355,10 +12807,10 @@
       </p:grpSpPr>
       <p:sp>
         <p:nvSpPr>
-          <p:cNvPr id="4" name="Rounded Rectangle 3">
+          <p:cNvPr id="7" name="Right Arrow 6">
             <a:extLst>
               <a:ext uri="{FF2B5EF4-FFF2-40B4-BE49-F238E27FC236}">
-                <a16:creationId xmlns:a16="http://schemas.microsoft.com/office/drawing/2014/main" id="{C5C50627-2E6A-B9C4-7418-87D4439A110B}"/>
+                <a16:creationId xmlns:a16="http://schemas.microsoft.com/office/drawing/2014/main" id="{D1D9C5A7-AABA-FCE5-5133-2B4BAA8D22BF}"/>
               </a:ext>
             </a:extLst>
           </p:cNvPr>
@@ -12367,10 +12819,10 @@
         </p:nvSpPr>
         <p:spPr>
           <a:xfrm>
-            <a:off x="614363" y="2031208"/>
-            <a:ext cx="2871788" cy="2207418"/>
-          </a:xfrm>
-          <a:prstGeom prst="roundRect">
+            <a:off x="3669506" y="2906317"/>
+            <a:ext cx="585788" cy="522683"/>
+          </a:xfrm>
+          <a:prstGeom prst="rightArrow">
             <a:avLst/>
           </a:prstGeom>
         </p:spPr>
@@ -12401,10 +12853,10 @@
       </p:sp>
       <p:sp>
         <p:nvSpPr>
-          <p:cNvPr id="5" name="Rounded Rectangle 4">
+          <p:cNvPr id="8" name="Right Arrow 7">
             <a:extLst>
               <a:ext uri="{FF2B5EF4-FFF2-40B4-BE49-F238E27FC236}">
-                <a16:creationId xmlns:a16="http://schemas.microsoft.com/office/drawing/2014/main" id="{B75DA14F-C1B5-7A84-A6F5-1751C1A2BAF4}"/>
+                <a16:creationId xmlns:a16="http://schemas.microsoft.com/office/drawing/2014/main" id="{8D109CC6-3BED-B2DB-3976-EB7A94AEBACC}"/>
               </a:ext>
             </a:extLst>
           </p:cNvPr>
@@ -12413,10 +12865,10 @@
         </p:nvSpPr>
         <p:spPr>
           <a:xfrm>
-            <a:off x="4438650" y="2031208"/>
-            <a:ext cx="2871788" cy="2207418"/>
-          </a:xfrm>
-          <a:prstGeom prst="roundRect">
+            <a:off x="7491412" y="2873575"/>
+            <a:ext cx="585788" cy="522683"/>
+          </a:xfrm>
+          <a:prstGeom prst="rightArrow">
             <a:avLst/>
           </a:prstGeom>
         </p:spPr>
@@ -12441,262 +12893,325 @@
           <a:lstStyle/>
           <a:p>
             <a:pPr algn="ctr"/>
-            <a:endParaRPr lang="en-US" dirty="0"/>
-          </a:p>
-        </p:txBody>
-      </p:sp>
-      <p:sp>
-        <p:nvSpPr>
-          <p:cNvPr id="6" name="Rounded Rectangle 5">
+            <a:endParaRPr lang="en-US"/>
+          </a:p>
+        </p:txBody>
+      </p:sp>
+      <p:grpSp>
+        <p:nvGrpSpPr>
+          <p:cNvPr id="2" name="Group 1">
             <a:extLst>
               <a:ext uri="{FF2B5EF4-FFF2-40B4-BE49-F238E27FC236}">
-                <a16:creationId xmlns:a16="http://schemas.microsoft.com/office/drawing/2014/main" id="{1F41B35D-1008-CA42-1C36-5DD89A48C8D6}"/>
+                <a16:creationId xmlns:a16="http://schemas.microsoft.com/office/drawing/2014/main" id="{7F42CFA6-5085-4791-BD47-90B2BA05F29D}"/>
               </a:ext>
             </a:extLst>
           </p:cNvPr>
-          <p:cNvSpPr/>
+          <p:cNvGrpSpPr/>
           <p:nvPr/>
-        </p:nvSpPr>
-        <p:spPr>
-          <a:xfrm>
-            <a:off x="8262937" y="2031208"/>
+        </p:nvGrpSpPr>
+        <p:grpSpPr>
+          <a:xfrm>
+            <a:off x="614363" y="2031208"/>
             <a:ext cx="2871788" cy="2207418"/>
-          </a:xfrm>
-          <a:prstGeom prst="roundRect">
-            <a:avLst/>
-          </a:prstGeom>
-        </p:spPr>
-        <p:style>
-          <a:lnRef idx="2">
-            <a:schemeClr val="accent1">
-              <a:shade val="15000"/>
-            </a:schemeClr>
-          </a:lnRef>
-          <a:fillRef idx="1">
-            <a:schemeClr val="accent1"/>
-          </a:fillRef>
-          <a:effectRef idx="0">
-            <a:schemeClr val="accent1"/>
-          </a:effectRef>
-          <a:fontRef idx="minor">
-            <a:schemeClr val="lt1"/>
-          </a:fontRef>
-        </p:style>
-        <p:txBody>
-          <a:bodyPr rtlCol="0" anchor="ctr"/>
-          <a:lstStyle/>
-          <a:p>
-            <a:pPr algn="ctr"/>
-            <a:endParaRPr lang="en-US"/>
-          </a:p>
-        </p:txBody>
-      </p:sp>
-      <p:sp>
-        <p:nvSpPr>
-          <p:cNvPr id="7" name="Right Arrow 6">
+            <a:chOff x="614363" y="2031208"/>
+            <a:chExt cx="2871788" cy="2207418"/>
+          </a:xfrm>
+        </p:grpSpPr>
+        <p:sp>
+          <p:nvSpPr>
+            <p:cNvPr id="4" name="Rounded Rectangle 3">
+              <a:extLst>
+                <a:ext uri="{FF2B5EF4-FFF2-40B4-BE49-F238E27FC236}">
+                  <a16:creationId xmlns:a16="http://schemas.microsoft.com/office/drawing/2014/main" id="{C5C50627-2E6A-B9C4-7418-87D4439A110B}"/>
+                </a:ext>
+              </a:extLst>
+            </p:cNvPr>
+            <p:cNvSpPr/>
+            <p:nvPr/>
+          </p:nvSpPr>
+          <p:spPr>
+            <a:xfrm>
+              <a:off x="614363" y="2031208"/>
+              <a:ext cx="2871788" cy="2207418"/>
+            </a:xfrm>
+            <a:prstGeom prst="roundRect">
+              <a:avLst/>
+            </a:prstGeom>
+          </p:spPr>
+          <p:style>
+            <a:lnRef idx="2">
+              <a:schemeClr val="accent1">
+                <a:shade val="15000"/>
+              </a:schemeClr>
+            </a:lnRef>
+            <a:fillRef idx="1">
+              <a:schemeClr val="accent1"/>
+            </a:fillRef>
+            <a:effectRef idx="0">
+              <a:schemeClr val="accent1"/>
+            </a:effectRef>
+            <a:fontRef idx="minor">
+              <a:schemeClr val="lt1"/>
+            </a:fontRef>
+          </p:style>
+          <p:txBody>
+            <a:bodyPr rtlCol="0" anchor="ctr"/>
+            <a:lstStyle/>
+            <a:p>
+              <a:pPr algn="ctr"/>
+              <a:endParaRPr lang="en-US"/>
+            </a:p>
+          </p:txBody>
+        </p:sp>
+        <p:sp>
+          <p:nvSpPr>
+            <p:cNvPr id="9" name="TextBox 8">
+              <a:extLst>
+                <a:ext uri="{FF2B5EF4-FFF2-40B4-BE49-F238E27FC236}">
+                  <a16:creationId xmlns:a16="http://schemas.microsoft.com/office/drawing/2014/main" id="{2D56B6D1-1C92-D833-66B7-1F69DADD28EF}"/>
+                </a:ext>
+              </a:extLst>
+            </p:cNvPr>
+            <p:cNvSpPr txBox="1"/>
+            <p:nvPr/>
+          </p:nvSpPr>
+          <p:spPr>
+            <a:xfrm>
+              <a:off x="957263" y="2457450"/>
+              <a:ext cx="2143125" cy="1200329"/>
+            </a:xfrm>
+            <a:prstGeom prst="rect">
+              <a:avLst/>
+            </a:prstGeom>
+            <a:noFill/>
+          </p:spPr>
+          <p:txBody>
+            <a:bodyPr wrap="square" rtlCol="0">
+              <a:spAutoFit/>
+            </a:bodyPr>
+            <a:lstStyle/>
+            <a:p>
+              <a:pPr algn="ctr"/>
+              <a:r>
+                <a:rPr lang="en-US" sz="2400" dirty="0">
+                  <a:latin typeface="Gill Sans MT" panose="020B0502020104020203" pitchFamily="34" charset="77"/>
+                </a:rPr>
+                <a:t>Change value of an input slider</a:t>
+              </a:r>
+            </a:p>
+          </p:txBody>
+        </p:sp>
+      </p:grpSp>
+      <p:grpSp>
+        <p:nvGrpSpPr>
+          <p:cNvPr id="13" name="Group 12">
             <a:extLst>
               <a:ext uri="{FF2B5EF4-FFF2-40B4-BE49-F238E27FC236}">
-                <a16:creationId xmlns:a16="http://schemas.microsoft.com/office/drawing/2014/main" id="{D1D9C5A7-AABA-FCE5-5133-2B4BAA8D22BF}"/>
+                <a16:creationId xmlns:a16="http://schemas.microsoft.com/office/drawing/2014/main" id="{EDC462F1-2674-43DF-B881-4F6668A47CF3}"/>
               </a:ext>
             </a:extLst>
           </p:cNvPr>
-          <p:cNvSpPr/>
+          <p:cNvGrpSpPr/>
           <p:nvPr/>
-        </p:nvSpPr>
-        <p:spPr>
-          <a:xfrm>
-            <a:off x="3669506" y="2906317"/>
-            <a:ext cx="585788" cy="522683"/>
-          </a:xfrm>
-          <a:prstGeom prst="rightArrow">
-            <a:avLst/>
-          </a:prstGeom>
-        </p:spPr>
-        <p:style>
-          <a:lnRef idx="2">
-            <a:schemeClr val="accent1">
-              <a:shade val="15000"/>
-            </a:schemeClr>
-          </a:lnRef>
-          <a:fillRef idx="1">
-            <a:schemeClr val="accent1"/>
-          </a:fillRef>
-          <a:effectRef idx="0">
-            <a:schemeClr val="accent1"/>
-          </a:effectRef>
-          <a:fontRef idx="minor">
-            <a:schemeClr val="lt1"/>
-          </a:fontRef>
-        </p:style>
-        <p:txBody>
-          <a:bodyPr rtlCol="0" anchor="ctr"/>
-          <a:lstStyle/>
-          <a:p>
-            <a:pPr algn="ctr"/>
-            <a:endParaRPr lang="en-US"/>
-          </a:p>
-        </p:txBody>
-      </p:sp>
-      <p:sp>
-        <p:nvSpPr>
-          <p:cNvPr id="8" name="Right Arrow 7">
+        </p:nvGrpSpPr>
+        <p:grpSpPr>
+          <a:xfrm>
+            <a:off x="4438650" y="2031208"/>
+            <a:ext cx="2871788" cy="2207418"/>
+            <a:chOff x="4438650" y="2031208"/>
+            <a:chExt cx="2871788" cy="2207418"/>
+          </a:xfrm>
+        </p:grpSpPr>
+        <p:sp>
+          <p:nvSpPr>
+            <p:cNvPr id="5" name="Rounded Rectangle 4">
+              <a:extLst>
+                <a:ext uri="{FF2B5EF4-FFF2-40B4-BE49-F238E27FC236}">
+                  <a16:creationId xmlns:a16="http://schemas.microsoft.com/office/drawing/2014/main" id="{B75DA14F-C1B5-7A84-A6F5-1751C1A2BAF4}"/>
+                </a:ext>
+              </a:extLst>
+            </p:cNvPr>
+            <p:cNvSpPr/>
+            <p:nvPr/>
+          </p:nvSpPr>
+          <p:spPr>
+            <a:xfrm>
+              <a:off x="4438650" y="2031208"/>
+              <a:ext cx="2871788" cy="2207418"/>
+            </a:xfrm>
+            <a:prstGeom prst="roundRect">
+              <a:avLst/>
+            </a:prstGeom>
+          </p:spPr>
+          <p:style>
+            <a:lnRef idx="2">
+              <a:schemeClr val="accent1">
+                <a:shade val="15000"/>
+              </a:schemeClr>
+            </a:lnRef>
+            <a:fillRef idx="1">
+              <a:schemeClr val="accent1"/>
+            </a:fillRef>
+            <a:effectRef idx="0">
+              <a:schemeClr val="accent1"/>
+            </a:effectRef>
+            <a:fontRef idx="minor">
+              <a:schemeClr val="lt1"/>
+            </a:fontRef>
+          </p:style>
+          <p:txBody>
+            <a:bodyPr rtlCol="0" anchor="ctr"/>
+            <a:lstStyle/>
+            <a:p>
+              <a:pPr algn="ctr"/>
+              <a:endParaRPr lang="en-US" dirty="0"/>
+            </a:p>
+          </p:txBody>
+        </p:sp>
+        <p:sp>
+          <p:nvSpPr>
+            <p:cNvPr id="10" name="TextBox 9">
+              <a:extLst>
+                <a:ext uri="{FF2B5EF4-FFF2-40B4-BE49-F238E27FC236}">
+                  <a16:creationId xmlns:a16="http://schemas.microsoft.com/office/drawing/2014/main" id="{B7825A19-E77D-6968-E3E5-043333DAD075}"/>
+                </a:ext>
+              </a:extLst>
+            </p:cNvPr>
+            <p:cNvSpPr txBox="1"/>
+            <p:nvPr/>
+          </p:nvSpPr>
+          <p:spPr>
+            <a:xfrm>
+              <a:off x="4766072" y="2272784"/>
+              <a:ext cx="2216943" cy="1569660"/>
+            </a:xfrm>
+            <a:prstGeom prst="rect">
+              <a:avLst/>
+            </a:prstGeom>
+            <a:noFill/>
+          </p:spPr>
+          <p:txBody>
+            <a:bodyPr wrap="square" rtlCol="0">
+              <a:spAutoFit/>
+            </a:bodyPr>
+            <a:lstStyle/>
+            <a:p>
+              <a:pPr algn="ctr"/>
+              <a:r>
+                <a:rPr lang="en-US" sz="2400" dirty="0">
+                  <a:latin typeface="Gill Sans MT" panose="020B0502020104020203" pitchFamily="34" charset="77"/>
+                </a:rPr>
+                <a:t>Run a statistical model (slow, computationally expensive)</a:t>
+              </a:r>
+            </a:p>
+          </p:txBody>
+        </p:sp>
+      </p:grpSp>
+      <p:grpSp>
+        <p:nvGrpSpPr>
+          <p:cNvPr id="14" name="Group 13">
             <a:extLst>
               <a:ext uri="{FF2B5EF4-FFF2-40B4-BE49-F238E27FC236}">
-                <a16:creationId xmlns:a16="http://schemas.microsoft.com/office/drawing/2014/main" id="{8D109CC6-3BED-B2DB-3976-EB7A94AEBACC}"/>
+                <a16:creationId xmlns:a16="http://schemas.microsoft.com/office/drawing/2014/main" id="{FA31CD5C-E503-43C8-B768-0D0687A83175}"/>
               </a:ext>
             </a:extLst>
           </p:cNvPr>
-          <p:cNvSpPr/>
+          <p:cNvGrpSpPr/>
           <p:nvPr/>
-        </p:nvSpPr>
-        <p:spPr>
-          <a:xfrm>
-            <a:off x="7491412" y="2873575"/>
-            <a:ext cx="585788" cy="522683"/>
-          </a:xfrm>
-          <a:prstGeom prst="rightArrow">
-            <a:avLst/>
-          </a:prstGeom>
-        </p:spPr>
-        <p:style>
-          <a:lnRef idx="2">
-            <a:schemeClr val="accent1">
-              <a:shade val="15000"/>
-            </a:schemeClr>
-          </a:lnRef>
-          <a:fillRef idx="1">
-            <a:schemeClr val="accent1"/>
-          </a:fillRef>
-          <a:effectRef idx="0">
-            <a:schemeClr val="accent1"/>
-          </a:effectRef>
-          <a:fontRef idx="minor">
-            <a:schemeClr val="lt1"/>
-          </a:fontRef>
-        </p:style>
-        <p:txBody>
-          <a:bodyPr rtlCol="0" anchor="ctr"/>
-          <a:lstStyle/>
-          <a:p>
-            <a:pPr algn="ctr"/>
-            <a:endParaRPr lang="en-US"/>
-          </a:p>
-        </p:txBody>
-      </p:sp>
-      <p:sp>
-        <p:nvSpPr>
-          <p:cNvPr id="9" name="TextBox 8">
-            <a:extLst>
-              <a:ext uri="{FF2B5EF4-FFF2-40B4-BE49-F238E27FC236}">
-                <a16:creationId xmlns:a16="http://schemas.microsoft.com/office/drawing/2014/main" id="{2D56B6D1-1C92-D833-66B7-1F69DADD28EF}"/>
-              </a:ext>
-            </a:extLst>
-          </p:cNvPr>
-          <p:cNvSpPr txBox="1"/>
-          <p:nvPr/>
-        </p:nvSpPr>
-        <p:spPr>
-          <a:xfrm>
-            <a:off x="957263" y="2457450"/>
-            <a:ext cx="2143125" cy="1200329"/>
-          </a:xfrm>
-          <a:prstGeom prst="rect">
-            <a:avLst/>
-          </a:prstGeom>
-          <a:noFill/>
-        </p:spPr>
-        <p:txBody>
-          <a:bodyPr wrap="square" rtlCol="0">
-            <a:spAutoFit/>
-          </a:bodyPr>
-          <a:lstStyle/>
-          <a:p>
-            <a:pPr algn="ctr"/>
-            <a:r>
-              <a:rPr lang="en-US" sz="2400" dirty="0">
-                <a:latin typeface="Gill Sans MT" panose="020B0502020104020203" pitchFamily="34" charset="77"/>
-              </a:rPr>
-              <a:t>Change value of an input slider</a:t>
-            </a:r>
-          </a:p>
-        </p:txBody>
-      </p:sp>
-      <p:sp>
-        <p:nvSpPr>
-          <p:cNvPr id="10" name="TextBox 9">
-            <a:extLst>
-              <a:ext uri="{FF2B5EF4-FFF2-40B4-BE49-F238E27FC236}">
-                <a16:creationId xmlns:a16="http://schemas.microsoft.com/office/drawing/2014/main" id="{B7825A19-E77D-6968-E3E5-043333DAD075}"/>
-              </a:ext>
-            </a:extLst>
-          </p:cNvPr>
-          <p:cNvSpPr txBox="1"/>
-          <p:nvPr/>
-        </p:nvSpPr>
-        <p:spPr>
-          <a:xfrm>
-            <a:off x="4766072" y="2272784"/>
-            <a:ext cx="2216943" cy="1569660"/>
-          </a:xfrm>
-          <a:prstGeom prst="rect">
-            <a:avLst/>
-          </a:prstGeom>
-          <a:noFill/>
-        </p:spPr>
-        <p:txBody>
-          <a:bodyPr wrap="square" rtlCol="0">
-            <a:spAutoFit/>
-          </a:bodyPr>
-          <a:lstStyle/>
-          <a:p>
-            <a:pPr algn="ctr"/>
-            <a:r>
-              <a:rPr lang="en-US" sz="2400" dirty="0">
-                <a:latin typeface="Gill Sans MT" panose="020B0502020104020203" pitchFamily="34" charset="77"/>
-              </a:rPr>
-              <a:t>Run a statistical model (slow, computationally expensive)</a:t>
-            </a:r>
-          </a:p>
-        </p:txBody>
-      </p:sp>
-      <p:sp>
-        <p:nvSpPr>
-          <p:cNvPr id="11" name="TextBox 10">
-            <a:extLst>
-              <a:ext uri="{FF2B5EF4-FFF2-40B4-BE49-F238E27FC236}">
-                <a16:creationId xmlns:a16="http://schemas.microsoft.com/office/drawing/2014/main" id="{0B7E588B-9AAE-A3FD-7B8B-F2E12090B902}"/>
-              </a:ext>
-            </a:extLst>
-          </p:cNvPr>
-          <p:cNvSpPr txBox="1"/>
-          <p:nvPr/>
-        </p:nvSpPr>
-        <p:spPr>
-          <a:xfrm>
-            <a:off x="8672512" y="2598003"/>
-            <a:ext cx="2052638" cy="830997"/>
-          </a:xfrm>
-          <a:prstGeom prst="rect">
-            <a:avLst/>
-          </a:prstGeom>
-          <a:noFill/>
-        </p:spPr>
-        <p:txBody>
-          <a:bodyPr wrap="square" rtlCol="0">
-            <a:spAutoFit/>
-          </a:bodyPr>
-          <a:lstStyle/>
-          <a:p>
-            <a:pPr algn="ctr"/>
-            <a:r>
-              <a:rPr lang="en-US" sz="2400" dirty="0">
-                <a:latin typeface="Gill Sans MT" panose="020B0502020104020203" pitchFamily="34" charset="77"/>
-              </a:rPr>
-              <a:t>Update plot output</a:t>
-            </a:r>
-          </a:p>
-        </p:txBody>
-      </p:sp>
+        </p:nvGrpSpPr>
+        <p:grpSpPr>
+          <a:xfrm>
+            <a:off x="8262937" y="2031208"/>
+            <a:ext cx="2871788" cy="2207418"/>
+            <a:chOff x="8262937" y="2031208"/>
+            <a:chExt cx="2871788" cy="2207418"/>
+          </a:xfrm>
+        </p:grpSpPr>
+        <p:sp>
+          <p:nvSpPr>
+            <p:cNvPr id="6" name="Rounded Rectangle 5">
+              <a:extLst>
+                <a:ext uri="{FF2B5EF4-FFF2-40B4-BE49-F238E27FC236}">
+                  <a16:creationId xmlns:a16="http://schemas.microsoft.com/office/drawing/2014/main" id="{1F41B35D-1008-CA42-1C36-5DD89A48C8D6}"/>
+                </a:ext>
+              </a:extLst>
+            </p:cNvPr>
+            <p:cNvSpPr/>
+            <p:nvPr/>
+          </p:nvSpPr>
+          <p:spPr>
+            <a:xfrm>
+              <a:off x="8262937" y="2031208"/>
+              <a:ext cx="2871788" cy="2207418"/>
+            </a:xfrm>
+            <a:prstGeom prst="roundRect">
+              <a:avLst/>
+            </a:prstGeom>
+          </p:spPr>
+          <p:style>
+            <a:lnRef idx="2">
+              <a:schemeClr val="accent1">
+                <a:shade val="15000"/>
+              </a:schemeClr>
+            </a:lnRef>
+            <a:fillRef idx="1">
+              <a:schemeClr val="accent1"/>
+            </a:fillRef>
+            <a:effectRef idx="0">
+              <a:schemeClr val="accent1"/>
+            </a:effectRef>
+            <a:fontRef idx="minor">
+              <a:schemeClr val="lt1"/>
+            </a:fontRef>
+          </p:style>
+          <p:txBody>
+            <a:bodyPr rtlCol="0" anchor="ctr"/>
+            <a:lstStyle/>
+            <a:p>
+              <a:pPr algn="ctr"/>
+              <a:endParaRPr lang="en-US"/>
+            </a:p>
+          </p:txBody>
+        </p:sp>
+        <p:sp>
+          <p:nvSpPr>
+            <p:cNvPr id="11" name="TextBox 10">
+              <a:extLst>
+                <a:ext uri="{FF2B5EF4-FFF2-40B4-BE49-F238E27FC236}">
+                  <a16:creationId xmlns:a16="http://schemas.microsoft.com/office/drawing/2014/main" id="{0B7E588B-9AAE-A3FD-7B8B-F2E12090B902}"/>
+                </a:ext>
+              </a:extLst>
+            </p:cNvPr>
+            <p:cNvSpPr txBox="1"/>
+            <p:nvPr/>
+          </p:nvSpPr>
+          <p:spPr>
+            <a:xfrm>
+              <a:off x="8672512" y="2598003"/>
+              <a:ext cx="2052638" cy="830997"/>
+            </a:xfrm>
+            <a:prstGeom prst="rect">
+              <a:avLst/>
+            </a:prstGeom>
+            <a:noFill/>
+          </p:spPr>
+          <p:txBody>
+            <a:bodyPr wrap="square" rtlCol="0">
+              <a:spAutoFit/>
+            </a:bodyPr>
+            <a:lstStyle/>
+            <a:p>
+              <a:pPr algn="ctr"/>
+              <a:r>
+                <a:rPr lang="en-US" sz="2400" dirty="0">
+                  <a:latin typeface="Gill Sans MT" panose="020B0502020104020203" pitchFamily="34" charset="77"/>
+                </a:rPr>
+                <a:t>Update plot output</a:t>
+              </a:r>
+            </a:p>
+          </p:txBody>
+        </p:sp>
+      </p:grpSp>
       <p:pic>
         <p:nvPicPr>
           <p:cNvPr id="3" name="Graphic 2" descr="Close with solid fill">
@@ -12733,6 +13248,216 @@
           </a:prstGeom>
         </p:spPr>
       </p:pic>
+      <p:grpSp>
+        <p:nvGrpSpPr>
+          <p:cNvPr id="15" name="Group 14">
+            <a:extLst>
+              <a:ext uri="{FF2B5EF4-FFF2-40B4-BE49-F238E27FC236}">
+                <a16:creationId xmlns:a16="http://schemas.microsoft.com/office/drawing/2014/main" id="{26DE6F97-5664-4A39-9EFA-3A9B8FCBE8BA}"/>
+              </a:ext>
+            </a:extLst>
+          </p:cNvPr>
+          <p:cNvGrpSpPr/>
+          <p:nvPr/>
+        </p:nvGrpSpPr>
+        <p:grpSpPr>
+          <a:xfrm>
+            <a:off x="614363" y="3469588"/>
+            <a:ext cx="2871788" cy="2207418"/>
+            <a:chOff x="614363" y="2031208"/>
+            <a:chExt cx="2871788" cy="2207418"/>
+          </a:xfrm>
+        </p:grpSpPr>
+        <p:sp>
+          <p:nvSpPr>
+            <p:cNvPr id="16" name="Rounded Rectangle 3">
+              <a:extLst>
+                <a:ext uri="{FF2B5EF4-FFF2-40B4-BE49-F238E27FC236}">
+                  <a16:creationId xmlns:a16="http://schemas.microsoft.com/office/drawing/2014/main" id="{333B0216-5D81-4250-9502-D78ED918EEE0}"/>
+                </a:ext>
+              </a:extLst>
+            </p:cNvPr>
+            <p:cNvSpPr/>
+            <p:nvPr/>
+          </p:nvSpPr>
+          <p:spPr>
+            <a:xfrm>
+              <a:off x="614363" y="2031208"/>
+              <a:ext cx="2871788" cy="2207418"/>
+            </a:xfrm>
+            <a:prstGeom prst="roundRect">
+              <a:avLst/>
+            </a:prstGeom>
+          </p:spPr>
+          <p:style>
+            <a:lnRef idx="2">
+              <a:schemeClr val="accent1">
+                <a:shade val="15000"/>
+              </a:schemeClr>
+            </a:lnRef>
+            <a:fillRef idx="1">
+              <a:schemeClr val="accent1"/>
+            </a:fillRef>
+            <a:effectRef idx="0">
+              <a:schemeClr val="accent1"/>
+            </a:effectRef>
+            <a:fontRef idx="minor">
+              <a:schemeClr val="lt1"/>
+            </a:fontRef>
+          </p:style>
+          <p:txBody>
+            <a:bodyPr rtlCol="0" anchor="ctr"/>
+            <a:lstStyle/>
+            <a:p>
+              <a:pPr algn="ctr"/>
+              <a:endParaRPr lang="en-US"/>
+            </a:p>
+          </p:txBody>
+        </p:sp>
+        <p:sp>
+          <p:nvSpPr>
+            <p:cNvPr id="17" name="TextBox 16">
+              <a:extLst>
+                <a:ext uri="{FF2B5EF4-FFF2-40B4-BE49-F238E27FC236}">
+                  <a16:creationId xmlns:a16="http://schemas.microsoft.com/office/drawing/2014/main" id="{2A5DF6EE-ED38-439F-928B-9E929B4334D1}"/>
+                </a:ext>
+              </a:extLst>
+            </p:cNvPr>
+            <p:cNvSpPr txBox="1"/>
+            <p:nvPr/>
+          </p:nvSpPr>
+          <p:spPr>
+            <a:xfrm>
+              <a:off x="957263" y="2457450"/>
+              <a:ext cx="2143125" cy="1200329"/>
+            </a:xfrm>
+            <a:prstGeom prst="rect">
+              <a:avLst/>
+            </a:prstGeom>
+            <a:noFill/>
+          </p:spPr>
+          <p:txBody>
+            <a:bodyPr wrap="square" rtlCol="0">
+              <a:spAutoFit/>
+            </a:bodyPr>
+            <a:lstStyle/>
+            <a:p>
+              <a:pPr algn="ctr"/>
+              <a:r>
+                <a:rPr lang="en-US" sz="2400" dirty="0">
+                  <a:latin typeface="Gill Sans MT" panose="020B0502020104020203" pitchFamily="34" charset="77"/>
+                </a:rPr>
+                <a:t>Change value of an input slider</a:t>
+              </a:r>
+            </a:p>
+          </p:txBody>
+        </p:sp>
+      </p:grpSp>
+      <p:grpSp>
+        <p:nvGrpSpPr>
+          <p:cNvPr id="18" name="Group 17">
+            <a:extLst>
+              <a:ext uri="{FF2B5EF4-FFF2-40B4-BE49-F238E27FC236}">
+                <a16:creationId xmlns:a16="http://schemas.microsoft.com/office/drawing/2014/main" id="{40C1A88C-DA59-4D92-B508-130CE725A460}"/>
+              </a:ext>
+            </a:extLst>
+          </p:cNvPr>
+          <p:cNvGrpSpPr/>
+          <p:nvPr/>
+        </p:nvGrpSpPr>
+        <p:grpSpPr>
+          <a:xfrm>
+            <a:off x="614363" y="4650582"/>
+            <a:ext cx="2871788" cy="2207418"/>
+            <a:chOff x="614363" y="2031208"/>
+            <a:chExt cx="2871788" cy="2207418"/>
+          </a:xfrm>
+        </p:grpSpPr>
+        <p:sp>
+          <p:nvSpPr>
+            <p:cNvPr id="19" name="Rounded Rectangle 3">
+              <a:extLst>
+                <a:ext uri="{FF2B5EF4-FFF2-40B4-BE49-F238E27FC236}">
+                  <a16:creationId xmlns:a16="http://schemas.microsoft.com/office/drawing/2014/main" id="{E1B8FC48-56C2-4925-A9F9-DBED638425F0}"/>
+                </a:ext>
+              </a:extLst>
+            </p:cNvPr>
+            <p:cNvSpPr/>
+            <p:nvPr/>
+          </p:nvSpPr>
+          <p:spPr>
+            <a:xfrm>
+              <a:off x="614363" y="2031208"/>
+              <a:ext cx="2871788" cy="2207418"/>
+            </a:xfrm>
+            <a:prstGeom prst="roundRect">
+              <a:avLst/>
+            </a:prstGeom>
+          </p:spPr>
+          <p:style>
+            <a:lnRef idx="2">
+              <a:schemeClr val="accent1">
+                <a:shade val="15000"/>
+              </a:schemeClr>
+            </a:lnRef>
+            <a:fillRef idx="1">
+              <a:schemeClr val="accent1"/>
+            </a:fillRef>
+            <a:effectRef idx="0">
+              <a:schemeClr val="accent1"/>
+            </a:effectRef>
+            <a:fontRef idx="minor">
+              <a:schemeClr val="lt1"/>
+            </a:fontRef>
+          </p:style>
+          <p:txBody>
+            <a:bodyPr rtlCol="0" anchor="ctr"/>
+            <a:lstStyle/>
+            <a:p>
+              <a:pPr algn="ctr"/>
+              <a:endParaRPr lang="en-US"/>
+            </a:p>
+          </p:txBody>
+        </p:sp>
+        <p:sp>
+          <p:nvSpPr>
+            <p:cNvPr id="20" name="TextBox 19">
+              <a:extLst>
+                <a:ext uri="{FF2B5EF4-FFF2-40B4-BE49-F238E27FC236}">
+                  <a16:creationId xmlns:a16="http://schemas.microsoft.com/office/drawing/2014/main" id="{C887307B-08C9-42FB-8F34-DD0CD214275B}"/>
+                </a:ext>
+              </a:extLst>
+            </p:cNvPr>
+            <p:cNvSpPr txBox="1"/>
+            <p:nvPr/>
+          </p:nvSpPr>
+          <p:spPr>
+            <a:xfrm>
+              <a:off x="957263" y="2457450"/>
+              <a:ext cx="2143125" cy="1200329"/>
+            </a:xfrm>
+            <a:prstGeom prst="rect">
+              <a:avLst/>
+            </a:prstGeom>
+            <a:noFill/>
+          </p:spPr>
+          <p:txBody>
+            <a:bodyPr wrap="square" rtlCol="0">
+              <a:spAutoFit/>
+            </a:bodyPr>
+            <a:lstStyle/>
+            <a:p>
+              <a:pPr algn="ctr"/>
+              <a:r>
+                <a:rPr lang="en-US" sz="2400" dirty="0">
+                  <a:latin typeface="Gill Sans MT" panose="020B0502020104020203" pitchFamily="34" charset="77"/>
+                </a:rPr>
+                <a:t>Change value of an input slider</a:t>
+              </a:r>
+            </a:p>
+          </p:txBody>
+        </p:sp>
+      </p:grpSp>
     </p:spTree>
     <p:extLst>
       <p:ext uri="{BB962C8B-B14F-4D97-AF65-F5344CB8AC3E}">
@@ -12743,6 +13468,18 @@
   <p:clrMapOvr>
     <a:masterClrMapping/>
   </p:clrMapOvr>
+  <mc:AlternateContent xmlns:mc="http://schemas.openxmlformats.org/markup-compatibility/2006">
+    <mc:Choice xmlns:p14="http://schemas.microsoft.com/office/powerpoint/2010/main" Requires="p14">
+      <p:transition spd="med" p14:dur="700">
+        <p:fade/>
+      </p:transition>
+    </mc:Choice>
+    <mc:Fallback>
+      <p:transition spd="med">
+        <p:fade/>
+      </p:transition>
+    </mc:Fallback>
+  </mc:AlternateContent>
   <p:timing>
     <p:tnLst>
       <p:par>
@@ -12764,7 +13501,7 @@
                             </p:stCondLst>
                             <p:childTnLst>
                               <p:par>
-                                <p:cTn id="5" presetID="1" presetClass="entr" presetSubtype="0" fill="hold" nodeType="clickEffect">
+                                <p:cTn id="5" presetID="10" presetClass="entr" presetSubtype="0" fill="hold" nodeType="clickEffect">
                                   <p:stCondLst>
                                     <p:cond delay="0"/>
                                   </p:stCondLst>
@@ -12772,6 +13509,103 @@
                                     <p:set>
                                       <p:cBhvr>
                                         <p:cTn id="6" dur="1" fill="hold">
+                                          <p:stCondLst>
+                                            <p:cond delay="0"/>
+                                          </p:stCondLst>
+                                        </p:cTn>
+                                        <p:tgtEl>
+                                          <p:spTgt spid="15"/>
+                                        </p:tgtEl>
+                                        <p:attrNameLst>
+                                          <p:attrName>style.visibility</p:attrName>
+                                        </p:attrNameLst>
+                                      </p:cBhvr>
+                                      <p:to>
+                                        <p:strVal val="visible"/>
+                                      </p:to>
+                                    </p:set>
+                                    <p:animEffect transition="in" filter="fade">
+                                      <p:cBhvr>
+                                        <p:cTn id="7" dur="500"/>
+                                        <p:tgtEl>
+                                          <p:spTgt spid="15"/>
+                                        </p:tgtEl>
+                                      </p:cBhvr>
+                                    </p:animEffect>
+                                  </p:childTnLst>
+                                </p:cTn>
+                              </p:par>
+                            </p:childTnLst>
+                          </p:cTn>
+                        </p:par>
+                        <p:par>
+                          <p:cTn id="8" fill="hold">
+                            <p:stCondLst>
+                              <p:cond delay="500"/>
+                            </p:stCondLst>
+                            <p:childTnLst>
+                              <p:par>
+                                <p:cTn id="9" presetID="10" presetClass="entr" presetSubtype="0" fill="hold" nodeType="afterEffect">
+                                  <p:stCondLst>
+                                    <p:cond delay="0"/>
+                                  </p:stCondLst>
+                                  <p:childTnLst>
+                                    <p:set>
+                                      <p:cBhvr>
+                                        <p:cTn id="10" dur="1" fill="hold">
+                                          <p:stCondLst>
+                                            <p:cond delay="0"/>
+                                          </p:stCondLst>
+                                        </p:cTn>
+                                        <p:tgtEl>
+                                          <p:spTgt spid="18"/>
+                                        </p:tgtEl>
+                                        <p:attrNameLst>
+                                          <p:attrName>style.visibility</p:attrName>
+                                        </p:attrNameLst>
+                                      </p:cBhvr>
+                                      <p:to>
+                                        <p:strVal val="visible"/>
+                                      </p:to>
+                                    </p:set>
+                                    <p:animEffect transition="in" filter="fade">
+                                      <p:cBhvr>
+                                        <p:cTn id="11" dur="500"/>
+                                        <p:tgtEl>
+                                          <p:spTgt spid="18"/>
+                                        </p:tgtEl>
+                                      </p:cBhvr>
+                                    </p:animEffect>
+                                  </p:childTnLst>
+                                </p:cTn>
+                              </p:par>
+                            </p:childTnLst>
+                          </p:cTn>
+                        </p:par>
+                      </p:childTnLst>
+                    </p:cTn>
+                  </p:par>
+                  <p:par>
+                    <p:cTn id="12" fill="hold">
+                      <p:stCondLst>
+                        <p:cond delay="indefinite"/>
+                      </p:stCondLst>
+                      <p:childTnLst>
+                        <p:par>
+                          <p:cTn id="13" fill="hold">
+                            <p:stCondLst>
+                              <p:cond delay="0"/>
+                            </p:stCondLst>
+                            <p:childTnLst>
+                              <p:par>
+                                <p:cTn id="14" presetID="10" presetClass="entr" presetSubtype="0" fill="hold" nodeType="clickEffect">
+                                  <p:stCondLst>
+                                    <p:cond delay="0"/>
+                                  </p:stCondLst>
+                                  <p:childTnLst>
+                                    <p:set>
+                                      <p:cBhvr>
+                                        <p:cTn id="15" dur="1" fill="hold">
                                           <p:stCondLst>
                                             <p:cond delay="0"/>
                                           </p:stCondLst>
@@ -12787,6 +13621,14 @@
                                         <p:strVal val="visible"/>
                                       </p:to>
                                     </p:set>
+                                    <p:animEffect transition="in" filter="fade">
+                                      <p:cBhvr>
+                                        <p:cTn id="16" dur="500"/>
+                                        <p:tgtEl>
+                                          <p:spTgt spid="3"/>
+                                        </p:tgtEl>
+                                      </p:cBhvr>
+                                    </p:animEffect>
                                   </p:childTnLst>
                                 </p:cTn>
                               </p:par>
@@ -12947,6 +13789,18 @@
   <p:clrMapOvr>
     <a:masterClrMapping/>
   </p:clrMapOvr>
+  <mc:AlternateContent xmlns:mc="http://schemas.openxmlformats.org/markup-compatibility/2006">
+    <mc:Choice xmlns:p14="http://schemas.microsoft.com/office/powerpoint/2010/main" Requires="p14">
+      <p:transition spd="med" p14:dur="700">
+        <p:fade/>
+      </p:transition>
+    </mc:Choice>
+    <mc:Fallback>
+      <p:transition spd="med">
+        <p:fade/>
+      </p:transition>
+    </mc:Fallback>
+  </mc:AlternateContent>
 </p:sld>
 </file>
 
@@ -12969,10 +13823,10 @@
       </p:grpSpPr>
       <p:sp>
         <p:nvSpPr>
-          <p:cNvPr id="2" name="Title 1">
+          <p:cNvPr id="6" name="Title 5">
             <a:extLst>
               <a:ext uri="{FF2B5EF4-FFF2-40B4-BE49-F238E27FC236}">
-                <a16:creationId xmlns:a16="http://schemas.microsoft.com/office/drawing/2014/main" id="{3CC88DF9-746D-F6B7-11AD-D3B3D66B97FC}"/>
+                <a16:creationId xmlns:a16="http://schemas.microsoft.com/office/drawing/2014/main" id="{5B0BB11D-9AC5-47C1-9D86-5A3BEDE64C03}"/>
               </a:ext>
             </a:extLst>
           </p:cNvPr>
@@ -12983,46 +13837,20 @@
             <p:ph type="title"/>
           </p:nvPr>
         </p:nvSpPr>
-        <p:spPr/>
+        <p:spPr>
+          <a:xfrm>
+            <a:off x="685801" y="609600"/>
+            <a:ext cx="10131425" cy="976029"/>
+          </a:xfrm>
+        </p:spPr>
         <p:txBody>
           <a:bodyPr/>
           <a:lstStyle/>
           <a:p>
-            <a:endParaRPr lang="en-US" dirty="0">
-              <a:latin typeface="Gill Sans MT" panose="020B0502020104020203" pitchFamily="34" charset="77"/>
-            </a:endParaRPr>
-          </a:p>
-        </p:txBody>
-      </p:sp>
-      <p:sp>
-        <p:nvSpPr>
-          <p:cNvPr id="3" name="Content Placeholder 2">
-            <a:extLst>
-              <a:ext uri="{FF2B5EF4-FFF2-40B4-BE49-F238E27FC236}">
-                <a16:creationId xmlns:a16="http://schemas.microsoft.com/office/drawing/2014/main" id="{DA0BFF85-144A-94C4-BE94-FBAD64D95DCC}"/>
-              </a:ext>
-            </a:extLst>
-          </p:cNvPr>
-          <p:cNvSpPr>
-            <a:spLocks noGrp="1"/>
-          </p:cNvSpPr>
-          <p:nvPr>
-            <p:ph idx="1"/>
-          </p:nvPr>
-        </p:nvSpPr>
-        <p:spPr/>
-        <p:txBody>
-          <a:bodyPr>
-            <a:normAutofit/>
-          </a:bodyPr>
-          <a:lstStyle/>
-          <a:p>
-            <a:pPr marL="0" indent="0">
-              <a:buNone/>
-            </a:pPr>
-            <a:endParaRPr lang="en-US" sz="2400" dirty="0">
-              <a:latin typeface="Gill Sans MT" panose="020B0502020104020203" pitchFamily="34" charset="77"/>
-            </a:endParaRPr>
+            <a:r>
+              <a:rPr lang="en-GB" dirty="0"/>
+              <a:t>Example app</a:t>
+            </a:r>
           </a:p>
         </p:txBody>
       </p:sp>
@@ -13041,15 +13869,15 @@
           <p:nvPr/>
         </p:nvPicPr>
         <p:blipFill>
-          <a:blip r:embed="rId2"/>
+          <a:blip r:embed="rId3"/>
           <a:stretch>
             <a:fillRect/>
           </a:stretch>
         </p:blipFill>
         <p:spPr>
           <a:xfrm>
-            <a:off x="291378" y="202655"/>
-            <a:ext cx="11609243" cy="6452689"/>
+            <a:off x="1208470" y="1585629"/>
+            <a:ext cx="9086085" cy="5050259"/>
           </a:xfrm>
           <a:prstGeom prst="rect">
             <a:avLst/>
@@ -13070,7 +13898,7 @@
         </p:nvSpPr>
         <p:spPr>
           <a:xfrm>
-            <a:off x="8207298" y="5926347"/>
+            <a:off x="6835698" y="6051113"/>
             <a:ext cx="3558878" cy="584775"/>
           </a:xfrm>
           <a:prstGeom prst="rect">
@@ -13090,7 +13918,7 @@
                   <a:schemeClr val="bg1"/>
                 </a:solidFill>
                 <a:latin typeface="Gill Sans MT" panose="020B0502020104020203" pitchFamily="34" charset="77"/>
-                <a:hlinkClick r:id="rId3">
+                <a:hlinkClick r:id="rId4">
                   <a:extLst>
                     <a:ext uri="{A12FA001-AC4F-418D-AE19-62706E023703}">
                       <ahyp:hlinkClr xmlns:ahyp="http://schemas.microsoft.com/office/drawing/2018/hyperlinkcolor" val="tx"/>
@@ -13119,6 +13947,18 @@
   <p:clrMapOvr>
     <a:masterClrMapping/>
   </p:clrMapOvr>
+  <mc:AlternateContent xmlns:mc="http://schemas.openxmlformats.org/markup-compatibility/2006">
+    <mc:Choice xmlns:p14="http://schemas.microsoft.com/office/powerpoint/2010/main" Requires="p14">
+      <p:transition spd="med" p14:dur="700">
+        <p:fade/>
+      </p:transition>
+    </mc:Choice>
+    <mc:Fallback>
+      <p:transition spd="med">
+        <p:fade/>
+      </p:transition>
+    </mc:Fallback>
+  </mc:AlternateContent>
 </p:sld>
 </file>
 
@@ -13224,6 +14064,18 @@
   <p:clrMapOvr>
     <a:masterClrMapping/>
   </p:clrMapOvr>
+  <mc:AlternateContent xmlns:mc="http://schemas.openxmlformats.org/markup-compatibility/2006">
+    <mc:Choice xmlns:p14="http://schemas.microsoft.com/office/powerpoint/2010/main" Requires="p14">
+      <p:transition spd="med" p14:dur="700">
+        <p:fade/>
+      </p:transition>
+    </mc:Choice>
+    <mc:Fallback>
+      <p:transition spd="med">
+        <p:fade/>
+      </p:transition>
+    </mc:Fallback>
+  </mc:AlternateContent>
 </p:sld>
 </file>
 
@@ -13383,6 +14235,18 @@
   <p:clrMapOvr>
     <a:masterClrMapping/>
   </p:clrMapOvr>
+  <mc:AlternateContent xmlns:mc="http://schemas.openxmlformats.org/markup-compatibility/2006">
+    <mc:Choice xmlns:p14="http://schemas.microsoft.com/office/powerpoint/2010/main" Requires="p14">
+      <p:transition spd="med" p14:dur="700">
+        <p:fade/>
+      </p:transition>
+    </mc:Choice>
+    <mc:Fallback>
+      <p:transition spd="med">
+        <p:fade/>
+      </p:transition>
+    </mc:Fallback>
+  </mc:AlternateContent>
 </p:sld>
 </file>
 
@@ -13405,6 +14269,705 @@
       </p:grpSpPr>
       <p:sp>
         <p:nvSpPr>
+          <p:cNvPr id="7" name="Right Arrow 6">
+            <a:extLst>
+              <a:ext uri="{FF2B5EF4-FFF2-40B4-BE49-F238E27FC236}">
+                <a16:creationId xmlns:a16="http://schemas.microsoft.com/office/drawing/2014/main" id="{D1D9C5A7-AABA-FCE5-5133-2B4BAA8D22BF}"/>
+              </a:ext>
+            </a:extLst>
+          </p:cNvPr>
+          <p:cNvSpPr/>
+          <p:nvPr/>
+        </p:nvSpPr>
+        <p:spPr>
+          <a:xfrm>
+            <a:off x="3669506" y="2906317"/>
+            <a:ext cx="585788" cy="522683"/>
+          </a:xfrm>
+          <a:prstGeom prst="rightArrow">
+            <a:avLst/>
+          </a:prstGeom>
+        </p:spPr>
+        <p:style>
+          <a:lnRef idx="2">
+            <a:schemeClr val="accent1">
+              <a:shade val="15000"/>
+            </a:schemeClr>
+          </a:lnRef>
+          <a:fillRef idx="1">
+            <a:schemeClr val="accent1"/>
+          </a:fillRef>
+          <a:effectRef idx="0">
+            <a:schemeClr val="accent1"/>
+          </a:effectRef>
+          <a:fontRef idx="minor">
+            <a:schemeClr val="lt1"/>
+          </a:fontRef>
+        </p:style>
+        <p:txBody>
+          <a:bodyPr rtlCol="0" anchor="ctr"/>
+          <a:lstStyle/>
+          <a:p>
+            <a:pPr algn="ctr"/>
+            <a:endParaRPr lang="en-US"/>
+          </a:p>
+        </p:txBody>
+      </p:sp>
+      <p:sp>
+        <p:nvSpPr>
+          <p:cNvPr id="8" name="Right Arrow 7">
+            <a:extLst>
+              <a:ext uri="{FF2B5EF4-FFF2-40B4-BE49-F238E27FC236}">
+                <a16:creationId xmlns:a16="http://schemas.microsoft.com/office/drawing/2014/main" id="{8D109CC6-3BED-B2DB-3976-EB7A94AEBACC}"/>
+              </a:ext>
+            </a:extLst>
+          </p:cNvPr>
+          <p:cNvSpPr/>
+          <p:nvPr/>
+        </p:nvSpPr>
+        <p:spPr>
+          <a:xfrm>
+            <a:off x="7491412" y="2873575"/>
+            <a:ext cx="585788" cy="522683"/>
+          </a:xfrm>
+          <a:prstGeom prst="rightArrow">
+            <a:avLst/>
+          </a:prstGeom>
+        </p:spPr>
+        <p:style>
+          <a:lnRef idx="2">
+            <a:schemeClr val="accent1">
+              <a:shade val="15000"/>
+            </a:schemeClr>
+          </a:lnRef>
+          <a:fillRef idx="1">
+            <a:schemeClr val="accent1"/>
+          </a:fillRef>
+          <a:effectRef idx="0">
+            <a:schemeClr val="accent1"/>
+          </a:effectRef>
+          <a:fontRef idx="minor">
+            <a:schemeClr val="lt1"/>
+          </a:fontRef>
+        </p:style>
+        <p:txBody>
+          <a:bodyPr rtlCol="0" anchor="ctr"/>
+          <a:lstStyle/>
+          <a:p>
+            <a:pPr algn="ctr"/>
+            <a:endParaRPr lang="en-US"/>
+          </a:p>
+        </p:txBody>
+      </p:sp>
+      <p:grpSp>
+        <p:nvGrpSpPr>
+          <p:cNvPr id="12" name="Group 11">
+            <a:extLst>
+              <a:ext uri="{FF2B5EF4-FFF2-40B4-BE49-F238E27FC236}">
+                <a16:creationId xmlns:a16="http://schemas.microsoft.com/office/drawing/2014/main" id="{D8D47B21-2842-4030-BFB2-B616FC597D76}"/>
+              </a:ext>
+            </a:extLst>
+          </p:cNvPr>
+          <p:cNvGrpSpPr/>
+          <p:nvPr/>
+        </p:nvGrpSpPr>
+        <p:grpSpPr>
+          <a:xfrm>
+            <a:off x="614363" y="2031208"/>
+            <a:ext cx="2871788" cy="2207418"/>
+            <a:chOff x="614363" y="2031208"/>
+            <a:chExt cx="2871788" cy="2207418"/>
+          </a:xfrm>
+        </p:grpSpPr>
+        <p:sp>
+          <p:nvSpPr>
+            <p:cNvPr id="4" name="Rounded Rectangle 3">
+              <a:extLst>
+                <a:ext uri="{FF2B5EF4-FFF2-40B4-BE49-F238E27FC236}">
+                  <a16:creationId xmlns:a16="http://schemas.microsoft.com/office/drawing/2014/main" id="{C5C50627-2E6A-B9C4-7418-87D4439A110B}"/>
+                </a:ext>
+              </a:extLst>
+            </p:cNvPr>
+            <p:cNvSpPr/>
+            <p:nvPr/>
+          </p:nvSpPr>
+          <p:spPr>
+            <a:xfrm>
+              <a:off x="614363" y="2031208"/>
+              <a:ext cx="2871788" cy="2207418"/>
+            </a:xfrm>
+            <a:prstGeom prst="roundRect">
+              <a:avLst/>
+            </a:prstGeom>
+          </p:spPr>
+          <p:style>
+            <a:lnRef idx="2">
+              <a:schemeClr val="accent1">
+                <a:shade val="15000"/>
+              </a:schemeClr>
+            </a:lnRef>
+            <a:fillRef idx="1">
+              <a:schemeClr val="accent1"/>
+            </a:fillRef>
+            <a:effectRef idx="0">
+              <a:schemeClr val="accent1"/>
+            </a:effectRef>
+            <a:fontRef idx="minor">
+              <a:schemeClr val="lt1"/>
+            </a:fontRef>
+          </p:style>
+          <p:txBody>
+            <a:bodyPr rtlCol="0" anchor="ctr"/>
+            <a:lstStyle/>
+            <a:p>
+              <a:pPr algn="ctr"/>
+              <a:endParaRPr lang="en-US"/>
+            </a:p>
+          </p:txBody>
+        </p:sp>
+        <p:sp>
+          <p:nvSpPr>
+            <p:cNvPr id="9" name="TextBox 8">
+              <a:extLst>
+                <a:ext uri="{FF2B5EF4-FFF2-40B4-BE49-F238E27FC236}">
+                  <a16:creationId xmlns:a16="http://schemas.microsoft.com/office/drawing/2014/main" id="{2D56B6D1-1C92-D833-66B7-1F69DADD28EF}"/>
+                </a:ext>
+              </a:extLst>
+            </p:cNvPr>
+            <p:cNvSpPr txBox="1"/>
+            <p:nvPr/>
+          </p:nvSpPr>
+          <p:spPr>
+            <a:xfrm>
+              <a:off x="957263" y="2457450"/>
+              <a:ext cx="2143125" cy="1200329"/>
+            </a:xfrm>
+            <a:prstGeom prst="rect">
+              <a:avLst/>
+            </a:prstGeom>
+            <a:noFill/>
+          </p:spPr>
+          <p:txBody>
+            <a:bodyPr wrap="square" rtlCol="0">
+              <a:spAutoFit/>
+            </a:bodyPr>
+            <a:lstStyle/>
+            <a:p>
+              <a:pPr algn="ctr"/>
+              <a:r>
+                <a:rPr lang="en-US" sz="2400" dirty="0">
+                  <a:latin typeface="Gill Sans MT" panose="020B0502020104020203" pitchFamily="34" charset="77"/>
+                </a:rPr>
+                <a:t>Change value of an input slider</a:t>
+              </a:r>
+            </a:p>
+          </p:txBody>
+        </p:sp>
+      </p:grpSp>
+      <p:grpSp>
+        <p:nvGrpSpPr>
+          <p:cNvPr id="13" name="Group 12">
+            <a:extLst>
+              <a:ext uri="{FF2B5EF4-FFF2-40B4-BE49-F238E27FC236}">
+                <a16:creationId xmlns:a16="http://schemas.microsoft.com/office/drawing/2014/main" id="{075A8CE6-19C8-4232-B278-8875A75B56BE}"/>
+              </a:ext>
+            </a:extLst>
+          </p:cNvPr>
+          <p:cNvGrpSpPr/>
+          <p:nvPr/>
+        </p:nvGrpSpPr>
+        <p:grpSpPr>
+          <a:xfrm>
+            <a:off x="4438650" y="2031208"/>
+            <a:ext cx="2871788" cy="2207418"/>
+            <a:chOff x="4438650" y="2031208"/>
+            <a:chExt cx="2871788" cy="2207418"/>
+          </a:xfrm>
+        </p:grpSpPr>
+        <p:sp>
+          <p:nvSpPr>
+            <p:cNvPr id="5" name="Rounded Rectangle 4">
+              <a:extLst>
+                <a:ext uri="{FF2B5EF4-FFF2-40B4-BE49-F238E27FC236}">
+                  <a16:creationId xmlns:a16="http://schemas.microsoft.com/office/drawing/2014/main" id="{B75DA14F-C1B5-7A84-A6F5-1751C1A2BAF4}"/>
+                </a:ext>
+              </a:extLst>
+            </p:cNvPr>
+            <p:cNvSpPr/>
+            <p:nvPr/>
+          </p:nvSpPr>
+          <p:spPr>
+            <a:xfrm>
+              <a:off x="4438650" y="2031208"/>
+              <a:ext cx="2871788" cy="2207418"/>
+            </a:xfrm>
+            <a:prstGeom prst="roundRect">
+              <a:avLst/>
+            </a:prstGeom>
+          </p:spPr>
+          <p:style>
+            <a:lnRef idx="2">
+              <a:schemeClr val="accent1">
+                <a:shade val="15000"/>
+              </a:schemeClr>
+            </a:lnRef>
+            <a:fillRef idx="1">
+              <a:schemeClr val="accent1"/>
+            </a:fillRef>
+            <a:effectRef idx="0">
+              <a:schemeClr val="accent1"/>
+            </a:effectRef>
+            <a:fontRef idx="minor">
+              <a:schemeClr val="lt1"/>
+            </a:fontRef>
+          </p:style>
+          <p:txBody>
+            <a:bodyPr rtlCol="0" anchor="ctr"/>
+            <a:lstStyle/>
+            <a:p>
+              <a:pPr algn="ctr"/>
+              <a:endParaRPr lang="en-US" dirty="0"/>
+            </a:p>
+          </p:txBody>
+        </p:sp>
+        <p:sp>
+          <p:nvSpPr>
+            <p:cNvPr id="10" name="TextBox 9">
+              <a:extLst>
+                <a:ext uri="{FF2B5EF4-FFF2-40B4-BE49-F238E27FC236}">
+                  <a16:creationId xmlns:a16="http://schemas.microsoft.com/office/drawing/2014/main" id="{B7825A19-E77D-6968-E3E5-043333DAD075}"/>
+                </a:ext>
+              </a:extLst>
+            </p:cNvPr>
+            <p:cNvSpPr txBox="1"/>
+            <p:nvPr/>
+          </p:nvSpPr>
+          <p:spPr>
+            <a:xfrm>
+              <a:off x="4766072" y="2272784"/>
+              <a:ext cx="2216943" cy="1569660"/>
+            </a:xfrm>
+            <a:prstGeom prst="rect">
+              <a:avLst/>
+            </a:prstGeom>
+            <a:noFill/>
+          </p:spPr>
+          <p:txBody>
+            <a:bodyPr wrap="square" rtlCol="0">
+              <a:spAutoFit/>
+            </a:bodyPr>
+            <a:lstStyle/>
+            <a:p>
+              <a:pPr algn="ctr"/>
+              <a:r>
+                <a:rPr lang="en-US" sz="2400" dirty="0">
+                  <a:latin typeface="Gill Sans MT" panose="020B0502020104020203" pitchFamily="34" charset="77"/>
+                </a:rPr>
+                <a:t>Run a statistical model (slow, computationally expensive)</a:t>
+              </a:r>
+            </a:p>
+          </p:txBody>
+        </p:sp>
+      </p:grpSp>
+      <p:grpSp>
+        <p:nvGrpSpPr>
+          <p:cNvPr id="14" name="Group 13">
+            <a:extLst>
+              <a:ext uri="{FF2B5EF4-FFF2-40B4-BE49-F238E27FC236}">
+                <a16:creationId xmlns:a16="http://schemas.microsoft.com/office/drawing/2014/main" id="{E5FF6C50-583B-4845-9AEC-7306EEC07B18}"/>
+              </a:ext>
+            </a:extLst>
+          </p:cNvPr>
+          <p:cNvGrpSpPr/>
+          <p:nvPr/>
+        </p:nvGrpSpPr>
+        <p:grpSpPr>
+          <a:xfrm>
+            <a:off x="8262937" y="2031208"/>
+            <a:ext cx="2871788" cy="2207418"/>
+            <a:chOff x="8262937" y="2031208"/>
+            <a:chExt cx="2871788" cy="2207418"/>
+          </a:xfrm>
+        </p:grpSpPr>
+        <p:sp>
+          <p:nvSpPr>
+            <p:cNvPr id="6" name="Rounded Rectangle 5">
+              <a:extLst>
+                <a:ext uri="{FF2B5EF4-FFF2-40B4-BE49-F238E27FC236}">
+                  <a16:creationId xmlns:a16="http://schemas.microsoft.com/office/drawing/2014/main" id="{1F41B35D-1008-CA42-1C36-5DD89A48C8D6}"/>
+                </a:ext>
+              </a:extLst>
+            </p:cNvPr>
+            <p:cNvSpPr/>
+            <p:nvPr/>
+          </p:nvSpPr>
+          <p:spPr>
+            <a:xfrm>
+              <a:off x="8262937" y="2031208"/>
+              <a:ext cx="2871788" cy="2207418"/>
+            </a:xfrm>
+            <a:prstGeom prst="roundRect">
+              <a:avLst/>
+            </a:prstGeom>
+          </p:spPr>
+          <p:style>
+            <a:lnRef idx="2">
+              <a:schemeClr val="accent1">
+                <a:shade val="15000"/>
+              </a:schemeClr>
+            </a:lnRef>
+            <a:fillRef idx="1">
+              <a:schemeClr val="accent1"/>
+            </a:fillRef>
+            <a:effectRef idx="0">
+              <a:schemeClr val="accent1"/>
+            </a:effectRef>
+            <a:fontRef idx="minor">
+              <a:schemeClr val="lt1"/>
+            </a:fontRef>
+          </p:style>
+          <p:txBody>
+            <a:bodyPr rtlCol="0" anchor="ctr"/>
+            <a:lstStyle/>
+            <a:p>
+              <a:pPr algn="ctr"/>
+              <a:endParaRPr lang="en-US"/>
+            </a:p>
+          </p:txBody>
+        </p:sp>
+        <p:sp>
+          <p:nvSpPr>
+            <p:cNvPr id="11" name="TextBox 10">
+              <a:extLst>
+                <a:ext uri="{FF2B5EF4-FFF2-40B4-BE49-F238E27FC236}">
+                  <a16:creationId xmlns:a16="http://schemas.microsoft.com/office/drawing/2014/main" id="{0B7E588B-9AAE-A3FD-7B8B-F2E12090B902}"/>
+                </a:ext>
+              </a:extLst>
+            </p:cNvPr>
+            <p:cNvSpPr txBox="1"/>
+            <p:nvPr/>
+          </p:nvSpPr>
+          <p:spPr>
+            <a:xfrm>
+              <a:off x="8672512" y="2598003"/>
+              <a:ext cx="2052638" cy="830997"/>
+            </a:xfrm>
+            <a:prstGeom prst="rect">
+              <a:avLst/>
+            </a:prstGeom>
+            <a:noFill/>
+          </p:spPr>
+          <p:txBody>
+            <a:bodyPr wrap="square" rtlCol="0">
+              <a:spAutoFit/>
+            </a:bodyPr>
+            <a:lstStyle/>
+            <a:p>
+              <a:pPr algn="ctr"/>
+              <a:r>
+                <a:rPr lang="en-US" sz="2400" dirty="0">
+                  <a:latin typeface="Gill Sans MT" panose="020B0502020104020203" pitchFamily="34" charset="77"/>
+                </a:rPr>
+                <a:t>Update plot output</a:t>
+              </a:r>
+            </a:p>
+          </p:txBody>
+        </p:sp>
+      </p:grpSp>
+      <p:sp>
+        <p:nvSpPr>
+          <p:cNvPr id="2" name="Rectangle: Rounded Corners 1">
+            <a:extLst>
+              <a:ext uri="{FF2B5EF4-FFF2-40B4-BE49-F238E27FC236}">
+                <a16:creationId xmlns:a16="http://schemas.microsoft.com/office/drawing/2014/main" id="{0EB09F23-600D-4CAC-BC68-3EABD5B34C4C}"/>
+              </a:ext>
+            </a:extLst>
+          </p:cNvPr>
+          <p:cNvSpPr/>
+          <p:nvPr/>
+        </p:nvSpPr>
+        <p:spPr>
+          <a:xfrm>
+            <a:off x="3589506" y="2873575"/>
+            <a:ext cx="663407" cy="555425"/>
+          </a:xfrm>
+          <a:prstGeom prst="roundRect">
+            <a:avLst/>
+          </a:prstGeom>
+        </p:spPr>
+        <p:style>
+          <a:lnRef idx="2">
+            <a:schemeClr val="accent1">
+              <a:shade val="50000"/>
+            </a:schemeClr>
+          </a:lnRef>
+          <a:fillRef idx="1">
+            <a:schemeClr val="accent1"/>
+          </a:fillRef>
+          <a:effectRef idx="0">
+            <a:schemeClr val="accent1"/>
+          </a:effectRef>
+          <a:fontRef idx="minor">
+            <a:schemeClr val="lt1"/>
+          </a:fontRef>
+        </p:style>
+        <p:txBody>
+          <a:bodyPr rtlCol="0" anchor="ctr"/>
+          <a:lstStyle/>
+          <a:p>
+            <a:pPr algn="ctr"/>
+            <a:r>
+              <a:rPr lang="en-GB" dirty="0"/>
+              <a:t>Run</a:t>
+            </a:r>
+          </a:p>
+        </p:txBody>
+      </p:sp>
+    </p:spTree>
+    <p:extLst>
+      <p:ext uri="{BB962C8B-B14F-4D97-AF65-F5344CB8AC3E}">
+        <p14:creationId xmlns:p14="http://schemas.microsoft.com/office/powerpoint/2010/main" val="1337119792"/>
+      </p:ext>
+    </p:extLst>
+  </p:cSld>
+  <p:clrMapOvr>
+    <a:masterClrMapping/>
+  </p:clrMapOvr>
+  <mc:AlternateContent xmlns:mc="http://schemas.openxmlformats.org/markup-compatibility/2006">
+    <mc:Choice xmlns:p14="http://schemas.microsoft.com/office/powerpoint/2010/main" Requires="p14">
+      <p:transition spd="med" p14:dur="700">
+        <p:fade/>
+      </p:transition>
+    </mc:Choice>
+    <mc:Fallback>
+      <p:transition spd="med">
+        <p:fade/>
+      </p:transition>
+    </mc:Fallback>
+  </mc:AlternateContent>
+  <p:timing>
+    <p:tnLst>
+      <p:par>
+        <p:cTn id="1" dur="indefinite" restart="never" nodeType="tmRoot">
+          <p:childTnLst>
+            <p:seq concurrent="1" nextAc="seek">
+              <p:cTn id="2" dur="indefinite" nodeType="mainSeq">
+                <p:childTnLst>
+                  <p:par>
+                    <p:cTn id="3" fill="hold">
+                      <p:stCondLst>
+                        <p:cond delay="indefinite"/>
+                      </p:stCondLst>
+                      <p:childTnLst>
+                        <p:par>
+                          <p:cTn id="4" fill="hold">
+                            <p:stCondLst>
+                              <p:cond delay="0"/>
+                            </p:stCondLst>
+                            <p:childTnLst>
+                              <p:par>
+                                <p:cTn id="5" presetID="10" presetClass="exit" presetSubtype="0" fill="hold" grpId="0" nodeType="clickEffect">
+                                  <p:stCondLst>
+                                    <p:cond delay="0"/>
+                                  </p:stCondLst>
+                                  <p:childTnLst>
+                                    <p:animEffect transition="out" filter="fade">
+                                      <p:cBhvr>
+                                        <p:cTn id="6" dur="500"/>
+                                        <p:tgtEl>
+                                          <p:spTgt spid="2"/>
+                                        </p:tgtEl>
+                                      </p:cBhvr>
+                                    </p:animEffect>
+                                    <p:set>
+                                      <p:cBhvr>
+                                        <p:cTn id="7" dur="1" fill="hold">
+                                          <p:stCondLst>
+                                            <p:cond delay="499"/>
+                                          </p:stCondLst>
+                                        </p:cTn>
+                                        <p:tgtEl>
+                                          <p:spTgt spid="2"/>
+                                        </p:tgtEl>
+                                        <p:attrNameLst>
+                                          <p:attrName>style.visibility</p:attrName>
+                                        </p:attrNameLst>
+                                      </p:cBhvr>
+                                      <p:to>
+                                        <p:strVal val="hidden"/>
+                                      </p:to>
+                                    </p:set>
+                                  </p:childTnLst>
+                                </p:cTn>
+                              </p:par>
+                            </p:childTnLst>
+                          </p:cTn>
+                        </p:par>
+                        <p:par>
+                          <p:cTn id="8" fill="hold">
+                            <p:stCondLst>
+                              <p:cond delay="500"/>
+                            </p:stCondLst>
+                            <p:childTnLst>
+                              <p:par>
+                                <p:cTn id="9" presetID="10" presetClass="entr" presetSubtype="0" fill="hold" grpId="0" nodeType="afterEffect">
+                                  <p:stCondLst>
+                                    <p:cond delay="0"/>
+                                  </p:stCondLst>
+                                  <p:childTnLst>
+                                    <p:set>
+                                      <p:cBhvr>
+                                        <p:cTn id="10" dur="1" fill="hold">
+                                          <p:stCondLst>
+                                            <p:cond delay="0"/>
+                                          </p:stCondLst>
+                                        </p:cTn>
+                                        <p:tgtEl>
+                                          <p:spTgt spid="8"/>
+                                        </p:tgtEl>
+                                        <p:attrNameLst>
+                                          <p:attrName>style.visibility</p:attrName>
+                                        </p:attrNameLst>
+                                      </p:cBhvr>
+                                      <p:to>
+                                        <p:strVal val="visible"/>
+                                      </p:to>
+                                    </p:set>
+                                    <p:animEffect transition="in" filter="fade">
+                                      <p:cBhvr>
+                                        <p:cTn id="11" dur="500"/>
+                                        <p:tgtEl>
+                                          <p:spTgt spid="8"/>
+                                        </p:tgtEl>
+                                      </p:cBhvr>
+                                    </p:animEffect>
+                                  </p:childTnLst>
+                                </p:cTn>
+                              </p:par>
+                              <p:par>
+                                <p:cTn id="12" presetID="10" presetClass="entr" presetSubtype="0" fill="hold" nodeType="withEffect">
+                                  <p:stCondLst>
+                                    <p:cond delay="0"/>
+                                  </p:stCondLst>
+                                  <p:childTnLst>
+                                    <p:set>
+                                      <p:cBhvr>
+                                        <p:cTn id="13" dur="1" fill="hold">
+                                          <p:stCondLst>
+                                            <p:cond delay="0"/>
+                                          </p:stCondLst>
+                                        </p:cTn>
+                                        <p:tgtEl>
+                                          <p:spTgt spid="13"/>
+                                        </p:tgtEl>
+                                        <p:attrNameLst>
+                                          <p:attrName>style.visibility</p:attrName>
+                                        </p:attrNameLst>
+                                      </p:cBhvr>
+                                      <p:to>
+                                        <p:strVal val="visible"/>
+                                      </p:to>
+                                    </p:set>
+                                    <p:animEffect transition="in" filter="fade">
+                                      <p:cBhvr>
+                                        <p:cTn id="14" dur="500"/>
+                                        <p:tgtEl>
+                                          <p:spTgt spid="13"/>
+                                        </p:tgtEl>
+                                      </p:cBhvr>
+                                    </p:animEffect>
+                                  </p:childTnLst>
+                                </p:cTn>
+                              </p:par>
+                              <p:par>
+                                <p:cTn id="15" presetID="10" presetClass="entr" presetSubtype="0" fill="hold" nodeType="withEffect">
+                                  <p:stCondLst>
+                                    <p:cond delay="0"/>
+                                  </p:stCondLst>
+                                  <p:childTnLst>
+                                    <p:set>
+                                      <p:cBhvr>
+                                        <p:cTn id="16" dur="1" fill="hold">
+                                          <p:stCondLst>
+                                            <p:cond delay="0"/>
+                                          </p:stCondLst>
+                                        </p:cTn>
+                                        <p:tgtEl>
+                                          <p:spTgt spid="14"/>
+                                        </p:tgtEl>
+                                        <p:attrNameLst>
+                                          <p:attrName>style.visibility</p:attrName>
+                                        </p:attrNameLst>
+                                      </p:cBhvr>
+                                      <p:to>
+                                        <p:strVal val="visible"/>
+                                      </p:to>
+                                    </p:set>
+                                    <p:animEffect transition="in" filter="fade">
+                                      <p:cBhvr>
+                                        <p:cTn id="17" dur="500"/>
+                                        <p:tgtEl>
+                                          <p:spTgt spid="14"/>
+                                        </p:tgtEl>
+                                      </p:cBhvr>
+                                    </p:animEffect>
+                                  </p:childTnLst>
+                                </p:cTn>
+                              </p:par>
+                            </p:childTnLst>
+                          </p:cTn>
+                        </p:par>
+                      </p:childTnLst>
+                    </p:cTn>
+                  </p:par>
+                </p:childTnLst>
+              </p:cTn>
+              <p:prevCondLst>
+                <p:cond evt="onPrev" delay="0">
+                  <p:tgtEl>
+                    <p:sldTgt/>
+                  </p:tgtEl>
+                </p:cond>
+              </p:prevCondLst>
+              <p:nextCondLst>
+                <p:cond evt="onNext" delay="0">
+                  <p:tgtEl>
+                    <p:sldTgt/>
+                  </p:tgtEl>
+                </p:cond>
+              </p:nextCondLst>
+            </p:seq>
+          </p:childTnLst>
+        </p:cTn>
+      </p:par>
+    </p:tnLst>
+    <p:bldLst>
+      <p:bldP spid="8" grpId="0" animBg="1"/>
+      <p:bldP spid="2" grpId="0" animBg="1"/>
+    </p:bldLst>
+  </p:timing>
+</p:sld>
+</file>
+
+<file path=ppt/slides/slide23.xml><?xml version="1.0" encoding="utf-8"?>
+<p:sld xmlns:a="http://schemas.openxmlformats.org/drawingml/2006/main" xmlns:r="http://schemas.openxmlformats.org/officeDocument/2006/relationships" xmlns:p="http://schemas.openxmlformats.org/presentationml/2006/main">
+  <p:cSld>
+    <p:spTree>
+      <p:nvGrpSpPr>
+        <p:cNvPr id="1" name=""/>
+        <p:cNvGrpSpPr/>
+        <p:nvPr/>
+      </p:nvGrpSpPr>
+      <p:grpSpPr>
+        <a:xfrm>
+          <a:off x="0" y="0"/>
+          <a:ext cx="0" cy="0"/>
+          <a:chOff x="0" y="0"/>
+          <a:chExt cx="0" cy="0"/>
+        </a:xfrm>
+      </p:grpSpPr>
+      <p:sp>
+        <p:nvSpPr>
           <p:cNvPr id="5" name="Content Placeholder 4">
             <a:extLst>
               <a:ext uri="{FF2B5EF4-FFF2-40B4-BE49-F238E27FC236}">
@@ -13537,6 +15100,18 @@
   <p:clrMapOvr>
     <a:masterClrMapping/>
   </p:clrMapOvr>
+  <mc:AlternateContent xmlns:mc="http://schemas.openxmlformats.org/markup-compatibility/2006">
+    <mc:Choice xmlns:p14="http://schemas.microsoft.com/office/powerpoint/2010/main" Requires="p14">
+      <p:transition spd="med" p14:dur="700">
+        <p:fade/>
+      </p:transition>
+    </mc:Choice>
+    <mc:Fallback>
+      <p:transition spd="med">
+        <p:fade/>
+      </p:transition>
+    </mc:Fallback>
+  </mc:AlternateContent>
 </p:sld>
 </file>
 
@@ -13681,6 +15256,18 @@
   <p:clrMapOvr>
     <a:masterClrMapping/>
   </p:clrMapOvr>
+  <mc:AlternateContent xmlns:mc="http://schemas.openxmlformats.org/markup-compatibility/2006">
+    <mc:Choice xmlns:p14="http://schemas.microsoft.com/office/powerpoint/2010/main" Requires="p14">
+      <p:transition spd="med" p14:dur="700">
+        <p:fade/>
+      </p:transition>
+    </mc:Choice>
+    <mc:Fallback>
+      <p:transition spd="med">
+        <p:fade/>
+      </p:transition>
+    </mc:Fallback>
+  </mc:AlternateContent>
 </p:sld>
 </file>
 
@@ -13779,6 +15366,18 @@
   <p:clrMapOvr>
     <a:masterClrMapping/>
   </p:clrMapOvr>
+  <mc:AlternateContent xmlns:mc="http://schemas.openxmlformats.org/markup-compatibility/2006">
+    <mc:Choice xmlns:p14="http://schemas.microsoft.com/office/powerpoint/2010/main" Requires="p14">
+      <p:transition spd="med" p14:dur="700">
+        <p:fade/>
+      </p:transition>
+    </mc:Choice>
+    <mc:Fallback>
+      <p:transition spd="med">
+        <p:fade/>
+      </p:transition>
+    </mc:Fallback>
+  </mc:AlternateContent>
   <p:timing>
     <p:tnLst>
       <p:par>
@@ -13906,7 +15505,7 @@
         </p:blipFill>
         <p:spPr>
           <a:xfrm>
-            <a:off x="48581" y="285750"/>
+            <a:off x="48581" y="457200"/>
             <a:ext cx="12094837" cy="5943600"/>
           </a:xfrm>
         </p:spPr>
@@ -13927,7 +15526,7 @@
         </p:nvCxnSpPr>
         <p:spPr>
           <a:xfrm>
-            <a:off x="2095928" y="1736332"/>
+            <a:off x="2095928" y="1907782"/>
             <a:ext cx="1582220" cy="0"/>
           </a:xfrm>
           <a:prstGeom prst="straightConnector1">
@@ -13962,6 +15561,18 @@
   <p:clrMapOvr>
     <a:masterClrMapping/>
   </p:clrMapOvr>
+  <mc:AlternateContent xmlns:mc="http://schemas.openxmlformats.org/markup-compatibility/2006">
+    <mc:Choice xmlns:p14="http://schemas.microsoft.com/office/powerpoint/2010/main" Requires="p14">
+      <p:transition spd="med" p14:dur="700">
+        <p:fade/>
+      </p:transition>
+    </mc:Choice>
+    <mc:Fallback>
+      <p:transition spd="med">
+        <p:fade/>
+      </p:transition>
+    </mc:Fallback>
+  </mc:AlternateContent>
   <p:timing>
     <p:tnLst>
       <p:par>
@@ -14145,6 +15756,18 @@
   <p:clrMapOvr>
     <a:masterClrMapping/>
   </p:clrMapOvr>
+  <mc:AlternateContent xmlns:mc="http://schemas.openxmlformats.org/markup-compatibility/2006">
+    <mc:Choice xmlns:p14="http://schemas.microsoft.com/office/powerpoint/2010/main" Requires="p14">
+      <p:transition spd="med" p14:dur="700">
+        <p:fade/>
+      </p:transition>
+    </mc:Choice>
+    <mc:Fallback>
+      <p:transition spd="med">
+        <p:fade/>
+      </p:transition>
+    </mc:Fallback>
+  </mc:AlternateContent>
   <p:timing>
     <p:tnLst>
       <p:par>
@@ -14287,6 +15910,18 @@
   <p:clrMapOvr>
     <a:masterClrMapping/>
   </p:clrMapOvr>
+  <mc:AlternateContent xmlns:mc="http://schemas.openxmlformats.org/markup-compatibility/2006">
+    <mc:Choice xmlns:p14="http://schemas.microsoft.com/office/powerpoint/2010/main" Requires="p14">
+      <p:transition spd="med" p14:dur="700">
+        <p:fade/>
+      </p:transition>
+    </mc:Choice>
+    <mc:Fallback>
+      <p:transition spd="med">
+        <p:fade/>
+      </p:transition>
+    </mc:Fallback>
+  </mc:AlternateContent>
 </p:sld>
 </file>
 
@@ -15199,6 +16834,18 @@
   <p:clrMapOvr>
     <a:masterClrMapping/>
   </p:clrMapOvr>
+  <mc:AlternateContent xmlns:mc="http://schemas.openxmlformats.org/markup-compatibility/2006">
+    <mc:Choice xmlns:p14="http://schemas.microsoft.com/office/powerpoint/2010/main" Requires="p14">
+      <p:transition spd="med" p14:dur="700">
+        <p:fade/>
+      </p:transition>
+    </mc:Choice>
+    <mc:Fallback>
+      <p:transition spd="med">
+        <p:fade/>
+      </p:transition>
+    </mc:Fallback>
+  </mc:AlternateContent>
 </p:sld>
 </file>
 
@@ -15319,6 +16966,18 @@
   <p:clrMapOvr>
     <a:masterClrMapping/>
   </p:clrMapOvr>
+  <mc:AlternateContent xmlns:mc="http://schemas.openxmlformats.org/markup-compatibility/2006">
+    <mc:Choice xmlns:p14="http://schemas.microsoft.com/office/powerpoint/2010/main" Requires="p14">
+      <p:transition spd="med" p14:dur="700">
+        <p:fade/>
+      </p:transition>
+    </mc:Choice>
+    <mc:Fallback>
+      <p:transition spd="med">
+        <p:fade/>
+      </p:transition>
+    </mc:Fallback>
+  </mc:AlternateContent>
 </p:sld>
 </file>
 
